--- a/Detectia si clasificarea culorilor unui cub rubik.pptx
+++ b/Detectia si clasificarea culorilor unui cub rubik.pptx
@@ -5,7 +5,7 @@
     <p:sldMasterId id="2147483677" r:id="rId1"/>
   </p:sldMasterIdLst>
   <p:notesMasterIdLst>
-    <p:notesMasterId r:id="rId8"/>
+    <p:notesMasterId r:id="rId9"/>
   </p:notesMasterIdLst>
   <p:sldIdLst>
     <p:sldId id="256" r:id="rId2"/>
@@ -13,31 +13,32 @@
     <p:sldId id="261" r:id="rId4"/>
     <p:sldId id="263" r:id="rId5"/>
     <p:sldId id="264" r:id="rId6"/>
-    <p:sldId id="302" r:id="rId7"/>
+    <p:sldId id="303" r:id="rId7"/>
+    <p:sldId id="302" r:id="rId8"/>
   </p:sldIdLst>
   <p:sldSz cx="9144000" cy="5143500" type="screen16x9"/>
   <p:notesSz cx="6858000" cy="9144000"/>
   <p:embeddedFontLst>
     <p:embeddedFont>
       <p:font typeface="Berkshire Swash" panose="020B0604020202020204" charset="0"/>
-      <p:regular r:id="rId9"/>
+      <p:regular r:id="rId10"/>
     </p:embeddedFont>
     <p:embeddedFont>
       <p:font typeface="Roboto" panose="02000000000000000000" pitchFamily="2" charset="0"/>
-      <p:regular r:id="rId10"/>
-      <p:bold r:id="rId11"/>
-      <p:italic r:id="rId12"/>
-      <p:boldItalic r:id="rId13"/>
+      <p:regular r:id="rId11"/>
+      <p:bold r:id="rId12"/>
+      <p:italic r:id="rId13"/>
+      <p:boldItalic r:id="rId14"/>
     </p:embeddedFont>
     <p:embeddedFont>
       <p:font typeface="Roboto Black" panose="02000000000000000000" pitchFamily="2" charset="0"/>
-      <p:bold r:id="rId14"/>
-      <p:boldItalic r:id="rId15"/>
+      <p:bold r:id="rId15"/>
+      <p:boldItalic r:id="rId16"/>
     </p:embeddedFont>
     <p:embeddedFont>
       <p:font typeface="Space Grotesk" panose="020B0604020202020204" charset="0"/>
-      <p:regular r:id="rId16"/>
-      <p:bold r:id="rId17"/>
+      <p:regular r:id="rId17"/>
+      <p:bold r:id="rId18"/>
     </p:embeddedFont>
   </p:embeddedFontLst>
   <p:defaultTextStyle>
@@ -269,6 +270,11 @@
       </a:defRPr>
     </a:lvl9pPr>
   </p:defaultTextStyle>
+  <p:extLst>
+    <p:ext uri="{EFAFB233-063F-42B5-8137-9DF3F51BA10A}">
+      <p15:sldGuideLst xmlns:p15="http://schemas.microsoft.com/office/powerpoint/2012/main"/>
+    </p:ext>
+  </p:extLst>
 </p:presentation>
 </file>
 
@@ -8646,72 +8652,32 @@
               <a:t> </a:t>
             </a:r>
             <a:r>
-              <a:rPr lang="ro-RO" sz="2800" dirty="0">
-                <a:solidFill>
-                  <a:schemeClr val="bg1"/>
-                </a:solidFill>
+              <a:rPr lang="ro-RO" sz="2800" i="0" dirty="0">
+                <a:solidFill>
+                  <a:srgbClr val="FFFFFF"/>
+                </a:solidFill>
+                <a:effectLst/>
                 <a:highlight>
-                  <a:srgbClr val="FF00FF"/>
+                  <a:schemeClr val="accent1"/>
                 </a:highlight>
                 <a:latin typeface="Space Grotesk" panose="020B0604020202020204" charset="0"/>
                 <a:cs typeface="Space Grotesk" panose="020B0604020202020204" charset="0"/>
               </a:rPr>
-              <a:t>C</a:t>
+              <a:t>Cub </a:t>
             </a:r>
             <a:r>
-              <a:rPr lang="en-US" sz="2800" i="0" dirty="0" err="1">
-                <a:solidFill>
-                  <a:schemeClr val="bg1"/>
+              <a:rPr lang="ro-RO" sz="2800" i="0" dirty="0" err="1">
+                <a:solidFill>
+                  <a:srgbClr val="FFFFFF"/>
                 </a:solidFill>
                 <a:effectLst/>
                 <a:highlight>
-                  <a:srgbClr val="FF00FF"/>
+                  <a:schemeClr val="accent1"/>
                 </a:highlight>
                 <a:latin typeface="Space Grotesk" panose="020B0604020202020204" charset="0"/>
                 <a:cs typeface="Space Grotesk" panose="020B0604020202020204" charset="0"/>
               </a:rPr>
-              <a:t>ub</a:t>
-            </a:r>
-            <a:r>
-              <a:rPr lang="ro-RO" sz="2800" i="0" dirty="0">
-                <a:solidFill>
-                  <a:schemeClr val="bg1"/>
-                </a:solidFill>
-                <a:effectLst/>
-                <a:highlight>
-                  <a:srgbClr val="FF00FF"/>
-                </a:highlight>
-                <a:latin typeface="Space Grotesk" panose="020B0604020202020204" charset="0"/>
-                <a:cs typeface="Space Grotesk" panose="020B0604020202020204" charset="0"/>
-              </a:rPr>
-              <a:t> </a:t>
-            </a:r>
-            <a:r>
-              <a:rPr lang="ro-RO" sz="2800" dirty="0">
-                <a:solidFill>
-                  <a:schemeClr val="bg1"/>
-                </a:solidFill>
-                <a:highlight>
-                  <a:srgbClr val="FF00FF"/>
-                </a:highlight>
-                <a:latin typeface="Space Grotesk" panose="020B0604020202020204" charset="0"/>
-                <a:cs typeface="Space Grotesk" panose="020B0604020202020204" charset="0"/>
-              </a:rPr>
-              <a:t>R</a:t>
-            </a:r>
-            <a:r>
-              <a:rPr lang="en-US" sz="2800" i="0" dirty="0" err="1">
-                <a:solidFill>
-                  <a:schemeClr val="bg1"/>
-                </a:solidFill>
-                <a:effectLst/>
-                <a:highlight>
-                  <a:srgbClr val="FF00FF"/>
-                </a:highlight>
-                <a:latin typeface="Space Grotesk" panose="020B0604020202020204" charset="0"/>
-                <a:cs typeface="Space Grotesk" panose="020B0604020202020204" charset="0"/>
-              </a:rPr>
-              <a:t>ubik</a:t>
+              <a:t>Rubik</a:t>
             </a:r>
             <a:endParaRPr lang="en-US" sz="2800" dirty="0">
               <a:solidFill>
@@ -32183,6 +32149,5462 @@
 </file>
 
 <file path=ppt/slides/slide6.xml><?xml version="1.0" encoding="utf-8"?>
+<p:sld xmlns:a="http://schemas.openxmlformats.org/drawingml/2006/main" xmlns:r="http://schemas.openxmlformats.org/officeDocument/2006/relationships" xmlns:p="http://schemas.openxmlformats.org/presentationml/2006/main">
+  <p:cSld>
+    <p:spTree>
+      <p:nvGrpSpPr>
+        <p:cNvPr id="1" name=""/>
+        <p:cNvGrpSpPr/>
+        <p:nvPr/>
+      </p:nvGrpSpPr>
+      <p:grpSpPr>
+        <a:xfrm>
+          <a:off x="0" y="0"/>
+          <a:ext cx="0" cy="0"/>
+          <a:chOff x="0" y="0"/>
+          <a:chExt cx="0" cy="0"/>
+        </a:xfrm>
+      </p:grpSpPr>
+      <p:sp>
+        <p:nvSpPr>
+          <p:cNvPr id="2" name="Google Shape;373;p37">
+            <a:extLst>
+              <a:ext uri="{FF2B5EF4-FFF2-40B4-BE49-F238E27FC236}">
+                <a16:creationId xmlns:a16="http://schemas.microsoft.com/office/drawing/2014/main" id="{64D5D534-05F3-7E64-9D94-66822A37FF72}"/>
+              </a:ext>
+            </a:extLst>
+          </p:cNvPr>
+          <p:cNvSpPr txBox="1">
+            <a:spLocks/>
+          </p:cNvSpPr>
+          <p:nvPr/>
+        </p:nvSpPr>
+        <p:spPr>
+          <a:xfrm>
+            <a:off x="969875" y="1667652"/>
+            <a:ext cx="5063880" cy="1047000"/>
+          </a:xfrm>
+          <a:prstGeom prst="rect">
+            <a:avLst/>
+          </a:prstGeom>
+        </p:spPr>
+        <p:txBody>
+          <a:bodyPr spcFirstLastPara="1" wrap="square" lIns="91425" tIns="91425" rIns="91425" bIns="91425" anchor="ctr" anchorCtr="0">
+            <a:noAutofit/>
+          </a:bodyPr>
+          <a:lstStyle>
+            <a:defPPr marR="0" lvl="0" algn="l" rtl="0">
+              <a:lnSpc>
+                <a:spcPct val="100000"/>
+              </a:lnSpc>
+              <a:spcBef>
+                <a:spcPts val="0"/>
+              </a:spcBef>
+              <a:spcAft>
+                <a:spcPts val="0"/>
+              </a:spcAft>
+            </a:defPPr>
+            <a:lvl1pPr marR="0" lvl="0" algn="l" rtl="0">
+              <a:lnSpc>
+                <a:spcPct val="100000"/>
+              </a:lnSpc>
+              <a:spcBef>
+                <a:spcPts val="0"/>
+              </a:spcBef>
+              <a:spcAft>
+                <a:spcPts val="0"/>
+              </a:spcAft>
+              <a:buClr>
+                <a:srgbClr val="000000"/>
+              </a:buClr>
+              <a:buFont typeface="Arial"/>
+              <a:defRPr sz="1400" b="0" i="0" u="none" strike="noStrike" cap="none">
+                <a:solidFill>
+                  <a:srgbClr val="000000"/>
+                </a:solidFill>
+                <a:latin typeface="Arial"/>
+                <a:ea typeface="Arial"/>
+                <a:cs typeface="Arial"/>
+                <a:sym typeface="Arial"/>
+              </a:defRPr>
+            </a:lvl1pPr>
+            <a:lvl2pPr marR="0" lvl="1" algn="l" rtl="0">
+              <a:lnSpc>
+                <a:spcPct val="100000"/>
+              </a:lnSpc>
+              <a:spcBef>
+                <a:spcPts val="0"/>
+              </a:spcBef>
+              <a:spcAft>
+                <a:spcPts val="0"/>
+              </a:spcAft>
+              <a:buClr>
+                <a:srgbClr val="000000"/>
+              </a:buClr>
+              <a:buFont typeface="Arial"/>
+              <a:defRPr sz="1400" b="0" i="0" u="none" strike="noStrike" cap="none">
+                <a:solidFill>
+                  <a:srgbClr val="000000"/>
+                </a:solidFill>
+                <a:latin typeface="Arial"/>
+                <a:ea typeface="Arial"/>
+                <a:cs typeface="Arial"/>
+                <a:sym typeface="Arial"/>
+              </a:defRPr>
+            </a:lvl2pPr>
+            <a:lvl3pPr marR="0" lvl="2" algn="l" rtl="0">
+              <a:lnSpc>
+                <a:spcPct val="100000"/>
+              </a:lnSpc>
+              <a:spcBef>
+                <a:spcPts val="0"/>
+              </a:spcBef>
+              <a:spcAft>
+                <a:spcPts val="0"/>
+              </a:spcAft>
+              <a:buClr>
+                <a:srgbClr val="000000"/>
+              </a:buClr>
+              <a:buFont typeface="Arial"/>
+              <a:defRPr sz="1400" b="0" i="0" u="none" strike="noStrike" cap="none">
+                <a:solidFill>
+                  <a:srgbClr val="000000"/>
+                </a:solidFill>
+                <a:latin typeface="Arial"/>
+                <a:ea typeface="Arial"/>
+                <a:cs typeface="Arial"/>
+                <a:sym typeface="Arial"/>
+              </a:defRPr>
+            </a:lvl3pPr>
+            <a:lvl4pPr marR="0" lvl="3" algn="l" rtl="0">
+              <a:lnSpc>
+                <a:spcPct val="100000"/>
+              </a:lnSpc>
+              <a:spcBef>
+                <a:spcPts val="0"/>
+              </a:spcBef>
+              <a:spcAft>
+                <a:spcPts val="0"/>
+              </a:spcAft>
+              <a:buClr>
+                <a:srgbClr val="000000"/>
+              </a:buClr>
+              <a:buFont typeface="Arial"/>
+              <a:defRPr sz="1400" b="0" i="0" u="none" strike="noStrike" cap="none">
+                <a:solidFill>
+                  <a:srgbClr val="000000"/>
+                </a:solidFill>
+                <a:latin typeface="Arial"/>
+                <a:ea typeface="Arial"/>
+                <a:cs typeface="Arial"/>
+                <a:sym typeface="Arial"/>
+              </a:defRPr>
+            </a:lvl4pPr>
+            <a:lvl5pPr marR="0" lvl="4" algn="l" rtl="0">
+              <a:lnSpc>
+                <a:spcPct val="100000"/>
+              </a:lnSpc>
+              <a:spcBef>
+                <a:spcPts val="0"/>
+              </a:spcBef>
+              <a:spcAft>
+                <a:spcPts val="0"/>
+              </a:spcAft>
+              <a:buClr>
+                <a:srgbClr val="000000"/>
+              </a:buClr>
+              <a:buFont typeface="Arial"/>
+              <a:defRPr sz="1400" b="0" i="0" u="none" strike="noStrike" cap="none">
+                <a:solidFill>
+                  <a:srgbClr val="000000"/>
+                </a:solidFill>
+                <a:latin typeface="Arial"/>
+                <a:ea typeface="Arial"/>
+                <a:cs typeface="Arial"/>
+                <a:sym typeface="Arial"/>
+              </a:defRPr>
+            </a:lvl5pPr>
+            <a:lvl6pPr marR="0" lvl="5" algn="l" rtl="0">
+              <a:lnSpc>
+                <a:spcPct val="100000"/>
+              </a:lnSpc>
+              <a:spcBef>
+                <a:spcPts val="0"/>
+              </a:spcBef>
+              <a:spcAft>
+                <a:spcPts val="0"/>
+              </a:spcAft>
+              <a:buClr>
+                <a:srgbClr val="000000"/>
+              </a:buClr>
+              <a:buFont typeface="Arial"/>
+              <a:defRPr sz="1400" b="0" i="0" u="none" strike="noStrike" cap="none">
+                <a:solidFill>
+                  <a:srgbClr val="000000"/>
+                </a:solidFill>
+                <a:latin typeface="Arial"/>
+                <a:ea typeface="Arial"/>
+                <a:cs typeface="Arial"/>
+                <a:sym typeface="Arial"/>
+              </a:defRPr>
+            </a:lvl6pPr>
+            <a:lvl7pPr marR="0" lvl="6" algn="l" rtl="0">
+              <a:lnSpc>
+                <a:spcPct val="100000"/>
+              </a:lnSpc>
+              <a:spcBef>
+                <a:spcPts val="0"/>
+              </a:spcBef>
+              <a:spcAft>
+                <a:spcPts val="0"/>
+              </a:spcAft>
+              <a:buClr>
+                <a:srgbClr val="000000"/>
+              </a:buClr>
+              <a:buFont typeface="Arial"/>
+              <a:defRPr sz="1400" b="0" i="0" u="none" strike="noStrike" cap="none">
+                <a:solidFill>
+                  <a:srgbClr val="000000"/>
+                </a:solidFill>
+                <a:latin typeface="Arial"/>
+                <a:ea typeface="Arial"/>
+                <a:cs typeface="Arial"/>
+                <a:sym typeface="Arial"/>
+              </a:defRPr>
+            </a:lvl7pPr>
+            <a:lvl8pPr marR="0" lvl="7" algn="l" rtl="0">
+              <a:lnSpc>
+                <a:spcPct val="100000"/>
+              </a:lnSpc>
+              <a:spcBef>
+                <a:spcPts val="0"/>
+              </a:spcBef>
+              <a:spcAft>
+                <a:spcPts val="0"/>
+              </a:spcAft>
+              <a:buClr>
+                <a:srgbClr val="000000"/>
+              </a:buClr>
+              <a:buFont typeface="Arial"/>
+              <a:defRPr sz="1400" b="0" i="0" u="none" strike="noStrike" cap="none">
+                <a:solidFill>
+                  <a:srgbClr val="000000"/>
+                </a:solidFill>
+                <a:latin typeface="Arial"/>
+                <a:ea typeface="Arial"/>
+                <a:cs typeface="Arial"/>
+                <a:sym typeface="Arial"/>
+              </a:defRPr>
+            </a:lvl8pPr>
+            <a:lvl9pPr marR="0" lvl="8" algn="l" rtl="0">
+              <a:lnSpc>
+                <a:spcPct val="100000"/>
+              </a:lnSpc>
+              <a:spcBef>
+                <a:spcPts val="0"/>
+              </a:spcBef>
+              <a:spcAft>
+                <a:spcPts val="0"/>
+              </a:spcAft>
+              <a:buClr>
+                <a:srgbClr val="000000"/>
+              </a:buClr>
+              <a:buFont typeface="Arial"/>
+              <a:defRPr sz="1400" b="0" i="0" u="none" strike="noStrike" cap="none">
+                <a:solidFill>
+                  <a:srgbClr val="000000"/>
+                </a:solidFill>
+                <a:latin typeface="Arial"/>
+                <a:ea typeface="Arial"/>
+                <a:cs typeface="Arial"/>
+                <a:sym typeface="Arial"/>
+              </a:defRPr>
+            </a:lvl9pPr>
+          </a:lstStyle>
+          <a:p>
+            <a:pPr algn="ctr"/>
+            <a:r>
+              <a:rPr lang="en-US" sz="4000" b="1" dirty="0">
+                <a:solidFill>
+                  <a:schemeClr val="tx1"/>
+                </a:solidFill>
+                <a:latin typeface="Space Grotesk" panose="020B0604020202020204" charset="0"/>
+                <a:cs typeface="Space Grotesk" panose="020B0604020202020204" charset="0"/>
+              </a:rPr>
+              <a:t>DIREC</a:t>
+            </a:r>
+            <a:r>
+              <a:rPr lang="ro-RO" sz="4000" b="1" dirty="0">
+                <a:solidFill>
+                  <a:schemeClr val="tx1"/>
+                </a:solidFill>
+                <a:latin typeface="Space Grotesk" panose="020B0604020202020204" charset="0"/>
+                <a:cs typeface="Space Grotesk" panose="020B0604020202020204" charset="0"/>
+              </a:rPr>
+              <a:t>ȚII VIITOARE DE </a:t>
+            </a:r>
+            <a:r>
+              <a:rPr lang="ro-RO" sz="4000" b="1" dirty="0">
+                <a:solidFill>
+                  <a:srgbClr val="FFFFFF"/>
+                </a:solidFill>
+                <a:highlight>
+                  <a:schemeClr val="accent2"/>
+                </a:highlight>
+                <a:latin typeface="Space Grotesk" panose="020B0604020202020204" charset="0"/>
+                <a:cs typeface="Space Grotesk" panose="020B0604020202020204" charset="0"/>
+              </a:rPr>
+              <a:t>DEZVOLTARE</a:t>
+            </a:r>
+            <a:endParaRPr lang="en-US" sz="4000" b="1" dirty="0">
+              <a:solidFill>
+                <a:srgbClr val="FFFFFF"/>
+              </a:solidFill>
+              <a:highlight>
+                <a:schemeClr val="accent1"/>
+              </a:highlight>
+              <a:latin typeface="Space Grotesk" panose="020B0604020202020204" charset="0"/>
+              <a:cs typeface="Space Grotesk" panose="020B0604020202020204" charset="0"/>
+            </a:endParaRPr>
+          </a:p>
+        </p:txBody>
+      </p:sp>
+      <p:grpSp>
+        <p:nvGrpSpPr>
+          <p:cNvPr id="3" name="Google Shape;208;p32">
+            <a:extLst>
+              <a:ext uri="{FF2B5EF4-FFF2-40B4-BE49-F238E27FC236}">
+                <a16:creationId xmlns:a16="http://schemas.microsoft.com/office/drawing/2014/main" id="{E09C8497-EFF0-58C5-DF5F-25B6E196D159}"/>
+              </a:ext>
+            </a:extLst>
+          </p:cNvPr>
+          <p:cNvGrpSpPr/>
+          <p:nvPr/>
+        </p:nvGrpSpPr>
+        <p:grpSpPr>
+          <a:xfrm>
+            <a:off x="5077945" y="1613210"/>
+            <a:ext cx="3724086" cy="3136280"/>
+            <a:chOff x="4995106" y="1319476"/>
+            <a:chExt cx="3012533" cy="2504552"/>
+          </a:xfrm>
+        </p:grpSpPr>
+        <p:sp>
+          <p:nvSpPr>
+            <p:cNvPr id="4" name="Google Shape;209;p32">
+              <a:extLst>
+                <a:ext uri="{FF2B5EF4-FFF2-40B4-BE49-F238E27FC236}">
+                  <a16:creationId xmlns:a16="http://schemas.microsoft.com/office/drawing/2014/main" id="{33196E5E-C61E-A031-E74B-AA373CB45430}"/>
+                </a:ext>
+              </a:extLst>
+            </p:cNvPr>
+            <p:cNvSpPr/>
+            <p:nvPr/>
+          </p:nvSpPr>
+          <p:spPr>
+            <a:xfrm>
+              <a:off x="4995106" y="2034587"/>
+              <a:ext cx="3012533" cy="1789441"/>
+            </a:xfrm>
+            <a:custGeom>
+              <a:avLst/>
+              <a:gdLst/>
+              <a:ahLst/>
+              <a:cxnLst/>
+              <a:rect l="l" t="t" r="r" b="b"/>
+              <a:pathLst>
+                <a:path w="34426" h="20449" extrusionOk="0">
+                  <a:moveTo>
+                    <a:pt x="17217" y="1"/>
+                  </a:moveTo>
+                  <a:cubicBezTo>
+                    <a:pt x="17071" y="1"/>
+                    <a:pt x="16930" y="34"/>
+                    <a:pt x="16813" y="101"/>
+                  </a:cubicBezTo>
+                  <a:lnTo>
+                    <a:pt x="535" y="9541"/>
+                  </a:lnTo>
+                  <a:cubicBezTo>
+                    <a:pt x="1" y="9841"/>
+                    <a:pt x="1" y="10609"/>
+                    <a:pt x="535" y="10942"/>
+                  </a:cubicBezTo>
+                  <a:lnTo>
+                    <a:pt x="16813" y="20349"/>
+                  </a:lnTo>
+                  <a:cubicBezTo>
+                    <a:pt x="16930" y="20416"/>
+                    <a:pt x="17071" y="20449"/>
+                    <a:pt x="17217" y="20449"/>
+                  </a:cubicBezTo>
+                  <a:cubicBezTo>
+                    <a:pt x="17363" y="20449"/>
+                    <a:pt x="17513" y="20416"/>
+                    <a:pt x="17647" y="20349"/>
+                  </a:cubicBezTo>
+                  <a:lnTo>
+                    <a:pt x="33892" y="10942"/>
+                  </a:lnTo>
+                  <a:cubicBezTo>
+                    <a:pt x="34425" y="10609"/>
+                    <a:pt x="34425" y="9841"/>
+                    <a:pt x="33892" y="9508"/>
+                  </a:cubicBezTo>
+                  <a:lnTo>
+                    <a:pt x="17647" y="101"/>
+                  </a:lnTo>
+                  <a:cubicBezTo>
+                    <a:pt x="17513" y="34"/>
+                    <a:pt x="17363" y="1"/>
+                    <a:pt x="17217" y="1"/>
+                  </a:cubicBezTo>
+                  <a:close/>
+                </a:path>
+              </a:pathLst>
+            </a:custGeom>
+            <a:solidFill>
+              <a:srgbClr val="434343">
+                <a:alpha val="13020"/>
+              </a:srgbClr>
+            </a:solidFill>
+            <a:ln>
+              <a:noFill/>
+            </a:ln>
+          </p:spPr>
+          <p:txBody>
+            <a:bodyPr spcFirstLastPara="1" wrap="square" lIns="91425" tIns="91425" rIns="91425" bIns="91425" anchor="ctr" anchorCtr="0">
+              <a:noAutofit/>
+            </a:bodyPr>
+            <a:lstStyle/>
+            <a:p>
+              <a:pPr marL="0" lvl="0" indent="0" algn="l" rtl="0">
+                <a:spcBef>
+                  <a:spcPts val="0"/>
+                </a:spcBef>
+                <a:spcAft>
+                  <a:spcPts val="0"/>
+                </a:spcAft>
+                <a:buNone/>
+              </a:pPr>
+              <a:endParaRPr/>
+            </a:p>
+          </p:txBody>
+        </p:sp>
+        <p:grpSp>
+          <p:nvGrpSpPr>
+            <p:cNvPr id="5" name="Google Shape;210;p32">
+              <a:extLst>
+                <a:ext uri="{FF2B5EF4-FFF2-40B4-BE49-F238E27FC236}">
+                  <a16:creationId xmlns:a16="http://schemas.microsoft.com/office/drawing/2014/main" id="{5F1357E7-9692-308B-E030-0123D9A28CD3}"/>
+                </a:ext>
+              </a:extLst>
+            </p:cNvPr>
+            <p:cNvGrpSpPr/>
+            <p:nvPr/>
+          </p:nvGrpSpPr>
+          <p:grpSpPr>
+            <a:xfrm>
+              <a:off x="5415492" y="1319476"/>
+              <a:ext cx="2151372" cy="2487051"/>
+              <a:chOff x="5415492" y="1319476"/>
+              <a:chExt cx="2151372" cy="2487051"/>
+            </a:xfrm>
+          </p:grpSpPr>
+          <p:sp>
+            <p:nvSpPr>
+              <p:cNvPr id="6" name="Google Shape;211;p32">
+                <a:extLst>
+                  <a:ext uri="{FF2B5EF4-FFF2-40B4-BE49-F238E27FC236}">
+                    <a16:creationId xmlns:a16="http://schemas.microsoft.com/office/drawing/2014/main" id="{7BC550B0-488E-9A02-4AE7-78565F5D5BF2}"/>
+                  </a:ext>
+                </a:extLst>
+              </p:cNvPr>
+              <p:cNvSpPr/>
+              <p:nvPr/>
+            </p:nvSpPr>
+            <p:spPr>
+              <a:xfrm>
+                <a:off x="5415492" y="1944104"/>
+                <a:ext cx="359131" cy="616053"/>
+              </a:xfrm>
+              <a:custGeom>
+                <a:avLst/>
+                <a:gdLst/>
+                <a:ahLst/>
+                <a:cxnLst/>
+                <a:rect l="l" t="t" r="r" b="b"/>
+                <a:pathLst>
+                  <a:path w="4104" h="7040" extrusionOk="0">
+                    <a:moveTo>
+                      <a:pt x="0" y="1"/>
+                    </a:moveTo>
+                    <a:lnTo>
+                      <a:pt x="0" y="4704"/>
+                    </a:lnTo>
+                    <a:lnTo>
+                      <a:pt x="4070" y="7039"/>
+                    </a:lnTo>
+                    <a:lnTo>
+                      <a:pt x="4103" y="7039"/>
+                    </a:lnTo>
+                    <a:lnTo>
+                      <a:pt x="4103" y="2336"/>
+                    </a:lnTo>
+                    <a:lnTo>
+                      <a:pt x="34" y="1"/>
+                    </a:lnTo>
+                    <a:close/>
+                  </a:path>
+                </a:pathLst>
+              </a:custGeom>
+              <a:solidFill>
+                <a:schemeClr val="lt2"/>
+              </a:solidFill>
+              <a:ln w="9525" cap="flat" cmpd="sng">
+                <a:solidFill>
+                  <a:schemeClr val="dk1"/>
+                </a:solidFill>
+                <a:prstDash val="solid"/>
+                <a:round/>
+                <a:headEnd type="none" w="sm" len="sm"/>
+                <a:tailEnd type="none" w="sm" len="sm"/>
+              </a:ln>
+            </p:spPr>
+            <p:txBody>
+              <a:bodyPr spcFirstLastPara="1" wrap="square" lIns="91425" tIns="91425" rIns="91425" bIns="91425" anchor="ctr" anchorCtr="0">
+                <a:noAutofit/>
+              </a:bodyPr>
+              <a:lstStyle/>
+              <a:p>
+                <a:pPr marL="0" lvl="0" indent="0" algn="l" rtl="0">
+                  <a:spcBef>
+                    <a:spcPts val="0"/>
+                  </a:spcBef>
+                  <a:spcAft>
+                    <a:spcPts val="0"/>
+                  </a:spcAft>
+                  <a:buNone/>
+                </a:pPr>
+                <a:endParaRPr/>
+              </a:p>
+            </p:txBody>
+          </p:sp>
+          <p:sp>
+            <p:nvSpPr>
+              <p:cNvPr id="7" name="Google Shape;212;p32">
+                <a:extLst>
+                  <a:ext uri="{FF2B5EF4-FFF2-40B4-BE49-F238E27FC236}">
+                    <a16:creationId xmlns:a16="http://schemas.microsoft.com/office/drawing/2014/main" id="{CB1752F5-ECF8-B72C-D307-661760889D7E}"/>
+                  </a:ext>
+                </a:extLst>
+              </p:cNvPr>
+              <p:cNvSpPr/>
+              <p:nvPr/>
+            </p:nvSpPr>
+            <p:spPr>
+              <a:xfrm>
+                <a:off x="5771560" y="2154297"/>
+                <a:ext cx="356243" cy="613078"/>
+              </a:xfrm>
+              <a:custGeom>
+                <a:avLst/>
+                <a:gdLst/>
+                <a:ahLst/>
+                <a:cxnLst/>
+                <a:rect l="l" t="t" r="r" b="b"/>
+                <a:pathLst>
+                  <a:path w="4071" h="7006" extrusionOk="0">
+                    <a:moveTo>
+                      <a:pt x="1" y="1"/>
+                    </a:moveTo>
+                    <a:lnTo>
+                      <a:pt x="1" y="4671"/>
+                    </a:lnTo>
+                    <a:lnTo>
+                      <a:pt x="4070" y="7006"/>
+                    </a:lnTo>
+                    <a:lnTo>
+                      <a:pt x="4070" y="2336"/>
+                    </a:lnTo>
+                    <a:lnTo>
+                      <a:pt x="34" y="1"/>
+                    </a:lnTo>
+                    <a:close/>
+                  </a:path>
+                </a:pathLst>
+              </a:custGeom>
+              <a:solidFill>
+                <a:schemeClr val="accent5"/>
+              </a:solidFill>
+              <a:ln w="9525" cap="flat" cmpd="sng">
+                <a:solidFill>
+                  <a:schemeClr val="dk1"/>
+                </a:solidFill>
+                <a:prstDash val="solid"/>
+                <a:round/>
+                <a:headEnd type="none" w="sm" len="sm"/>
+                <a:tailEnd type="none" w="sm" len="sm"/>
+              </a:ln>
+            </p:spPr>
+            <p:txBody>
+              <a:bodyPr spcFirstLastPara="1" wrap="square" lIns="91425" tIns="91425" rIns="91425" bIns="91425" anchor="ctr" anchorCtr="0">
+                <a:noAutofit/>
+              </a:bodyPr>
+              <a:lstStyle/>
+              <a:p>
+                <a:pPr marL="0" lvl="0" indent="0" algn="l" rtl="0">
+                  <a:spcBef>
+                    <a:spcPts val="0"/>
+                  </a:spcBef>
+                  <a:spcAft>
+                    <a:spcPts val="0"/>
+                  </a:spcAft>
+                  <a:buNone/>
+                </a:pPr>
+                <a:endParaRPr/>
+              </a:p>
+            </p:txBody>
+          </p:sp>
+          <p:sp>
+            <p:nvSpPr>
+              <p:cNvPr id="8" name="Google Shape;213;p32">
+                <a:extLst>
+                  <a:ext uri="{FF2B5EF4-FFF2-40B4-BE49-F238E27FC236}">
+                    <a16:creationId xmlns:a16="http://schemas.microsoft.com/office/drawing/2014/main" id="{F83C7EE5-F12D-9C54-2C6B-A6FFA0DE298A}"/>
+                  </a:ext>
+                </a:extLst>
+              </p:cNvPr>
+              <p:cNvSpPr/>
+              <p:nvPr/>
+            </p:nvSpPr>
+            <p:spPr>
+              <a:xfrm>
+                <a:off x="6130603" y="2358627"/>
+                <a:ext cx="356243" cy="615965"/>
+              </a:xfrm>
+              <a:custGeom>
+                <a:avLst/>
+                <a:gdLst/>
+                <a:ahLst/>
+                <a:cxnLst/>
+                <a:rect l="l" t="t" r="r" b="b"/>
+                <a:pathLst>
+                  <a:path w="4071" h="7039" extrusionOk="0">
+                    <a:moveTo>
+                      <a:pt x="1" y="1"/>
+                    </a:moveTo>
+                    <a:lnTo>
+                      <a:pt x="1" y="4704"/>
+                    </a:lnTo>
+                    <a:lnTo>
+                      <a:pt x="4070" y="7039"/>
+                    </a:lnTo>
+                    <a:lnTo>
+                      <a:pt x="4070" y="7006"/>
+                    </a:lnTo>
+                    <a:lnTo>
+                      <a:pt x="4070" y="2336"/>
+                    </a:lnTo>
+                    <a:lnTo>
+                      <a:pt x="1" y="1"/>
+                    </a:lnTo>
+                    <a:close/>
+                  </a:path>
+                </a:pathLst>
+              </a:custGeom>
+              <a:solidFill>
+                <a:schemeClr val="accent1"/>
+              </a:solidFill>
+              <a:ln w="9525" cap="flat" cmpd="sng">
+                <a:solidFill>
+                  <a:schemeClr val="dk1"/>
+                </a:solidFill>
+                <a:prstDash val="solid"/>
+                <a:round/>
+                <a:headEnd type="none" w="sm" len="sm"/>
+                <a:tailEnd type="none" w="sm" len="sm"/>
+              </a:ln>
+            </p:spPr>
+            <p:txBody>
+              <a:bodyPr spcFirstLastPara="1" wrap="square" lIns="91425" tIns="91425" rIns="91425" bIns="91425" anchor="ctr" anchorCtr="0">
+                <a:noAutofit/>
+              </a:bodyPr>
+              <a:lstStyle/>
+              <a:p>
+                <a:pPr marL="0" lvl="0" indent="0" algn="l" rtl="0">
+                  <a:spcBef>
+                    <a:spcPts val="0"/>
+                  </a:spcBef>
+                  <a:spcAft>
+                    <a:spcPts val="0"/>
+                  </a:spcAft>
+                  <a:buNone/>
+                </a:pPr>
+                <a:endParaRPr/>
+              </a:p>
+            </p:txBody>
+          </p:sp>
+          <p:sp>
+            <p:nvSpPr>
+              <p:cNvPr id="9" name="Google Shape;214;p32">
+                <a:extLst>
+                  <a:ext uri="{FF2B5EF4-FFF2-40B4-BE49-F238E27FC236}">
+                    <a16:creationId xmlns:a16="http://schemas.microsoft.com/office/drawing/2014/main" id="{66957519-DE92-E3B0-E93E-CDF0DF040768}"/>
+                  </a:ext>
+                </a:extLst>
+              </p:cNvPr>
+              <p:cNvSpPr/>
+              <p:nvPr/>
+            </p:nvSpPr>
+            <p:spPr>
+              <a:xfrm>
+                <a:off x="5415492" y="2361515"/>
+                <a:ext cx="356156" cy="616053"/>
+              </a:xfrm>
+              <a:custGeom>
+                <a:avLst/>
+                <a:gdLst/>
+                <a:ahLst/>
+                <a:cxnLst/>
+                <a:rect l="l" t="t" r="r" b="b"/>
+                <a:pathLst>
+                  <a:path w="4070" h="7040" extrusionOk="0">
+                    <a:moveTo>
+                      <a:pt x="0" y="1"/>
+                    </a:moveTo>
+                    <a:lnTo>
+                      <a:pt x="0" y="4704"/>
+                    </a:lnTo>
+                    <a:lnTo>
+                      <a:pt x="4070" y="7039"/>
+                    </a:lnTo>
+                    <a:lnTo>
+                      <a:pt x="4070" y="7006"/>
+                    </a:lnTo>
+                    <a:lnTo>
+                      <a:pt x="4070" y="2336"/>
+                    </a:lnTo>
+                    <a:lnTo>
+                      <a:pt x="34" y="1"/>
+                    </a:lnTo>
+                    <a:close/>
+                  </a:path>
+                </a:pathLst>
+              </a:custGeom>
+              <a:solidFill>
+                <a:schemeClr val="accent2"/>
+              </a:solidFill>
+              <a:ln w="9525" cap="flat" cmpd="sng">
+                <a:solidFill>
+                  <a:schemeClr val="dk1"/>
+                </a:solidFill>
+                <a:prstDash val="solid"/>
+                <a:round/>
+                <a:headEnd type="none" w="sm" len="sm"/>
+                <a:tailEnd type="none" w="sm" len="sm"/>
+              </a:ln>
+            </p:spPr>
+            <p:txBody>
+              <a:bodyPr spcFirstLastPara="1" wrap="square" lIns="91425" tIns="91425" rIns="91425" bIns="91425" anchor="ctr" anchorCtr="0">
+                <a:noAutofit/>
+              </a:bodyPr>
+              <a:lstStyle/>
+              <a:p>
+                <a:pPr marL="0" lvl="0" indent="0" algn="l" rtl="0">
+                  <a:spcBef>
+                    <a:spcPts val="0"/>
+                  </a:spcBef>
+                  <a:spcAft>
+                    <a:spcPts val="0"/>
+                  </a:spcAft>
+                  <a:buNone/>
+                </a:pPr>
+                <a:endParaRPr/>
+              </a:p>
+            </p:txBody>
+          </p:sp>
+          <p:sp>
+            <p:nvSpPr>
+              <p:cNvPr id="10" name="Google Shape;215;p32">
+                <a:extLst>
+                  <a:ext uri="{FF2B5EF4-FFF2-40B4-BE49-F238E27FC236}">
+                    <a16:creationId xmlns:a16="http://schemas.microsoft.com/office/drawing/2014/main" id="{274DA036-C92D-0495-4C3C-60455B188E79}"/>
+                  </a:ext>
+                </a:extLst>
+              </p:cNvPr>
+              <p:cNvSpPr/>
+              <p:nvPr/>
+            </p:nvSpPr>
+            <p:spPr>
+              <a:xfrm>
+                <a:off x="5771560" y="2565845"/>
+                <a:ext cx="356243" cy="616053"/>
+              </a:xfrm>
+              <a:custGeom>
+                <a:avLst/>
+                <a:gdLst/>
+                <a:ahLst/>
+                <a:cxnLst/>
+                <a:rect l="l" t="t" r="r" b="b"/>
+                <a:pathLst>
+                  <a:path w="4071" h="7040" extrusionOk="0">
+                    <a:moveTo>
+                      <a:pt x="1" y="1"/>
+                    </a:moveTo>
+                    <a:lnTo>
+                      <a:pt x="1" y="4704"/>
+                    </a:lnTo>
+                    <a:lnTo>
+                      <a:pt x="4070" y="7039"/>
+                    </a:lnTo>
+                    <a:lnTo>
+                      <a:pt x="4070" y="2369"/>
+                    </a:lnTo>
+                    <a:lnTo>
+                      <a:pt x="34" y="1"/>
+                    </a:lnTo>
+                    <a:close/>
+                  </a:path>
+                </a:pathLst>
+              </a:custGeom>
+              <a:solidFill>
+                <a:srgbClr val="FFFFFF"/>
+              </a:solidFill>
+              <a:ln w="9525" cap="flat" cmpd="sng">
+                <a:solidFill>
+                  <a:schemeClr val="dk1"/>
+                </a:solidFill>
+                <a:prstDash val="solid"/>
+                <a:round/>
+                <a:headEnd type="none" w="sm" len="sm"/>
+                <a:tailEnd type="none" w="sm" len="sm"/>
+              </a:ln>
+            </p:spPr>
+            <p:txBody>
+              <a:bodyPr spcFirstLastPara="1" wrap="square" lIns="91425" tIns="91425" rIns="91425" bIns="91425" anchor="ctr" anchorCtr="0">
+                <a:noAutofit/>
+              </a:bodyPr>
+              <a:lstStyle/>
+              <a:p>
+                <a:pPr marL="0" lvl="0" indent="0" algn="l" rtl="0">
+                  <a:spcBef>
+                    <a:spcPts val="0"/>
+                  </a:spcBef>
+                  <a:spcAft>
+                    <a:spcPts val="0"/>
+                  </a:spcAft>
+                  <a:buNone/>
+                </a:pPr>
+                <a:endParaRPr/>
+              </a:p>
+            </p:txBody>
+          </p:sp>
+          <p:sp>
+            <p:nvSpPr>
+              <p:cNvPr id="11" name="Google Shape;216;p32">
+                <a:extLst>
+                  <a:ext uri="{FF2B5EF4-FFF2-40B4-BE49-F238E27FC236}">
+                    <a16:creationId xmlns:a16="http://schemas.microsoft.com/office/drawing/2014/main" id="{D95BEB20-7238-040E-A07B-305338A6F9EE}"/>
+                  </a:ext>
+                </a:extLst>
+              </p:cNvPr>
+              <p:cNvSpPr/>
+              <p:nvPr/>
+            </p:nvSpPr>
+            <p:spPr>
+              <a:xfrm>
+                <a:off x="6130603" y="2773150"/>
+                <a:ext cx="356243" cy="615965"/>
+              </a:xfrm>
+              <a:custGeom>
+                <a:avLst/>
+                <a:gdLst/>
+                <a:ahLst/>
+                <a:cxnLst/>
+                <a:rect l="l" t="t" r="r" b="b"/>
+                <a:pathLst>
+                  <a:path w="4071" h="7039" extrusionOk="0">
+                    <a:moveTo>
+                      <a:pt x="1" y="0"/>
+                    </a:moveTo>
+                    <a:lnTo>
+                      <a:pt x="1" y="4704"/>
+                    </a:lnTo>
+                    <a:lnTo>
+                      <a:pt x="4070" y="7039"/>
+                    </a:lnTo>
+                    <a:lnTo>
+                      <a:pt x="4070" y="2335"/>
+                    </a:lnTo>
+                    <a:lnTo>
+                      <a:pt x="1" y="0"/>
+                    </a:lnTo>
+                    <a:close/>
+                  </a:path>
+                </a:pathLst>
+              </a:custGeom>
+              <a:solidFill>
+                <a:schemeClr val="accent3"/>
+              </a:solidFill>
+              <a:ln w="9525" cap="flat" cmpd="sng">
+                <a:solidFill>
+                  <a:schemeClr val="dk1"/>
+                </a:solidFill>
+                <a:prstDash val="solid"/>
+                <a:round/>
+                <a:headEnd type="none" w="sm" len="sm"/>
+                <a:tailEnd type="none" w="sm" len="sm"/>
+              </a:ln>
+            </p:spPr>
+            <p:txBody>
+              <a:bodyPr spcFirstLastPara="1" wrap="square" lIns="91425" tIns="91425" rIns="91425" bIns="91425" anchor="ctr" anchorCtr="0">
+                <a:noAutofit/>
+              </a:bodyPr>
+              <a:lstStyle/>
+              <a:p>
+                <a:pPr marL="0" lvl="0" indent="0" algn="l" rtl="0">
+                  <a:spcBef>
+                    <a:spcPts val="0"/>
+                  </a:spcBef>
+                  <a:spcAft>
+                    <a:spcPts val="0"/>
+                  </a:spcAft>
+                  <a:buNone/>
+                </a:pPr>
+                <a:endParaRPr/>
+              </a:p>
+            </p:txBody>
+          </p:sp>
+          <p:sp>
+            <p:nvSpPr>
+              <p:cNvPr id="12" name="Google Shape;217;p32">
+                <a:extLst>
+                  <a:ext uri="{FF2B5EF4-FFF2-40B4-BE49-F238E27FC236}">
+                    <a16:creationId xmlns:a16="http://schemas.microsoft.com/office/drawing/2014/main" id="{5AB86EEC-3721-FE4F-B32F-6FDF580DB39F}"/>
+                  </a:ext>
+                </a:extLst>
+              </p:cNvPr>
+              <p:cNvSpPr/>
+              <p:nvPr/>
+            </p:nvSpPr>
+            <p:spPr>
+              <a:xfrm>
+                <a:off x="5415492" y="2776038"/>
+                <a:ext cx="359131" cy="618941"/>
+              </a:xfrm>
+              <a:custGeom>
+                <a:avLst/>
+                <a:gdLst/>
+                <a:ahLst/>
+                <a:cxnLst/>
+                <a:rect l="l" t="t" r="r" b="b"/>
+                <a:pathLst>
+                  <a:path w="4104" h="7073" extrusionOk="0">
+                    <a:moveTo>
+                      <a:pt x="0" y="1"/>
+                    </a:moveTo>
+                    <a:lnTo>
+                      <a:pt x="0" y="4704"/>
+                    </a:lnTo>
+                    <a:lnTo>
+                      <a:pt x="4070" y="7072"/>
+                    </a:lnTo>
+                    <a:lnTo>
+                      <a:pt x="4103" y="7039"/>
+                    </a:lnTo>
+                    <a:lnTo>
+                      <a:pt x="4103" y="2336"/>
+                    </a:lnTo>
+                    <a:lnTo>
+                      <a:pt x="34" y="1"/>
+                    </a:lnTo>
+                    <a:close/>
+                  </a:path>
+                </a:pathLst>
+              </a:custGeom>
+              <a:solidFill>
+                <a:schemeClr val="accent1"/>
+              </a:solidFill>
+              <a:ln w="9525" cap="flat" cmpd="sng">
+                <a:solidFill>
+                  <a:schemeClr val="dk1"/>
+                </a:solidFill>
+                <a:prstDash val="solid"/>
+                <a:round/>
+                <a:headEnd type="none" w="sm" len="sm"/>
+                <a:tailEnd type="none" w="sm" len="sm"/>
+              </a:ln>
+            </p:spPr>
+            <p:txBody>
+              <a:bodyPr spcFirstLastPara="1" wrap="square" lIns="91425" tIns="91425" rIns="91425" bIns="91425" anchor="ctr" anchorCtr="0">
+                <a:noAutofit/>
+              </a:bodyPr>
+              <a:lstStyle/>
+              <a:p>
+                <a:pPr marL="0" lvl="0" indent="0" algn="l" rtl="0">
+                  <a:spcBef>
+                    <a:spcPts val="0"/>
+                  </a:spcBef>
+                  <a:spcAft>
+                    <a:spcPts val="0"/>
+                  </a:spcAft>
+                  <a:buNone/>
+                </a:pPr>
+                <a:endParaRPr/>
+              </a:p>
+            </p:txBody>
+          </p:sp>
+          <p:sp>
+            <p:nvSpPr>
+              <p:cNvPr id="13" name="Google Shape;218;p32">
+                <a:extLst>
+                  <a:ext uri="{FF2B5EF4-FFF2-40B4-BE49-F238E27FC236}">
+                    <a16:creationId xmlns:a16="http://schemas.microsoft.com/office/drawing/2014/main" id="{7FB69FF3-2309-9082-3772-E2213CF90145}"/>
+                  </a:ext>
+                </a:extLst>
+              </p:cNvPr>
+              <p:cNvSpPr/>
+              <p:nvPr/>
+            </p:nvSpPr>
+            <p:spPr>
+              <a:xfrm>
+                <a:off x="5771560" y="2983343"/>
+                <a:ext cx="359131" cy="615965"/>
+              </a:xfrm>
+              <a:custGeom>
+                <a:avLst/>
+                <a:gdLst/>
+                <a:ahLst/>
+                <a:cxnLst/>
+                <a:rect l="l" t="t" r="r" b="b"/>
+                <a:pathLst>
+                  <a:path w="4104" h="7039" extrusionOk="0">
+                    <a:moveTo>
+                      <a:pt x="1" y="0"/>
+                    </a:moveTo>
+                    <a:lnTo>
+                      <a:pt x="1" y="4703"/>
+                    </a:lnTo>
+                    <a:lnTo>
+                      <a:pt x="4070" y="7038"/>
+                    </a:lnTo>
+                    <a:cubicBezTo>
+                      <a:pt x="4104" y="7038"/>
+                      <a:pt x="4070" y="7005"/>
+                      <a:pt x="4070" y="7005"/>
+                    </a:cubicBezTo>
+                    <a:lnTo>
+                      <a:pt x="4070" y="2335"/>
+                    </a:lnTo>
+                    <a:lnTo>
+                      <a:pt x="34" y="0"/>
+                    </a:lnTo>
+                    <a:close/>
+                  </a:path>
+                </a:pathLst>
+              </a:custGeom>
+              <a:solidFill>
+                <a:schemeClr val="accent5"/>
+              </a:solidFill>
+              <a:ln w="9525" cap="flat" cmpd="sng">
+                <a:solidFill>
+                  <a:schemeClr val="dk1"/>
+                </a:solidFill>
+                <a:prstDash val="solid"/>
+                <a:round/>
+                <a:headEnd type="none" w="sm" len="sm"/>
+                <a:tailEnd type="none" w="sm" len="sm"/>
+              </a:ln>
+            </p:spPr>
+            <p:txBody>
+              <a:bodyPr spcFirstLastPara="1" wrap="square" lIns="91425" tIns="91425" rIns="91425" bIns="91425" anchor="ctr" anchorCtr="0">
+                <a:noAutofit/>
+              </a:bodyPr>
+              <a:lstStyle/>
+              <a:p>
+                <a:pPr marL="0" lvl="0" indent="0" algn="l" rtl="0">
+                  <a:spcBef>
+                    <a:spcPts val="0"/>
+                  </a:spcBef>
+                  <a:spcAft>
+                    <a:spcPts val="0"/>
+                  </a:spcAft>
+                  <a:buNone/>
+                </a:pPr>
+                <a:endParaRPr/>
+              </a:p>
+            </p:txBody>
+          </p:sp>
+          <p:sp>
+            <p:nvSpPr>
+              <p:cNvPr id="14" name="Google Shape;219;p32">
+                <a:extLst>
+                  <a:ext uri="{FF2B5EF4-FFF2-40B4-BE49-F238E27FC236}">
+                    <a16:creationId xmlns:a16="http://schemas.microsoft.com/office/drawing/2014/main" id="{C40B8837-F1FE-FC49-78E6-A0B1B5917A6D}"/>
+                  </a:ext>
+                </a:extLst>
+              </p:cNvPr>
+              <p:cNvSpPr/>
+              <p:nvPr/>
+            </p:nvSpPr>
+            <p:spPr>
+              <a:xfrm>
+                <a:off x="6130603" y="3187673"/>
+                <a:ext cx="356243" cy="618853"/>
+              </a:xfrm>
+              <a:custGeom>
+                <a:avLst/>
+                <a:gdLst/>
+                <a:ahLst/>
+                <a:cxnLst/>
+                <a:rect l="l" t="t" r="r" b="b"/>
+                <a:pathLst>
+                  <a:path w="4071" h="7072" extrusionOk="0">
+                    <a:moveTo>
+                      <a:pt x="1" y="0"/>
+                    </a:moveTo>
+                    <a:lnTo>
+                      <a:pt x="1" y="4703"/>
+                    </a:lnTo>
+                    <a:lnTo>
+                      <a:pt x="4070" y="7072"/>
+                    </a:lnTo>
+                    <a:lnTo>
+                      <a:pt x="4070" y="7038"/>
+                    </a:lnTo>
+                    <a:lnTo>
+                      <a:pt x="4070" y="2368"/>
+                    </a:lnTo>
+                    <a:lnTo>
+                      <a:pt x="1" y="0"/>
+                    </a:lnTo>
+                    <a:close/>
+                  </a:path>
+                </a:pathLst>
+              </a:custGeom>
+              <a:solidFill>
+                <a:schemeClr val="accent5"/>
+              </a:solidFill>
+              <a:ln w="9525" cap="flat" cmpd="sng">
+                <a:solidFill>
+                  <a:schemeClr val="dk1"/>
+                </a:solidFill>
+                <a:prstDash val="solid"/>
+                <a:round/>
+                <a:headEnd type="none" w="sm" len="sm"/>
+                <a:tailEnd type="none" w="sm" len="sm"/>
+              </a:ln>
+            </p:spPr>
+            <p:txBody>
+              <a:bodyPr spcFirstLastPara="1" wrap="square" lIns="91425" tIns="91425" rIns="91425" bIns="91425" anchor="ctr" anchorCtr="0">
+                <a:noAutofit/>
+              </a:bodyPr>
+              <a:lstStyle/>
+              <a:p>
+                <a:pPr marL="0" lvl="0" indent="0" algn="l" rtl="0">
+                  <a:spcBef>
+                    <a:spcPts val="0"/>
+                  </a:spcBef>
+                  <a:spcAft>
+                    <a:spcPts val="0"/>
+                  </a:spcAft>
+                  <a:buNone/>
+                </a:pPr>
+                <a:endParaRPr/>
+              </a:p>
+            </p:txBody>
+          </p:sp>
+          <p:sp>
+            <p:nvSpPr>
+              <p:cNvPr id="15" name="Google Shape;220;p32">
+                <a:extLst>
+                  <a:ext uri="{FF2B5EF4-FFF2-40B4-BE49-F238E27FC236}">
+                    <a16:creationId xmlns:a16="http://schemas.microsoft.com/office/drawing/2014/main" id="{4E0C9915-D8BD-08C6-6424-2844559D2BA0}"/>
+                  </a:ext>
+                </a:extLst>
+              </p:cNvPr>
+              <p:cNvSpPr/>
+              <p:nvPr/>
+            </p:nvSpPr>
+            <p:spPr>
+              <a:xfrm>
+                <a:off x="5415492" y="1944104"/>
+                <a:ext cx="359131" cy="616053"/>
+              </a:xfrm>
+              <a:custGeom>
+                <a:avLst/>
+                <a:gdLst/>
+                <a:ahLst/>
+                <a:cxnLst/>
+                <a:rect l="l" t="t" r="r" b="b"/>
+                <a:pathLst>
+                  <a:path w="4104" h="7040" fill="none" extrusionOk="0">
+                    <a:moveTo>
+                      <a:pt x="4070" y="7039"/>
+                    </a:moveTo>
+                    <a:lnTo>
+                      <a:pt x="0" y="4704"/>
+                    </a:lnTo>
+                    <a:lnTo>
+                      <a:pt x="0" y="4704"/>
+                    </a:lnTo>
+                    <a:lnTo>
+                      <a:pt x="0" y="1"/>
+                    </a:lnTo>
+                    <a:lnTo>
+                      <a:pt x="34" y="1"/>
+                    </a:lnTo>
+                    <a:lnTo>
+                      <a:pt x="4103" y="2336"/>
+                    </a:lnTo>
+                    <a:lnTo>
+                      <a:pt x="4103" y="7039"/>
+                    </a:lnTo>
+                    <a:close/>
+                  </a:path>
+                </a:pathLst>
+              </a:custGeom>
+              <a:noFill/>
+              <a:ln w="9525" cap="flat" cmpd="sng">
+                <a:solidFill>
+                  <a:schemeClr val="dk1"/>
+                </a:solidFill>
+                <a:prstDash val="solid"/>
+                <a:round/>
+                <a:headEnd type="none" w="sm" len="sm"/>
+                <a:tailEnd type="none" w="sm" len="sm"/>
+              </a:ln>
+            </p:spPr>
+            <p:txBody>
+              <a:bodyPr spcFirstLastPara="1" wrap="square" lIns="91425" tIns="91425" rIns="91425" bIns="91425" anchor="ctr" anchorCtr="0">
+                <a:noAutofit/>
+              </a:bodyPr>
+              <a:lstStyle/>
+              <a:p>
+                <a:pPr marL="0" lvl="0" indent="0" algn="l" rtl="0">
+                  <a:spcBef>
+                    <a:spcPts val="0"/>
+                  </a:spcBef>
+                  <a:spcAft>
+                    <a:spcPts val="0"/>
+                  </a:spcAft>
+                  <a:buNone/>
+                </a:pPr>
+                <a:endParaRPr/>
+              </a:p>
+            </p:txBody>
+          </p:sp>
+          <p:sp>
+            <p:nvSpPr>
+              <p:cNvPr id="16" name="Google Shape;221;p32">
+                <a:extLst>
+                  <a:ext uri="{FF2B5EF4-FFF2-40B4-BE49-F238E27FC236}">
+                    <a16:creationId xmlns:a16="http://schemas.microsoft.com/office/drawing/2014/main" id="{83B99E3F-B8F5-AC20-74EA-9529509B83B3}"/>
+                  </a:ext>
+                </a:extLst>
+              </p:cNvPr>
+              <p:cNvSpPr/>
+              <p:nvPr/>
+            </p:nvSpPr>
+            <p:spPr>
+              <a:xfrm>
+                <a:off x="5771560" y="2154297"/>
+                <a:ext cx="359131" cy="613078"/>
+              </a:xfrm>
+              <a:custGeom>
+                <a:avLst/>
+                <a:gdLst/>
+                <a:ahLst/>
+                <a:cxnLst/>
+                <a:rect l="l" t="t" r="r" b="b"/>
+                <a:pathLst>
+                  <a:path w="4104" h="7006" fill="none" extrusionOk="0">
+                    <a:moveTo>
+                      <a:pt x="4070" y="7006"/>
+                    </a:moveTo>
+                    <a:lnTo>
+                      <a:pt x="1" y="4671"/>
+                    </a:lnTo>
+                    <a:lnTo>
+                      <a:pt x="1" y="4671"/>
+                    </a:lnTo>
+                    <a:lnTo>
+                      <a:pt x="1" y="1"/>
+                    </a:lnTo>
+                    <a:lnTo>
+                      <a:pt x="34" y="1"/>
+                    </a:lnTo>
+                    <a:lnTo>
+                      <a:pt x="4070" y="2336"/>
+                    </a:lnTo>
+                    <a:lnTo>
+                      <a:pt x="4070" y="2336"/>
+                    </a:lnTo>
+                    <a:lnTo>
+                      <a:pt x="4070" y="7006"/>
+                    </a:lnTo>
+                    <a:cubicBezTo>
+                      <a:pt x="4070" y="7006"/>
+                      <a:pt x="4104" y="7006"/>
+                      <a:pt x="4070" y="7006"/>
+                    </a:cubicBezTo>
+                    <a:close/>
+                  </a:path>
+                </a:pathLst>
+              </a:custGeom>
+              <a:noFill/>
+              <a:ln w="9525" cap="flat" cmpd="sng">
+                <a:solidFill>
+                  <a:schemeClr val="dk1"/>
+                </a:solidFill>
+                <a:prstDash val="solid"/>
+                <a:round/>
+                <a:headEnd type="none" w="sm" len="sm"/>
+                <a:tailEnd type="none" w="sm" len="sm"/>
+              </a:ln>
+            </p:spPr>
+            <p:txBody>
+              <a:bodyPr spcFirstLastPara="1" wrap="square" lIns="91425" tIns="91425" rIns="91425" bIns="91425" anchor="ctr" anchorCtr="0">
+                <a:noAutofit/>
+              </a:bodyPr>
+              <a:lstStyle/>
+              <a:p>
+                <a:pPr marL="0" lvl="0" indent="0" algn="l" rtl="0">
+                  <a:spcBef>
+                    <a:spcPts val="0"/>
+                  </a:spcBef>
+                  <a:spcAft>
+                    <a:spcPts val="0"/>
+                  </a:spcAft>
+                  <a:buNone/>
+                </a:pPr>
+                <a:endParaRPr/>
+              </a:p>
+            </p:txBody>
+          </p:sp>
+          <p:sp>
+            <p:nvSpPr>
+              <p:cNvPr id="17" name="Google Shape;222;p32">
+                <a:extLst>
+                  <a:ext uri="{FF2B5EF4-FFF2-40B4-BE49-F238E27FC236}">
+                    <a16:creationId xmlns:a16="http://schemas.microsoft.com/office/drawing/2014/main" id="{60C20120-9E69-98D7-5E98-79BF84BB4861}"/>
+                  </a:ext>
+                </a:extLst>
+              </p:cNvPr>
+              <p:cNvSpPr/>
+              <p:nvPr/>
+            </p:nvSpPr>
+            <p:spPr>
+              <a:xfrm>
+                <a:off x="6130603" y="2358627"/>
+                <a:ext cx="356243" cy="615965"/>
+              </a:xfrm>
+              <a:custGeom>
+                <a:avLst/>
+                <a:gdLst/>
+                <a:ahLst/>
+                <a:cxnLst/>
+                <a:rect l="l" t="t" r="r" b="b"/>
+                <a:pathLst>
+                  <a:path w="4071" h="7039" fill="none" extrusionOk="0">
+                    <a:moveTo>
+                      <a:pt x="4070" y="7039"/>
+                    </a:moveTo>
+                    <a:lnTo>
+                      <a:pt x="1" y="4704"/>
+                    </a:lnTo>
+                    <a:lnTo>
+                      <a:pt x="1" y="4704"/>
+                    </a:lnTo>
+                    <a:lnTo>
+                      <a:pt x="1" y="1"/>
+                    </a:lnTo>
+                    <a:lnTo>
+                      <a:pt x="4070" y="2336"/>
+                    </a:lnTo>
+                    <a:lnTo>
+                      <a:pt x="4070" y="2336"/>
+                    </a:lnTo>
+                    <a:lnTo>
+                      <a:pt x="4070" y="7006"/>
+                    </a:lnTo>
+                    <a:close/>
+                  </a:path>
+                </a:pathLst>
+              </a:custGeom>
+              <a:noFill/>
+              <a:ln w="9525" cap="flat" cmpd="sng">
+                <a:solidFill>
+                  <a:schemeClr val="dk1"/>
+                </a:solidFill>
+                <a:prstDash val="solid"/>
+                <a:round/>
+                <a:headEnd type="none" w="sm" len="sm"/>
+                <a:tailEnd type="none" w="sm" len="sm"/>
+              </a:ln>
+            </p:spPr>
+            <p:txBody>
+              <a:bodyPr spcFirstLastPara="1" wrap="square" lIns="91425" tIns="91425" rIns="91425" bIns="91425" anchor="ctr" anchorCtr="0">
+                <a:noAutofit/>
+              </a:bodyPr>
+              <a:lstStyle/>
+              <a:p>
+                <a:pPr marL="0" lvl="0" indent="0" algn="l" rtl="0">
+                  <a:spcBef>
+                    <a:spcPts val="0"/>
+                  </a:spcBef>
+                  <a:spcAft>
+                    <a:spcPts val="0"/>
+                  </a:spcAft>
+                  <a:buNone/>
+                </a:pPr>
+                <a:endParaRPr/>
+              </a:p>
+            </p:txBody>
+          </p:sp>
+          <p:sp>
+            <p:nvSpPr>
+              <p:cNvPr id="18" name="Google Shape;223;p32">
+                <a:extLst>
+                  <a:ext uri="{FF2B5EF4-FFF2-40B4-BE49-F238E27FC236}">
+                    <a16:creationId xmlns:a16="http://schemas.microsoft.com/office/drawing/2014/main" id="{DB967F8A-CE14-7D2F-1E6E-FD7A69573162}"/>
+                  </a:ext>
+                </a:extLst>
+              </p:cNvPr>
+              <p:cNvSpPr/>
+              <p:nvPr/>
+            </p:nvSpPr>
+            <p:spPr>
+              <a:xfrm>
+                <a:off x="5415492" y="2361515"/>
+                <a:ext cx="356156" cy="616053"/>
+              </a:xfrm>
+              <a:custGeom>
+                <a:avLst/>
+                <a:gdLst/>
+                <a:ahLst/>
+                <a:cxnLst/>
+                <a:rect l="l" t="t" r="r" b="b"/>
+                <a:pathLst>
+                  <a:path w="4070" h="7040" fill="none" extrusionOk="0">
+                    <a:moveTo>
+                      <a:pt x="4070" y="7039"/>
+                    </a:moveTo>
+                    <a:lnTo>
+                      <a:pt x="0" y="4704"/>
+                    </a:lnTo>
+                    <a:lnTo>
+                      <a:pt x="0" y="4704"/>
+                    </a:lnTo>
+                    <a:lnTo>
+                      <a:pt x="0" y="1"/>
+                    </a:lnTo>
+                    <a:lnTo>
+                      <a:pt x="34" y="1"/>
+                    </a:lnTo>
+                    <a:lnTo>
+                      <a:pt x="4070" y="2336"/>
+                    </a:lnTo>
+                    <a:lnTo>
+                      <a:pt x="4070" y="7006"/>
+                    </a:lnTo>
+                    <a:close/>
+                  </a:path>
+                </a:pathLst>
+              </a:custGeom>
+              <a:noFill/>
+              <a:ln w="9525" cap="flat" cmpd="sng">
+                <a:solidFill>
+                  <a:schemeClr val="dk1"/>
+                </a:solidFill>
+                <a:prstDash val="solid"/>
+                <a:round/>
+                <a:headEnd type="none" w="sm" len="sm"/>
+                <a:tailEnd type="none" w="sm" len="sm"/>
+              </a:ln>
+            </p:spPr>
+            <p:txBody>
+              <a:bodyPr spcFirstLastPara="1" wrap="square" lIns="91425" tIns="91425" rIns="91425" bIns="91425" anchor="ctr" anchorCtr="0">
+                <a:noAutofit/>
+              </a:bodyPr>
+              <a:lstStyle/>
+              <a:p>
+                <a:pPr marL="0" lvl="0" indent="0" algn="l" rtl="0">
+                  <a:spcBef>
+                    <a:spcPts val="0"/>
+                  </a:spcBef>
+                  <a:spcAft>
+                    <a:spcPts val="0"/>
+                  </a:spcAft>
+                  <a:buNone/>
+                </a:pPr>
+                <a:endParaRPr/>
+              </a:p>
+            </p:txBody>
+          </p:sp>
+          <p:sp>
+            <p:nvSpPr>
+              <p:cNvPr id="19" name="Google Shape;224;p32">
+                <a:extLst>
+                  <a:ext uri="{FF2B5EF4-FFF2-40B4-BE49-F238E27FC236}">
+                    <a16:creationId xmlns:a16="http://schemas.microsoft.com/office/drawing/2014/main" id="{AD6AF6B9-6DEF-AF31-3CB6-BE6DCD3208DE}"/>
+                  </a:ext>
+                </a:extLst>
+              </p:cNvPr>
+              <p:cNvSpPr/>
+              <p:nvPr/>
+            </p:nvSpPr>
+            <p:spPr>
+              <a:xfrm>
+                <a:off x="5771560" y="2565845"/>
+                <a:ext cx="359131" cy="618941"/>
+              </a:xfrm>
+              <a:custGeom>
+                <a:avLst/>
+                <a:gdLst/>
+                <a:ahLst/>
+                <a:cxnLst/>
+                <a:rect l="l" t="t" r="r" b="b"/>
+                <a:pathLst>
+                  <a:path w="4104" h="7073" fill="none" extrusionOk="0">
+                    <a:moveTo>
+                      <a:pt x="4070" y="7039"/>
+                    </a:moveTo>
+                    <a:lnTo>
+                      <a:pt x="1" y="4704"/>
+                    </a:lnTo>
+                    <a:lnTo>
+                      <a:pt x="1" y="4704"/>
+                    </a:lnTo>
+                    <a:lnTo>
+                      <a:pt x="1" y="1"/>
+                    </a:lnTo>
+                    <a:lnTo>
+                      <a:pt x="34" y="1"/>
+                    </a:lnTo>
+                    <a:lnTo>
+                      <a:pt x="4070" y="2369"/>
+                    </a:lnTo>
+                    <a:lnTo>
+                      <a:pt x="4070" y="2369"/>
+                    </a:lnTo>
+                    <a:lnTo>
+                      <a:pt x="4070" y="7039"/>
+                    </a:lnTo>
+                    <a:cubicBezTo>
+                      <a:pt x="4070" y="7039"/>
+                      <a:pt x="4104" y="7073"/>
+                      <a:pt x="4070" y="7039"/>
+                    </a:cubicBezTo>
+                    <a:close/>
+                  </a:path>
+                </a:pathLst>
+              </a:custGeom>
+              <a:noFill/>
+              <a:ln w="9525" cap="flat" cmpd="sng">
+                <a:solidFill>
+                  <a:schemeClr val="dk1"/>
+                </a:solidFill>
+                <a:prstDash val="solid"/>
+                <a:round/>
+                <a:headEnd type="none" w="sm" len="sm"/>
+                <a:tailEnd type="none" w="sm" len="sm"/>
+              </a:ln>
+            </p:spPr>
+            <p:txBody>
+              <a:bodyPr spcFirstLastPara="1" wrap="square" lIns="91425" tIns="91425" rIns="91425" bIns="91425" anchor="ctr" anchorCtr="0">
+                <a:noAutofit/>
+              </a:bodyPr>
+              <a:lstStyle/>
+              <a:p>
+                <a:pPr marL="0" lvl="0" indent="0" algn="l" rtl="0">
+                  <a:spcBef>
+                    <a:spcPts val="0"/>
+                  </a:spcBef>
+                  <a:spcAft>
+                    <a:spcPts val="0"/>
+                  </a:spcAft>
+                  <a:buNone/>
+                </a:pPr>
+                <a:endParaRPr/>
+              </a:p>
+            </p:txBody>
+          </p:sp>
+          <p:sp>
+            <p:nvSpPr>
+              <p:cNvPr id="20" name="Google Shape;225;p32">
+                <a:extLst>
+                  <a:ext uri="{FF2B5EF4-FFF2-40B4-BE49-F238E27FC236}">
+                    <a16:creationId xmlns:a16="http://schemas.microsoft.com/office/drawing/2014/main" id="{696445DF-66DB-2F16-FC78-D651559F11F3}"/>
+                  </a:ext>
+                </a:extLst>
+              </p:cNvPr>
+              <p:cNvSpPr/>
+              <p:nvPr/>
+            </p:nvSpPr>
+            <p:spPr>
+              <a:xfrm>
+                <a:off x="6130603" y="2773150"/>
+                <a:ext cx="356243" cy="615965"/>
+              </a:xfrm>
+              <a:custGeom>
+                <a:avLst/>
+                <a:gdLst/>
+                <a:ahLst/>
+                <a:cxnLst/>
+                <a:rect l="l" t="t" r="r" b="b"/>
+                <a:pathLst>
+                  <a:path w="4071" h="7039" fill="none" extrusionOk="0">
+                    <a:moveTo>
+                      <a:pt x="4070" y="7039"/>
+                    </a:moveTo>
+                    <a:lnTo>
+                      <a:pt x="1" y="4704"/>
+                    </a:lnTo>
+                    <a:lnTo>
+                      <a:pt x="1" y="4704"/>
+                    </a:lnTo>
+                    <a:lnTo>
+                      <a:pt x="1" y="0"/>
+                    </a:lnTo>
+                    <a:lnTo>
+                      <a:pt x="4070" y="2335"/>
+                    </a:lnTo>
+                    <a:lnTo>
+                      <a:pt x="4070" y="2335"/>
+                    </a:lnTo>
+                    <a:lnTo>
+                      <a:pt x="4070" y="7039"/>
+                    </a:lnTo>
+                    <a:close/>
+                  </a:path>
+                </a:pathLst>
+              </a:custGeom>
+              <a:noFill/>
+              <a:ln w="9525" cap="flat" cmpd="sng">
+                <a:solidFill>
+                  <a:schemeClr val="dk1"/>
+                </a:solidFill>
+                <a:prstDash val="solid"/>
+                <a:round/>
+                <a:headEnd type="none" w="sm" len="sm"/>
+                <a:tailEnd type="none" w="sm" len="sm"/>
+              </a:ln>
+            </p:spPr>
+            <p:txBody>
+              <a:bodyPr spcFirstLastPara="1" wrap="square" lIns="91425" tIns="91425" rIns="91425" bIns="91425" anchor="ctr" anchorCtr="0">
+                <a:noAutofit/>
+              </a:bodyPr>
+              <a:lstStyle/>
+              <a:p>
+                <a:pPr marL="0" lvl="0" indent="0" algn="l" rtl="0">
+                  <a:spcBef>
+                    <a:spcPts val="0"/>
+                  </a:spcBef>
+                  <a:spcAft>
+                    <a:spcPts val="0"/>
+                  </a:spcAft>
+                  <a:buNone/>
+                </a:pPr>
+                <a:endParaRPr/>
+              </a:p>
+            </p:txBody>
+          </p:sp>
+          <p:sp>
+            <p:nvSpPr>
+              <p:cNvPr id="21" name="Google Shape;226;p32">
+                <a:extLst>
+                  <a:ext uri="{FF2B5EF4-FFF2-40B4-BE49-F238E27FC236}">
+                    <a16:creationId xmlns:a16="http://schemas.microsoft.com/office/drawing/2014/main" id="{E2D0E5E0-9A28-3008-0963-AB34D2958D2D}"/>
+                  </a:ext>
+                </a:extLst>
+              </p:cNvPr>
+              <p:cNvSpPr/>
+              <p:nvPr/>
+            </p:nvSpPr>
+            <p:spPr>
+              <a:xfrm>
+                <a:off x="5415492" y="2776038"/>
+                <a:ext cx="359131" cy="618941"/>
+              </a:xfrm>
+              <a:custGeom>
+                <a:avLst/>
+                <a:gdLst/>
+                <a:ahLst/>
+                <a:cxnLst/>
+                <a:rect l="l" t="t" r="r" b="b"/>
+                <a:pathLst>
+                  <a:path w="4104" h="7073" fill="none" extrusionOk="0">
+                    <a:moveTo>
+                      <a:pt x="4070" y="7072"/>
+                    </a:moveTo>
+                    <a:lnTo>
+                      <a:pt x="0" y="4704"/>
+                    </a:lnTo>
+                    <a:lnTo>
+                      <a:pt x="0" y="4704"/>
+                    </a:lnTo>
+                    <a:lnTo>
+                      <a:pt x="0" y="1"/>
+                    </a:lnTo>
+                    <a:lnTo>
+                      <a:pt x="34" y="1"/>
+                    </a:lnTo>
+                    <a:lnTo>
+                      <a:pt x="4103" y="2336"/>
+                    </a:lnTo>
+                    <a:lnTo>
+                      <a:pt x="4103" y="7039"/>
+                    </a:lnTo>
+                    <a:close/>
+                  </a:path>
+                </a:pathLst>
+              </a:custGeom>
+              <a:noFill/>
+              <a:ln w="9525" cap="flat" cmpd="sng">
+                <a:solidFill>
+                  <a:schemeClr val="dk1"/>
+                </a:solidFill>
+                <a:prstDash val="solid"/>
+                <a:round/>
+                <a:headEnd type="none" w="sm" len="sm"/>
+                <a:tailEnd type="none" w="sm" len="sm"/>
+              </a:ln>
+            </p:spPr>
+            <p:txBody>
+              <a:bodyPr spcFirstLastPara="1" wrap="square" lIns="91425" tIns="91425" rIns="91425" bIns="91425" anchor="ctr" anchorCtr="0">
+                <a:noAutofit/>
+              </a:bodyPr>
+              <a:lstStyle/>
+              <a:p>
+                <a:pPr marL="0" lvl="0" indent="0" algn="l" rtl="0">
+                  <a:spcBef>
+                    <a:spcPts val="0"/>
+                  </a:spcBef>
+                  <a:spcAft>
+                    <a:spcPts val="0"/>
+                  </a:spcAft>
+                  <a:buNone/>
+                </a:pPr>
+                <a:endParaRPr/>
+              </a:p>
+            </p:txBody>
+          </p:sp>
+          <p:sp>
+            <p:nvSpPr>
+              <p:cNvPr id="22" name="Google Shape;227;p32">
+                <a:extLst>
+                  <a:ext uri="{FF2B5EF4-FFF2-40B4-BE49-F238E27FC236}">
+                    <a16:creationId xmlns:a16="http://schemas.microsoft.com/office/drawing/2014/main" id="{1859A108-FA95-BAEF-CDDD-04453C30ADE0}"/>
+                  </a:ext>
+                </a:extLst>
+              </p:cNvPr>
+              <p:cNvSpPr/>
+              <p:nvPr/>
+            </p:nvSpPr>
+            <p:spPr>
+              <a:xfrm>
+                <a:off x="5771560" y="2983343"/>
+                <a:ext cx="359131" cy="615965"/>
+              </a:xfrm>
+              <a:custGeom>
+                <a:avLst/>
+                <a:gdLst/>
+                <a:ahLst/>
+                <a:cxnLst/>
+                <a:rect l="l" t="t" r="r" b="b"/>
+                <a:pathLst>
+                  <a:path w="4104" h="7039" fill="none" extrusionOk="0">
+                    <a:moveTo>
+                      <a:pt x="4070" y="7038"/>
+                    </a:moveTo>
+                    <a:lnTo>
+                      <a:pt x="1" y="4703"/>
+                    </a:lnTo>
+                    <a:lnTo>
+                      <a:pt x="1" y="4703"/>
+                    </a:lnTo>
+                    <a:lnTo>
+                      <a:pt x="1" y="0"/>
+                    </a:lnTo>
+                    <a:lnTo>
+                      <a:pt x="34" y="0"/>
+                    </a:lnTo>
+                    <a:lnTo>
+                      <a:pt x="4070" y="2335"/>
+                    </a:lnTo>
+                    <a:lnTo>
+                      <a:pt x="4070" y="2335"/>
+                    </a:lnTo>
+                    <a:lnTo>
+                      <a:pt x="4070" y="7005"/>
+                    </a:lnTo>
+                    <a:cubicBezTo>
+                      <a:pt x="4070" y="7005"/>
+                      <a:pt x="4104" y="7038"/>
+                      <a:pt x="4070" y="7038"/>
+                    </a:cubicBezTo>
+                    <a:close/>
+                  </a:path>
+                </a:pathLst>
+              </a:custGeom>
+              <a:noFill/>
+              <a:ln w="9525" cap="flat" cmpd="sng">
+                <a:solidFill>
+                  <a:schemeClr val="dk1"/>
+                </a:solidFill>
+                <a:prstDash val="solid"/>
+                <a:round/>
+                <a:headEnd type="none" w="sm" len="sm"/>
+                <a:tailEnd type="none" w="sm" len="sm"/>
+              </a:ln>
+            </p:spPr>
+            <p:txBody>
+              <a:bodyPr spcFirstLastPara="1" wrap="square" lIns="91425" tIns="91425" rIns="91425" bIns="91425" anchor="ctr" anchorCtr="0">
+                <a:noAutofit/>
+              </a:bodyPr>
+              <a:lstStyle/>
+              <a:p>
+                <a:pPr marL="0" lvl="0" indent="0" algn="l" rtl="0">
+                  <a:spcBef>
+                    <a:spcPts val="0"/>
+                  </a:spcBef>
+                  <a:spcAft>
+                    <a:spcPts val="0"/>
+                  </a:spcAft>
+                  <a:buNone/>
+                </a:pPr>
+                <a:endParaRPr/>
+              </a:p>
+            </p:txBody>
+          </p:sp>
+          <p:sp>
+            <p:nvSpPr>
+              <p:cNvPr id="23" name="Google Shape;228;p32">
+                <a:extLst>
+                  <a:ext uri="{FF2B5EF4-FFF2-40B4-BE49-F238E27FC236}">
+                    <a16:creationId xmlns:a16="http://schemas.microsoft.com/office/drawing/2014/main" id="{065FC134-7892-8A9D-B339-80B7D3E14B56}"/>
+                  </a:ext>
+                </a:extLst>
+              </p:cNvPr>
+              <p:cNvSpPr/>
+              <p:nvPr/>
+            </p:nvSpPr>
+            <p:spPr>
+              <a:xfrm>
+                <a:off x="6130603" y="3187673"/>
+                <a:ext cx="356243" cy="618853"/>
+              </a:xfrm>
+              <a:custGeom>
+                <a:avLst/>
+                <a:gdLst/>
+                <a:ahLst/>
+                <a:cxnLst/>
+                <a:rect l="l" t="t" r="r" b="b"/>
+                <a:pathLst>
+                  <a:path w="4071" h="7072" fill="none" extrusionOk="0">
+                    <a:moveTo>
+                      <a:pt x="4070" y="7072"/>
+                    </a:moveTo>
+                    <a:lnTo>
+                      <a:pt x="1" y="4703"/>
+                    </a:lnTo>
+                    <a:lnTo>
+                      <a:pt x="1" y="4703"/>
+                    </a:lnTo>
+                    <a:lnTo>
+                      <a:pt x="1" y="0"/>
+                    </a:lnTo>
+                    <a:lnTo>
+                      <a:pt x="4070" y="2368"/>
+                    </a:lnTo>
+                    <a:lnTo>
+                      <a:pt x="4070" y="2368"/>
+                    </a:lnTo>
+                    <a:lnTo>
+                      <a:pt x="4070" y="7038"/>
+                    </a:lnTo>
+                    <a:close/>
+                  </a:path>
+                </a:pathLst>
+              </a:custGeom>
+              <a:noFill/>
+              <a:ln w="9525" cap="flat" cmpd="sng">
+                <a:solidFill>
+                  <a:schemeClr val="dk1"/>
+                </a:solidFill>
+                <a:prstDash val="solid"/>
+                <a:round/>
+                <a:headEnd type="none" w="sm" len="sm"/>
+                <a:tailEnd type="none" w="sm" len="sm"/>
+              </a:ln>
+            </p:spPr>
+            <p:txBody>
+              <a:bodyPr spcFirstLastPara="1" wrap="square" lIns="91425" tIns="91425" rIns="91425" bIns="91425" anchor="ctr" anchorCtr="0">
+                <a:noAutofit/>
+              </a:bodyPr>
+              <a:lstStyle/>
+              <a:p>
+                <a:pPr marL="0" lvl="0" indent="0" algn="l" rtl="0">
+                  <a:spcBef>
+                    <a:spcPts val="0"/>
+                  </a:spcBef>
+                  <a:spcAft>
+                    <a:spcPts val="0"/>
+                  </a:spcAft>
+                  <a:buNone/>
+                </a:pPr>
+                <a:endParaRPr/>
+              </a:p>
+            </p:txBody>
+          </p:sp>
+          <p:sp>
+            <p:nvSpPr>
+              <p:cNvPr id="24" name="Google Shape;229;p32">
+                <a:extLst>
+                  <a:ext uri="{FF2B5EF4-FFF2-40B4-BE49-F238E27FC236}">
+                    <a16:creationId xmlns:a16="http://schemas.microsoft.com/office/drawing/2014/main" id="{7B8051EE-3E5D-4326-F9DF-1CA79EBFA6E9}"/>
+                  </a:ext>
+                </a:extLst>
+              </p:cNvPr>
+              <p:cNvSpPr/>
+              <p:nvPr/>
+            </p:nvSpPr>
+            <p:spPr>
+              <a:xfrm>
+                <a:off x="6492622" y="2365015"/>
+                <a:ext cx="356156" cy="603189"/>
+              </a:xfrm>
+              <a:custGeom>
+                <a:avLst/>
+                <a:gdLst/>
+                <a:ahLst/>
+                <a:cxnLst/>
+                <a:rect l="l" t="t" r="r" b="b"/>
+                <a:pathLst>
+                  <a:path w="4070" h="6893" extrusionOk="0">
+                    <a:moveTo>
+                      <a:pt x="3951" y="1"/>
+                    </a:moveTo>
+                    <a:cubicBezTo>
+                      <a:pt x="3925" y="1"/>
+                      <a:pt x="3897" y="9"/>
+                      <a:pt x="3870" y="28"/>
+                    </a:cubicBezTo>
+                    <a:lnTo>
+                      <a:pt x="67" y="2229"/>
+                    </a:lnTo>
+                    <a:cubicBezTo>
+                      <a:pt x="33" y="2229"/>
+                      <a:pt x="0" y="2296"/>
+                      <a:pt x="0" y="2329"/>
+                    </a:cubicBezTo>
+                    <a:lnTo>
+                      <a:pt x="0" y="6766"/>
+                    </a:lnTo>
+                    <a:cubicBezTo>
+                      <a:pt x="0" y="6838"/>
+                      <a:pt x="52" y="6893"/>
+                      <a:pt x="119" y="6893"/>
+                    </a:cubicBezTo>
+                    <a:cubicBezTo>
+                      <a:pt x="144" y="6893"/>
+                      <a:pt x="172" y="6885"/>
+                      <a:pt x="200" y="6866"/>
+                    </a:cubicBezTo>
+                    <a:lnTo>
+                      <a:pt x="4003" y="4664"/>
+                    </a:lnTo>
+                    <a:cubicBezTo>
+                      <a:pt x="4070" y="4631"/>
+                      <a:pt x="4070" y="4598"/>
+                      <a:pt x="4070" y="4531"/>
+                    </a:cubicBezTo>
+                    <a:lnTo>
+                      <a:pt x="4070" y="128"/>
+                    </a:lnTo>
+                    <a:cubicBezTo>
+                      <a:pt x="4070" y="56"/>
+                      <a:pt x="4018" y="1"/>
+                      <a:pt x="3951" y="1"/>
+                    </a:cubicBezTo>
+                    <a:close/>
+                  </a:path>
+                </a:pathLst>
+              </a:custGeom>
+              <a:solidFill>
+                <a:schemeClr val="lt2"/>
+              </a:solidFill>
+              <a:ln w="9525" cap="flat" cmpd="sng">
+                <a:solidFill>
+                  <a:schemeClr val="dk1"/>
+                </a:solidFill>
+                <a:prstDash val="solid"/>
+                <a:round/>
+                <a:headEnd type="none" w="sm" len="sm"/>
+                <a:tailEnd type="none" w="sm" len="sm"/>
+              </a:ln>
+            </p:spPr>
+            <p:txBody>
+              <a:bodyPr spcFirstLastPara="1" wrap="square" lIns="91425" tIns="91425" rIns="91425" bIns="91425" anchor="ctr" anchorCtr="0">
+                <a:noAutofit/>
+              </a:bodyPr>
+              <a:lstStyle/>
+              <a:p>
+                <a:pPr marL="0" lvl="0" indent="0" algn="l" rtl="0">
+                  <a:spcBef>
+                    <a:spcPts val="0"/>
+                  </a:spcBef>
+                  <a:spcAft>
+                    <a:spcPts val="0"/>
+                  </a:spcAft>
+                  <a:buNone/>
+                </a:pPr>
+                <a:endParaRPr/>
+              </a:p>
+            </p:txBody>
+          </p:sp>
+          <p:sp>
+            <p:nvSpPr>
+              <p:cNvPr id="25" name="Google Shape;230;p32">
+                <a:extLst>
+                  <a:ext uri="{FF2B5EF4-FFF2-40B4-BE49-F238E27FC236}">
+                    <a16:creationId xmlns:a16="http://schemas.microsoft.com/office/drawing/2014/main" id="{6AA30D4B-8396-914E-F897-ABD31D8F0D5C}"/>
+                  </a:ext>
+                </a:extLst>
+              </p:cNvPr>
+              <p:cNvSpPr/>
+              <p:nvPr/>
+            </p:nvSpPr>
+            <p:spPr>
+              <a:xfrm>
+                <a:off x="6848690" y="2157797"/>
+                <a:ext cx="359131" cy="603189"/>
+              </a:xfrm>
+              <a:custGeom>
+                <a:avLst/>
+                <a:gdLst/>
+                <a:ahLst/>
+                <a:cxnLst/>
+                <a:rect l="l" t="t" r="r" b="b"/>
+                <a:pathLst>
+                  <a:path w="4104" h="6893" extrusionOk="0">
+                    <a:moveTo>
+                      <a:pt x="3971" y="0"/>
+                    </a:moveTo>
+                    <a:cubicBezTo>
+                      <a:pt x="3946" y="0"/>
+                      <a:pt x="3922" y="9"/>
+                      <a:pt x="3903" y="27"/>
+                    </a:cubicBezTo>
+                    <a:lnTo>
+                      <a:pt x="67" y="2229"/>
+                    </a:lnTo>
+                    <a:cubicBezTo>
+                      <a:pt x="34" y="2262"/>
+                      <a:pt x="1" y="2296"/>
+                      <a:pt x="1" y="2329"/>
+                    </a:cubicBezTo>
+                    <a:lnTo>
+                      <a:pt x="1" y="6765"/>
+                    </a:lnTo>
+                    <a:cubicBezTo>
+                      <a:pt x="1" y="6838"/>
+                      <a:pt x="53" y="6892"/>
+                      <a:pt x="119" y="6892"/>
+                    </a:cubicBezTo>
+                    <a:cubicBezTo>
+                      <a:pt x="145" y="6892"/>
+                      <a:pt x="173" y="6884"/>
+                      <a:pt x="201" y="6866"/>
+                    </a:cubicBezTo>
+                    <a:lnTo>
+                      <a:pt x="4037" y="4664"/>
+                    </a:lnTo>
+                    <a:cubicBezTo>
+                      <a:pt x="4070" y="4631"/>
+                      <a:pt x="4104" y="4597"/>
+                      <a:pt x="4104" y="4531"/>
+                    </a:cubicBezTo>
+                    <a:lnTo>
+                      <a:pt x="4104" y="127"/>
+                    </a:lnTo>
+                    <a:cubicBezTo>
+                      <a:pt x="4104" y="55"/>
+                      <a:pt x="4034" y="0"/>
+                      <a:pt x="3971" y="0"/>
+                    </a:cubicBezTo>
+                    <a:close/>
+                  </a:path>
+                </a:pathLst>
+              </a:custGeom>
+              <a:solidFill>
+                <a:schemeClr val="accent5"/>
+              </a:solidFill>
+              <a:ln w="9525" cap="flat" cmpd="sng">
+                <a:solidFill>
+                  <a:schemeClr val="dk1"/>
+                </a:solidFill>
+                <a:prstDash val="solid"/>
+                <a:round/>
+                <a:headEnd type="none" w="sm" len="sm"/>
+                <a:tailEnd type="none" w="sm" len="sm"/>
+              </a:ln>
+            </p:spPr>
+            <p:txBody>
+              <a:bodyPr spcFirstLastPara="1" wrap="square" lIns="91425" tIns="91425" rIns="91425" bIns="91425" anchor="ctr" anchorCtr="0">
+                <a:noAutofit/>
+              </a:bodyPr>
+              <a:lstStyle/>
+              <a:p>
+                <a:pPr marL="0" lvl="0" indent="0" algn="l" rtl="0">
+                  <a:spcBef>
+                    <a:spcPts val="0"/>
+                  </a:spcBef>
+                  <a:spcAft>
+                    <a:spcPts val="0"/>
+                  </a:spcAft>
+                  <a:buNone/>
+                </a:pPr>
+                <a:endParaRPr/>
+              </a:p>
+            </p:txBody>
+          </p:sp>
+          <p:sp>
+            <p:nvSpPr>
+              <p:cNvPr id="26" name="Google Shape;231;p32">
+                <a:extLst>
+                  <a:ext uri="{FF2B5EF4-FFF2-40B4-BE49-F238E27FC236}">
+                    <a16:creationId xmlns:a16="http://schemas.microsoft.com/office/drawing/2014/main" id="{446898C6-8C75-3170-7917-B6A9E4FB5DBB}"/>
+                  </a:ext>
+                </a:extLst>
+              </p:cNvPr>
+              <p:cNvSpPr/>
+              <p:nvPr/>
+            </p:nvSpPr>
+            <p:spPr>
+              <a:xfrm>
+                <a:off x="7207733" y="1950580"/>
+                <a:ext cx="359131" cy="606077"/>
+              </a:xfrm>
+              <a:custGeom>
+                <a:avLst/>
+                <a:gdLst/>
+                <a:ahLst/>
+                <a:cxnLst/>
+                <a:rect l="l" t="t" r="r" b="b"/>
+                <a:pathLst>
+                  <a:path w="4104" h="6926" extrusionOk="0">
+                    <a:moveTo>
+                      <a:pt x="3968" y="1"/>
+                    </a:moveTo>
+                    <a:cubicBezTo>
+                      <a:pt x="3944" y="1"/>
+                      <a:pt x="3921" y="9"/>
+                      <a:pt x="3903" y="27"/>
+                    </a:cubicBezTo>
+                    <a:lnTo>
+                      <a:pt x="67" y="2229"/>
+                    </a:lnTo>
+                    <a:cubicBezTo>
+                      <a:pt x="34" y="2262"/>
+                      <a:pt x="1" y="2295"/>
+                      <a:pt x="1" y="2362"/>
+                    </a:cubicBezTo>
+                    <a:lnTo>
+                      <a:pt x="1" y="6798"/>
+                    </a:lnTo>
+                    <a:cubicBezTo>
+                      <a:pt x="1" y="6871"/>
+                      <a:pt x="53" y="6925"/>
+                      <a:pt x="119" y="6925"/>
+                    </a:cubicBezTo>
+                    <a:cubicBezTo>
+                      <a:pt x="145" y="6925"/>
+                      <a:pt x="173" y="6917"/>
+                      <a:pt x="201" y="6899"/>
+                    </a:cubicBezTo>
+                    <a:lnTo>
+                      <a:pt x="4037" y="4664"/>
+                    </a:lnTo>
+                    <a:cubicBezTo>
+                      <a:pt x="4070" y="4664"/>
+                      <a:pt x="4104" y="4597"/>
+                      <a:pt x="4104" y="4564"/>
+                    </a:cubicBezTo>
+                    <a:lnTo>
+                      <a:pt x="4104" y="160"/>
+                    </a:lnTo>
+                    <a:cubicBezTo>
+                      <a:pt x="4104" y="63"/>
+                      <a:pt x="4032" y="1"/>
+                      <a:pt x="3968" y="1"/>
+                    </a:cubicBezTo>
+                    <a:close/>
+                  </a:path>
+                </a:pathLst>
+              </a:custGeom>
+              <a:solidFill>
+                <a:schemeClr val="accent1"/>
+              </a:solidFill>
+              <a:ln w="9525" cap="flat" cmpd="sng">
+                <a:solidFill>
+                  <a:schemeClr val="dk1"/>
+                </a:solidFill>
+                <a:prstDash val="solid"/>
+                <a:round/>
+                <a:headEnd type="none" w="sm" len="sm"/>
+                <a:tailEnd type="none" w="sm" len="sm"/>
+              </a:ln>
+            </p:spPr>
+            <p:txBody>
+              <a:bodyPr spcFirstLastPara="1" wrap="square" lIns="91425" tIns="91425" rIns="91425" bIns="91425" anchor="ctr" anchorCtr="0">
+                <a:noAutofit/>
+              </a:bodyPr>
+              <a:lstStyle/>
+              <a:p>
+                <a:pPr marL="0" lvl="0" indent="0" algn="l" rtl="0">
+                  <a:spcBef>
+                    <a:spcPts val="0"/>
+                  </a:spcBef>
+                  <a:spcAft>
+                    <a:spcPts val="0"/>
+                  </a:spcAft>
+                  <a:buNone/>
+                </a:pPr>
+                <a:endParaRPr/>
+              </a:p>
+            </p:txBody>
+          </p:sp>
+          <p:sp>
+            <p:nvSpPr>
+              <p:cNvPr id="27" name="Google Shape;232;p32">
+                <a:extLst>
+                  <a:ext uri="{FF2B5EF4-FFF2-40B4-BE49-F238E27FC236}">
+                    <a16:creationId xmlns:a16="http://schemas.microsoft.com/office/drawing/2014/main" id="{D139DD59-C0B5-1877-B2ED-E52961290BDE}"/>
+                  </a:ext>
+                </a:extLst>
+              </p:cNvPr>
+              <p:cNvSpPr/>
+              <p:nvPr/>
+            </p:nvSpPr>
+            <p:spPr>
+              <a:xfrm>
+                <a:off x="6492622" y="2779538"/>
+                <a:ext cx="356156" cy="603189"/>
+              </a:xfrm>
+              <a:custGeom>
+                <a:avLst/>
+                <a:gdLst/>
+                <a:ahLst/>
+                <a:cxnLst/>
+                <a:rect l="l" t="t" r="r" b="b"/>
+                <a:pathLst>
+                  <a:path w="4070" h="6893" extrusionOk="0">
+                    <a:moveTo>
+                      <a:pt x="3951" y="1"/>
+                    </a:moveTo>
+                    <a:cubicBezTo>
+                      <a:pt x="3925" y="1"/>
+                      <a:pt x="3897" y="9"/>
+                      <a:pt x="3870" y="27"/>
+                    </a:cubicBezTo>
+                    <a:lnTo>
+                      <a:pt x="67" y="2229"/>
+                    </a:lnTo>
+                    <a:cubicBezTo>
+                      <a:pt x="33" y="2262"/>
+                      <a:pt x="0" y="2296"/>
+                      <a:pt x="0" y="2362"/>
+                    </a:cubicBezTo>
+                    <a:lnTo>
+                      <a:pt x="0" y="6766"/>
+                    </a:lnTo>
+                    <a:cubicBezTo>
+                      <a:pt x="0" y="6838"/>
+                      <a:pt x="52" y="6892"/>
+                      <a:pt x="119" y="6892"/>
+                    </a:cubicBezTo>
+                    <a:cubicBezTo>
+                      <a:pt x="144" y="6892"/>
+                      <a:pt x="172" y="6884"/>
+                      <a:pt x="200" y="6866"/>
+                    </a:cubicBezTo>
+                    <a:lnTo>
+                      <a:pt x="4003" y="4664"/>
+                    </a:lnTo>
+                    <a:cubicBezTo>
+                      <a:pt x="4070" y="4631"/>
+                      <a:pt x="4070" y="4597"/>
+                      <a:pt x="4070" y="4564"/>
+                    </a:cubicBezTo>
+                    <a:lnTo>
+                      <a:pt x="4070" y="127"/>
+                    </a:lnTo>
+                    <a:cubicBezTo>
+                      <a:pt x="4070" y="55"/>
+                      <a:pt x="4018" y="1"/>
+                      <a:pt x="3951" y="1"/>
+                    </a:cubicBezTo>
+                    <a:close/>
+                  </a:path>
+                </a:pathLst>
+              </a:custGeom>
+              <a:solidFill>
+                <a:schemeClr val="accent2"/>
+              </a:solidFill>
+              <a:ln w="9525" cap="flat" cmpd="sng">
+                <a:solidFill>
+                  <a:schemeClr val="dk1"/>
+                </a:solidFill>
+                <a:prstDash val="solid"/>
+                <a:round/>
+                <a:headEnd type="none" w="sm" len="sm"/>
+                <a:tailEnd type="none" w="sm" len="sm"/>
+              </a:ln>
+            </p:spPr>
+            <p:txBody>
+              <a:bodyPr spcFirstLastPara="1" wrap="square" lIns="91425" tIns="91425" rIns="91425" bIns="91425" anchor="ctr" anchorCtr="0">
+                <a:noAutofit/>
+              </a:bodyPr>
+              <a:lstStyle/>
+              <a:p>
+                <a:pPr marL="0" lvl="0" indent="0" algn="l" rtl="0">
+                  <a:spcBef>
+                    <a:spcPts val="0"/>
+                  </a:spcBef>
+                  <a:spcAft>
+                    <a:spcPts val="0"/>
+                  </a:spcAft>
+                  <a:buNone/>
+                </a:pPr>
+                <a:endParaRPr/>
+              </a:p>
+            </p:txBody>
+          </p:sp>
+          <p:sp>
+            <p:nvSpPr>
+              <p:cNvPr id="28" name="Google Shape;233;p32">
+                <a:extLst>
+                  <a:ext uri="{FF2B5EF4-FFF2-40B4-BE49-F238E27FC236}">
+                    <a16:creationId xmlns:a16="http://schemas.microsoft.com/office/drawing/2014/main" id="{8E3EAC45-C893-2EA7-A621-179EAC78C4BE}"/>
+                  </a:ext>
+                </a:extLst>
+              </p:cNvPr>
+              <p:cNvSpPr/>
+              <p:nvPr/>
+            </p:nvSpPr>
+            <p:spPr>
+              <a:xfrm>
+                <a:off x="6848690" y="2573896"/>
+                <a:ext cx="359131" cy="602927"/>
+              </a:xfrm>
+              <a:custGeom>
+                <a:avLst/>
+                <a:gdLst/>
+                <a:ahLst/>
+                <a:cxnLst/>
+                <a:rect l="l" t="t" r="r" b="b"/>
+                <a:pathLst>
+                  <a:path w="4104" h="6890" extrusionOk="0">
+                    <a:moveTo>
+                      <a:pt x="3944" y="0"/>
+                    </a:moveTo>
+                    <a:cubicBezTo>
+                      <a:pt x="3929" y="0"/>
+                      <a:pt x="3915" y="3"/>
+                      <a:pt x="3903" y="9"/>
+                    </a:cubicBezTo>
+                    <a:lnTo>
+                      <a:pt x="67" y="2211"/>
+                    </a:lnTo>
+                    <a:cubicBezTo>
+                      <a:pt x="34" y="2244"/>
+                      <a:pt x="1" y="2277"/>
+                      <a:pt x="1" y="2344"/>
+                    </a:cubicBezTo>
+                    <a:lnTo>
+                      <a:pt x="1" y="6747"/>
+                    </a:lnTo>
+                    <a:cubicBezTo>
+                      <a:pt x="1" y="6830"/>
+                      <a:pt x="68" y="6889"/>
+                      <a:pt x="148" y="6889"/>
+                    </a:cubicBezTo>
+                    <a:cubicBezTo>
+                      <a:pt x="165" y="6889"/>
+                      <a:pt x="183" y="6887"/>
+                      <a:pt x="201" y="6881"/>
+                    </a:cubicBezTo>
+                    <a:lnTo>
+                      <a:pt x="4037" y="4646"/>
+                    </a:lnTo>
+                    <a:cubicBezTo>
+                      <a:pt x="4070" y="4646"/>
+                      <a:pt x="4104" y="4579"/>
+                      <a:pt x="4104" y="4546"/>
+                    </a:cubicBezTo>
+                    <a:lnTo>
+                      <a:pt x="4104" y="142"/>
+                    </a:lnTo>
+                    <a:cubicBezTo>
+                      <a:pt x="4104" y="60"/>
+                      <a:pt x="4013" y="0"/>
+                      <a:pt x="3944" y="0"/>
+                    </a:cubicBezTo>
+                    <a:close/>
+                  </a:path>
+                </a:pathLst>
+              </a:custGeom>
+              <a:solidFill>
+                <a:srgbClr val="FFFFFF"/>
+              </a:solidFill>
+              <a:ln w="9525" cap="flat" cmpd="sng">
+                <a:solidFill>
+                  <a:schemeClr val="dk1"/>
+                </a:solidFill>
+                <a:prstDash val="solid"/>
+                <a:round/>
+                <a:headEnd type="none" w="sm" len="sm"/>
+                <a:tailEnd type="none" w="sm" len="sm"/>
+              </a:ln>
+            </p:spPr>
+            <p:txBody>
+              <a:bodyPr spcFirstLastPara="1" wrap="square" lIns="91425" tIns="91425" rIns="91425" bIns="91425" anchor="ctr" anchorCtr="0">
+                <a:noAutofit/>
+              </a:bodyPr>
+              <a:lstStyle/>
+              <a:p>
+                <a:pPr marL="0" lvl="0" indent="0" algn="l" rtl="0">
+                  <a:spcBef>
+                    <a:spcPts val="0"/>
+                  </a:spcBef>
+                  <a:spcAft>
+                    <a:spcPts val="0"/>
+                  </a:spcAft>
+                  <a:buNone/>
+                </a:pPr>
+                <a:endParaRPr/>
+              </a:p>
+            </p:txBody>
+          </p:sp>
+          <p:sp>
+            <p:nvSpPr>
+              <p:cNvPr id="29" name="Google Shape;234;p32">
+                <a:extLst>
+                  <a:ext uri="{FF2B5EF4-FFF2-40B4-BE49-F238E27FC236}">
+                    <a16:creationId xmlns:a16="http://schemas.microsoft.com/office/drawing/2014/main" id="{959A6E1D-AC51-237D-6677-F4C7467683ED}"/>
+                  </a:ext>
+                </a:extLst>
+              </p:cNvPr>
+              <p:cNvSpPr/>
+              <p:nvPr/>
+            </p:nvSpPr>
+            <p:spPr>
+              <a:xfrm>
+                <a:off x="7207733" y="2366678"/>
+                <a:ext cx="359131" cy="602839"/>
+              </a:xfrm>
+              <a:custGeom>
+                <a:avLst/>
+                <a:gdLst/>
+                <a:ahLst/>
+                <a:cxnLst/>
+                <a:rect l="l" t="t" r="r" b="b"/>
+                <a:pathLst>
+                  <a:path w="4104" h="6889" extrusionOk="0">
+                    <a:moveTo>
+                      <a:pt x="3944" y="0"/>
+                    </a:moveTo>
+                    <a:cubicBezTo>
+                      <a:pt x="3929" y="0"/>
+                      <a:pt x="3915" y="3"/>
+                      <a:pt x="3903" y="9"/>
+                    </a:cubicBezTo>
+                    <a:lnTo>
+                      <a:pt x="67" y="2244"/>
+                    </a:lnTo>
+                    <a:cubicBezTo>
+                      <a:pt x="34" y="2244"/>
+                      <a:pt x="1" y="2310"/>
+                      <a:pt x="1" y="2344"/>
+                    </a:cubicBezTo>
+                    <a:lnTo>
+                      <a:pt x="1" y="6747"/>
+                    </a:lnTo>
+                    <a:cubicBezTo>
+                      <a:pt x="1" y="6829"/>
+                      <a:pt x="68" y="6889"/>
+                      <a:pt x="148" y="6889"/>
+                    </a:cubicBezTo>
+                    <a:cubicBezTo>
+                      <a:pt x="165" y="6889"/>
+                      <a:pt x="183" y="6886"/>
+                      <a:pt x="201" y="6880"/>
+                    </a:cubicBezTo>
+                    <a:lnTo>
+                      <a:pt x="4037" y="4679"/>
+                    </a:lnTo>
+                    <a:cubicBezTo>
+                      <a:pt x="4070" y="4645"/>
+                      <a:pt x="4104" y="4612"/>
+                      <a:pt x="4104" y="4545"/>
+                    </a:cubicBezTo>
+                    <a:lnTo>
+                      <a:pt x="4104" y="142"/>
+                    </a:lnTo>
+                    <a:cubicBezTo>
+                      <a:pt x="4104" y="60"/>
+                      <a:pt x="4013" y="0"/>
+                      <a:pt x="3944" y="0"/>
+                    </a:cubicBezTo>
+                    <a:close/>
+                  </a:path>
+                </a:pathLst>
+              </a:custGeom>
+              <a:solidFill>
+                <a:schemeClr val="accent3"/>
+              </a:solidFill>
+              <a:ln w="9525" cap="flat" cmpd="sng">
+                <a:solidFill>
+                  <a:schemeClr val="dk1"/>
+                </a:solidFill>
+                <a:prstDash val="solid"/>
+                <a:round/>
+                <a:headEnd type="none" w="sm" len="sm"/>
+                <a:tailEnd type="none" w="sm" len="sm"/>
+              </a:ln>
+            </p:spPr>
+            <p:txBody>
+              <a:bodyPr spcFirstLastPara="1" wrap="square" lIns="91425" tIns="91425" rIns="91425" bIns="91425" anchor="ctr" anchorCtr="0">
+                <a:noAutofit/>
+              </a:bodyPr>
+              <a:lstStyle/>
+              <a:p>
+                <a:pPr marL="0" lvl="0" indent="0" algn="l" rtl="0">
+                  <a:spcBef>
+                    <a:spcPts val="0"/>
+                  </a:spcBef>
+                  <a:spcAft>
+                    <a:spcPts val="0"/>
+                  </a:spcAft>
+                  <a:buNone/>
+                </a:pPr>
+                <a:endParaRPr/>
+              </a:p>
+            </p:txBody>
+          </p:sp>
+          <p:sp>
+            <p:nvSpPr>
+              <p:cNvPr id="30" name="Google Shape;235;p32">
+                <a:extLst>
+                  <a:ext uri="{FF2B5EF4-FFF2-40B4-BE49-F238E27FC236}">
+                    <a16:creationId xmlns:a16="http://schemas.microsoft.com/office/drawing/2014/main" id="{876D7257-2590-1F05-437F-DF6DEBD1CD78}"/>
+                  </a:ext>
+                </a:extLst>
+              </p:cNvPr>
+              <p:cNvSpPr/>
+              <p:nvPr/>
+            </p:nvSpPr>
+            <p:spPr>
+              <a:xfrm>
+                <a:off x="6492622" y="3195636"/>
+                <a:ext cx="356156" cy="602927"/>
+              </a:xfrm>
+              <a:custGeom>
+                <a:avLst/>
+                <a:gdLst/>
+                <a:ahLst/>
+                <a:cxnLst/>
+                <a:rect l="l" t="t" r="r" b="b"/>
+                <a:pathLst>
+                  <a:path w="4070" h="6890" extrusionOk="0">
+                    <a:moveTo>
+                      <a:pt x="3922" y="0"/>
+                    </a:moveTo>
+                    <a:cubicBezTo>
+                      <a:pt x="3905" y="0"/>
+                      <a:pt x="3887" y="3"/>
+                      <a:pt x="3870" y="9"/>
+                    </a:cubicBezTo>
+                    <a:lnTo>
+                      <a:pt x="67" y="2244"/>
+                    </a:lnTo>
+                    <a:cubicBezTo>
+                      <a:pt x="33" y="2244"/>
+                      <a:pt x="0" y="2277"/>
+                      <a:pt x="0" y="2344"/>
+                    </a:cubicBezTo>
+                    <a:lnTo>
+                      <a:pt x="0" y="6747"/>
+                    </a:lnTo>
+                    <a:cubicBezTo>
+                      <a:pt x="0" y="6830"/>
+                      <a:pt x="68" y="6889"/>
+                      <a:pt x="148" y="6889"/>
+                    </a:cubicBezTo>
+                    <a:cubicBezTo>
+                      <a:pt x="165" y="6889"/>
+                      <a:pt x="183" y="6887"/>
+                      <a:pt x="200" y="6881"/>
+                    </a:cubicBezTo>
+                    <a:lnTo>
+                      <a:pt x="4003" y="4679"/>
+                    </a:lnTo>
+                    <a:cubicBezTo>
+                      <a:pt x="4070" y="4646"/>
+                      <a:pt x="4070" y="4579"/>
+                      <a:pt x="4070" y="4546"/>
+                    </a:cubicBezTo>
+                    <a:lnTo>
+                      <a:pt x="4070" y="143"/>
+                    </a:lnTo>
+                    <a:cubicBezTo>
+                      <a:pt x="4070" y="60"/>
+                      <a:pt x="4002" y="0"/>
+                      <a:pt x="3922" y="0"/>
+                    </a:cubicBezTo>
+                    <a:close/>
+                  </a:path>
+                </a:pathLst>
+              </a:custGeom>
+              <a:solidFill>
+                <a:schemeClr val="accent1"/>
+              </a:solidFill>
+              <a:ln w="9525" cap="flat" cmpd="sng">
+                <a:solidFill>
+                  <a:schemeClr val="dk1"/>
+                </a:solidFill>
+                <a:prstDash val="solid"/>
+                <a:round/>
+                <a:headEnd type="none" w="sm" len="sm"/>
+                <a:tailEnd type="none" w="sm" len="sm"/>
+              </a:ln>
+            </p:spPr>
+            <p:txBody>
+              <a:bodyPr spcFirstLastPara="1" wrap="square" lIns="91425" tIns="91425" rIns="91425" bIns="91425" anchor="ctr" anchorCtr="0">
+                <a:noAutofit/>
+              </a:bodyPr>
+              <a:lstStyle/>
+              <a:p>
+                <a:pPr marL="0" lvl="0" indent="0" algn="l" rtl="0">
+                  <a:spcBef>
+                    <a:spcPts val="0"/>
+                  </a:spcBef>
+                  <a:spcAft>
+                    <a:spcPts val="0"/>
+                  </a:spcAft>
+                  <a:buNone/>
+                </a:pPr>
+                <a:endParaRPr/>
+              </a:p>
+            </p:txBody>
+          </p:sp>
+          <p:sp>
+            <p:nvSpPr>
+              <p:cNvPr id="31" name="Google Shape;236;p32">
+                <a:extLst>
+                  <a:ext uri="{FF2B5EF4-FFF2-40B4-BE49-F238E27FC236}">
+                    <a16:creationId xmlns:a16="http://schemas.microsoft.com/office/drawing/2014/main" id="{6A58DBBF-DE33-2244-410E-FD644B4C1667}"/>
+                  </a:ext>
+                </a:extLst>
+              </p:cNvPr>
+              <p:cNvSpPr/>
+              <p:nvPr/>
+            </p:nvSpPr>
+            <p:spPr>
+              <a:xfrm>
+                <a:off x="6848690" y="2989731"/>
+                <a:ext cx="359131" cy="601614"/>
+              </a:xfrm>
+              <a:custGeom>
+                <a:avLst/>
+                <a:gdLst/>
+                <a:ahLst/>
+                <a:cxnLst/>
+                <a:rect l="l" t="t" r="r" b="b"/>
+                <a:pathLst>
+                  <a:path w="4104" h="6875" extrusionOk="0">
+                    <a:moveTo>
+                      <a:pt x="3971" y="0"/>
+                    </a:moveTo>
+                    <a:cubicBezTo>
+                      <a:pt x="3946" y="0"/>
+                      <a:pt x="3922" y="8"/>
+                      <a:pt x="3903" y="27"/>
+                    </a:cubicBezTo>
+                    <a:lnTo>
+                      <a:pt x="67" y="2229"/>
+                    </a:lnTo>
+                    <a:cubicBezTo>
+                      <a:pt x="34" y="2229"/>
+                      <a:pt x="1" y="2295"/>
+                      <a:pt x="1" y="2329"/>
+                    </a:cubicBezTo>
+                    <a:lnTo>
+                      <a:pt x="1" y="6732"/>
+                    </a:lnTo>
+                    <a:cubicBezTo>
+                      <a:pt x="1" y="6814"/>
+                      <a:pt x="68" y="6874"/>
+                      <a:pt x="148" y="6874"/>
+                    </a:cubicBezTo>
+                    <a:cubicBezTo>
+                      <a:pt x="165" y="6874"/>
+                      <a:pt x="183" y="6871"/>
+                      <a:pt x="201" y="6865"/>
+                    </a:cubicBezTo>
+                    <a:lnTo>
+                      <a:pt x="4037" y="4664"/>
+                    </a:lnTo>
+                    <a:cubicBezTo>
+                      <a:pt x="4070" y="4630"/>
+                      <a:pt x="4104" y="4597"/>
+                      <a:pt x="4104" y="4530"/>
+                    </a:cubicBezTo>
+                    <a:lnTo>
+                      <a:pt x="4104" y="127"/>
+                    </a:lnTo>
+                    <a:cubicBezTo>
+                      <a:pt x="4104" y="55"/>
+                      <a:pt x="4034" y="0"/>
+                      <a:pt x="3971" y="0"/>
+                    </a:cubicBezTo>
+                    <a:close/>
+                  </a:path>
+                </a:pathLst>
+              </a:custGeom>
+              <a:solidFill>
+                <a:schemeClr val="accent5"/>
+              </a:solidFill>
+              <a:ln w="9525" cap="flat" cmpd="sng">
+                <a:solidFill>
+                  <a:schemeClr val="dk1"/>
+                </a:solidFill>
+                <a:prstDash val="solid"/>
+                <a:round/>
+                <a:headEnd type="none" w="sm" len="sm"/>
+                <a:tailEnd type="none" w="sm" len="sm"/>
+              </a:ln>
+            </p:spPr>
+            <p:txBody>
+              <a:bodyPr spcFirstLastPara="1" wrap="square" lIns="91425" tIns="91425" rIns="91425" bIns="91425" anchor="ctr" anchorCtr="0">
+                <a:noAutofit/>
+              </a:bodyPr>
+              <a:lstStyle/>
+              <a:p>
+                <a:pPr marL="0" lvl="0" indent="0" algn="l" rtl="0">
+                  <a:spcBef>
+                    <a:spcPts val="0"/>
+                  </a:spcBef>
+                  <a:spcAft>
+                    <a:spcPts val="0"/>
+                  </a:spcAft>
+                  <a:buNone/>
+                </a:pPr>
+                <a:endParaRPr/>
+              </a:p>
+            </p:txBody>
+          </p:sp>
+          <p:sp>
+            <p:nvSpPr>
+              <p:cNvPr id="32" name="Google Shape;237;p32">
+                <a:extLst>
+                  <a:ext uri="{FF2B5EF4-FFF2-40B4-BE49-F238E27FC236}">
+                    <a16:creationId xmlns:a16="http://schemas.microsoft.com/office/drawing/2014/main" id="{A6B8B925-0323-E872-7E28-F5BDEB888EDB}"/>
+                  </a:ext>
+                </a:extLst>
+              </p:cNvPr>
+              <p:cNvSpPr/>
+              <p:nvPr/>
+            </p:nvSpPr>
+            <p:spPr>
+              <a:xfrm>
+                <a:off x="7207733" y="2782426"/>
+                <a:ext cx="359131" cy="603189"/>
+              </a:xfrm>
+              <a:custGeom>
+                <a:avLst/>
+                <a:gdLst/>
+                <a:ahLst/>
+                <a:cxnLst/>
+                <a:rect l="l" t="t" r="r" b="b"/>
+                <a:pathLst>
+                  <a:path w="4104" h="6893" extrusionOk="0">
+                    <a:moveTo>
+                      <a:pt x="3971" y="1"/>
+                    </a:moveTo>
+                    <a:cubicBezTo>
+                      <a:pt x="3946" y="1"/>
+                      <a:pt x="3922" y="9"/>
+                      <a:pt x="3903" y="28"/>
+                    </a:cubicBezTo>
+                    <a:lnTo>
+                      <a:pt x="67" y="2229"/>
+                    </a:lnTo>
+                    <a:cubicBezTo>
+                      <a:pt x="34" y="2263"/>
+                      <a:pt x="1" y="2296"/>
+                      <a:pt x="1" y="2329"/>
+                    </a:cubicBezTo>
+                    <a:lnTo>
+                      <a:pt x="1" y="6766"/>
+                    </a:lnTo>
+                    <a:cubicBezTo>
+                      <a:pt x="1" y="6838"/>
+                      <a:pt x="53" y="6893"/>
+                      <a:pt x="119" y="6893"/>
+                    </a:cubicBezTo>
+                    <a:cubicBezTo>
+                      <a:pt x="145" y="6893"/>
+                      <a:pt x="173" y="6885"/>
+                      <a:pt x="201" y="6866"/>
+                    </a:cubicBezTo>
+                    <a:lnTo>
+                      <a:pt x="4037" y="4664"/>
+                    </a:lnTo>
+                    <a:cubicBezTo>
+                      <a:pt x="4070" y="4631"/>
+                      <a:pt x="4104" y="4598"/>
+                      <a:pt x="4104" y="4564"/>
+                    </a:cubicBezTo>
+                    <a:lnTo>
+                      <a:pt x="4104" y="128"/>
+                    </a:lnTo>
+                    <a:cubicBezTo>
+                      <a:pt x="4104" y="56"/>
+                      <a:pt x="4034" y="1"/>
+                      <a:pt x="3971" y="1"/>
+                    </a:cubicBezTo>
+                    <a:close/>
+                  </a:path>
+                </a:pathLst>
+              </a:custGeom>
+              <a:solidFill>
+                <a:srgbClr val="6734A7"/>
+              </a:solidFill>
+              <a:ln w="9525" cap="flat" cmpd="sng">
+                <a:solidFill>
+                  <a:schemeClr val="dk1"/>
+                </a:solidFill>
+                <a:prstDash val="solid"/>
+                <a:round/>
+                <a:headEnd type="none" w="sm" len="sm"/>
+                <a:tailEnd type="none" w="sm" len="sm"/>
+              </a:ln>
+            </p:spPr>
+            <p:txBody>
+              <a:bodyPr spcFirstLastPara="1" wrap="square" lIns="91425" tIns="91425" rIns="91425" bIns="91425" anchor="ctr" anchorCtr="0">
+                <a:noAutofit/>
+              </a:bodyPr>
+              <a:lstStyle/>
+              <a:p>
+                <a:pPr marL="0" lvl="0" indent="0" algn="l" rtl="0">
+                  <a:spcBef>
+                    <a:spcPts val="0"/>
+                  </a:spcBef>
+                  <a:spcAft>
+                    <a:spcPts val="0"/>
+                  </a:spcAft>
+                  <a:buNone/>
+                </a:pPr>
+                <a:endParaRPr/>
+              </a:p>
+            </p:txBody>
+          </p:sp>
+          <p:sp>
+            <p:nvSpPr>
+              <p:cNvPr id="33" name="Google Shape;238;p32">
+                <a:extLst>
+                  <a:ext uri="{FF2B5EF4-FFF2-40B4-BE49-F238E27FC236}">
+                    <a16:creationId xmlns:a16="http://schemas.microsoft.com/office/drawing/2014/main" id="{EDD1A9D4-D288-A8B8-248E-93FCCC327578}"/>
+                  </a:ext>
+                </a:extLst>
+              </p:cNvPr>
+              <p:cNvSpPr/>
+              <p:nvPr/>
+            </p:nvSpPr>
+            <p:spPr>
+              <a:xfrm>
+                <a:off x="6492622" y="2361515"/>
+                <a:ext cx="356156" cy="610190"/>
+              </a:xfrm>
+              <a:custGeom>
+                <a:avLst/>
+                <a:gdLst/>
+                <a:ahLst/>
+                <a:cxnLst/>
+                <a:rect l="l" t="t" r="r" b="b"/>
+                <a:pathLst>
+                  <a:path w="4070" h="6973" fill="none" extrusionOk="0">
+                    <a:moveTo>
+                      <a:pt x="4003" y="4704"/>
+                    </a:moveTo>
+                    <a:lnTo>
+                      <a:pt x="200" y="6906"/>
+                    </a:lnTo>
+                    <a:cubicBezTo>
+                      <a:pt x="100" y="6973"/>
+                      <a:pt x="0" y="6906"/>
+                      <a:pt x="0" y="6806"/>
+                    </a:cubicBezTo>
+                    <a:lnTo>
+                      <a:pt x="0" y="2369"/>
+                    </a:lnTo>
+                    <a:cubicBezTo>
+                      <a:pt x="0" y="2336"/>
+                      <a:pt x="33" y="2269"/>
+                      <a:pt x="67" y="2269"/>
+                    </a:cubicBezTo>
+                    <a:lnTo>
+                      <a:pt x="3870" y="68"/>
+                    </a:lnTo>
+                    <a:cubicBezTo>
+                      <a:pt x="3970" y="1"/>
+                      <a:pt x="4070" y="68"/>
+                      <a:pt x="4070" y="168"/>
+                    </a:cubicBezTo>
+                    <a:lnTo>
+                      <a:pt x="4070" y="4571"/>
+                    </a:lnTo>
+                    <a:cubicBezTo>
+                      <a:pt x="4070" y="4638"/>
+                      <a:pt x="4070" y="4671"/>
+                      <a:pt x="4003" y="4704"/>
+                    </a:cubicBezTo>
+                    <a:close/>
+                  </a:path>
+                </a:pathLst>
+              </a:custGeom>
+              <a:noFill/>
+              <a:ln w="9525" cap="flat" cmpd="sng">
+                <a:solidFill>
+                  <a:schemeClr val="dk1"/>
+                </a:solidFill>
+                <a:prstDash val="solid"/>
+                <a:round/>
+                <a:headEnd type="none" w="sm" len="sm"/>
+                <a:tailEnd type="none" w="sm" len="sm"/>
+              </a:ln>
+            </p:spPr>
+            <p:txBody>
+              <a:bodyPr spcFirstLastPara="1" wrap="square" lIns="91425" tIns="91425" rIns="91425" bIns="91425" anchor="ctr" anchorCtr="0">
+                <a:noAutofit/>
+              </a:bodyPr>
+              <a:lstStyle/>
+              <a:p>
+                <a:pPr marL="0" lvl="0" indent="0" algn="l" rtl="0">
+                  <a:spcBef>
+                    <a:spcPts val="0"/>
+                  </a:spcBef>
+                  <a:spcAft>
+                    <a:spcPts val="0"/>
+                  </a:spcAft>
+                  <a:buNone/>
+                </a:pPr>
+                <a:endParaRPr/>
+              </a:p>
+            </p:txBody>
+          </p:sp>
+          <p:sp>
+            <p:nvSpPr>
+              <p:cNvPr id="34" name="Google Shape;239;p32">
+                <a:extLst>
+                  <a:ext uri="{FF2B5EF4-FFF2-40B4-BE49-F238E27FC236}">
+                    <a16:creationId xmlns:a16="http://schemas.microsoft.com/office/drawing/2014/main" id="{1B998481-9819-52AB-19A4-8AEEEC1FE4F1}"/>
+                  </a:ext>
+                </a:extLst>
+              </p:cNvPr>
+              <p:cNvSpPr/>
+              <p:nvPr/>
+            </p:nvSpPr>
+            <p:spPr>
+              <a:xfrm>
+                <a:off x="6848690" y="2154297"/>
+                <a:ext cx="359131" cy="610190"/>
+              </a:xfrm>
+              <a:custGeom>
+                <a:avLst/>
+                <a:gdLst/>
+                <a:ahLst/>
+                <a:cxnLst/>
+                <a:rect l="l" t="t" r="r" b="b"/>
+                <a:pathLst>
+                  <a:path w="4104" h="6973" fill="none" extrusionOk="0">
+                    <a:moveTo>
+                      <a:pt x="4037" y="4704"/>
+                    </a:moveTo>
+                    <a:lnTo>
+                      <a:pt x="201" y="6906"/>
+                    </a:lnTo>
+                    <a:cubicBezTo>
+                      <a:pt x="101" y="6972"/>
+                      <a:pt x="1" y="6906"/>
+                      <a:pt x="1" y="6805"/>
+                    </a:cubicBezTo>
+                    <a:lnTo>
+                      <a:pt x="1" y="2369"/>
+                    </a:lnTo>
+                    <a:cubicBezTo>
+                      <a:pt x="1" y="2336"/>
+                      <a:pt x="34" y="2302"/>
+                      <a:pt x="67" y="2269"/>
+                    </a:cubicBezTo>
+                    <a:lnTo>
+                      <a:pt x="3903" y="67"/>
+                    </a:lnTo>
+                    <a:cubicBezTo>
+                      <a:pt x="3970" y="1"/>
+                      <a:pt x="4104" y="67"/>
+                      <a:pt x="4104" y="167"/>
+                    </a:cubicBezTo>
+                    <a:lnTo>
+                      <a:pt x="4104" y="4571"/>
+                    </a:lnTo>
+                    <a:cubicBezTo>
+                      <a:pt x="4104" y="4637"/>
+                      <a:pt x="4070" y="4671"/>
+                      <a:pt x="4037" y="4704"/>
+                    </a:cubicBezTo>
+                    <a:close/>
+                  </a:path>
+                </a:pathLst>
+              </a:custGeom>
+              <a:noFill/>
+              <a:ln w="9525" cap="flat" cmpd="sng">
+                <a:solidFill>
+                  <a:schemeClr val="dk1"/>
+                </a:solidFill>
+                <a:prstDash val="solid"/>
+                <a:round/>
+                <a:headEnd type="none" w="sm" len="sm"/>
+                <a:tailEnd type="none" w="sm" len="sm"/>
+              </a:ln>
+            </p:spPr>
+            <p:txBody>
+              <a:bodyPr spcFirstLastPara="1" wrap="square" lIns="91425" tIns="91425" rIns="91425" bIns="91425" anchor="ctr" anchorCtr="0">
+                <a:noAutofit/>
+              </a:bodyPr>
+              <a:lstStyle/>
+              <a:p>
+                <a:pPr marL="0" lvl="0" indent="0" algn="l" rtl="0">
+                  <a:spcBef>
+                    <a:spcPts val="0"/>
+                  </a:spcBef>
+                  <a:spcAft>
+                    <a:spcPts val="0"/>
+                  </a:spcAft>
+                  <a:buNone/>
+                </a:pPr>
+                <a:endParaRPr/>
+              </a:p>
+            </p:txBody>
+          </p:sp>
+          <p:sp>
+            <p:nvSpPr>
+              <p:cNvPr id="35" name="Google Shape;240;p32">
+                <a:extLst>
+                  <a:ext uri="{FF2B5EF4-FFF2-40B4-BE49-F238E27FC236}">
+                    <a16:creationId xmlns:a16="http://schemas.microsoft.com/office/drawing/2014/main" id="{171C070B-BE90-26DD-350D-DA31D57F6F2D}"/>
+                  </a:ext>
+                </a:extLst>
+              </p:cNvPr>
+              <p:cNvSpPr/>
+              <p:nvPr/>
+            </p:nvSpPr>
+            <p:spPr>
+              <a:xfrm>
+                <a:off x="7207733" y="1947079"/>
+                <a:ext cx="359131" cy="613078"/>
+              </a:xfrm>
+              <a:custGeom>
+                <a:avLst/>
+                <a:gdLst/>
+                <a:ahLst/>
+                <a:cxnLst/>
+                <a:rect l="l" t="t" r="r" b="b"/>
+                <a:pathLst>
+                  <a:path w="4104" h="7006" fill="none" extrusionOk="0">
+                    <a:moveTo>
+                      <a:pt x="4037" y="4704"/>
+                    </a:moveTo>
+                    <a:lnTo>
+                      <a:pt x="201" y="6939"/>
+                    </a:lnTo>
+                    <a:cubicBezTo>
+                      <a:pt x="101" y="7005"/>
+                      <a:pt x="1" y="6939"/>
+                      <a:pt x="1" y="6838"/>
+                    </a:cubicBezTo>
+                    <a:lnTo>
+                      <a:pt x="1" y="2402"/>
+                    </a:lnTo>
+                    <a:cubicBezTo>
+                      <a:pt x="1" y="2335"/>
+                      <a:pt x="34" y="2302"/>
+                      <a:pt x="67" y="2269"/>
+                    </a:cubicBezTo>
+                    <a:lnTo>
+                      <a:pt x="3903" y="67"/>
+                    </a:lnTo>
+                    <a:cubicBezTo>
+                      <a:pt x="3970" y="0"/>
+                      <a:pt x="4104" y="67"/>
+                      <a:pt x="4104" y="200"/>
+                    </a:cubicBezTo>
+                    <a:lnTo>
+                      <a:pt x="4104" y="4604"/>
+                    </a:lnTo>
+                    <a:cubicBezTo>
+                      <a:pt x="4104" y="4637"/>
+                      <a:pt x="4070" y="4704"/>
+                      <a:pt x="4037" y="4704"/>
+                    </a:cubicBezTo>
+                    <a:close/>
+                  </a:path>
+                </a:pathLst>
+              </a:custGeom>
+              <a:noFill/>
+              <a:ln w="9525" cap="flat" cmpd="sng">
+                <a:solidFill>
+                  <a:schemeClr val="dk1"/>
+                </a:solidFill>
+                <a:prstDash val="solid"/>
+                <a:round/>
+                <a:headEnd type="none" w="sm" len="sm"/>
+                <a:tailEnd type="none" w="sm" len="sm"/>
+              </a:ln>
+            </p:spPr>
+            <p:txBody>
+              <a:bodyPr spcFirstLastPara="1" wrap="square" lIns="91425" tIns="91425" rIns="91425" bIns="91425" anchor="ctr" anchorCtr="0">
+                <a:noAutofit/>
+              </a:bodyPr>
+              <a:lstStyle/>
+              <a:p>
+                <a:pPr marL="0" lvl="0" indent="0" algn="l" rtl="0">
+                  <a:spcBef>
+                    <a:spcPts val="0"/>
+                  </a:spcBef>
+                  <a:spcAft>
+                    <a:spcPts val="0"/>
+                  </a:spcAft>
+                  <a:buNone/>
+                </a:pPr>
+                <a:endParaRPr/>
+              </a:p>
+            </p:txBody>
+          </p:sp>
+          <p:sp>
+            <p:nvSpPr>
+              <p:cNvPr id="36" name="Google Shape;241;p32">
+                <a:extLst>
+                  <a:ext uri="{FF2B5EF4-FFF2-40B4-BE49-F238E27FC236}">
+                    <a16:creationId xmlns:a16="http://schemas.microsoft.com/office/drawing/2014/main" id="{C3489198-0638-CB37-5005-44EDEAFCC93F}"/>
+                  </a:ext>
+                </a:extLst>
+              </p:cNvPr>
+              <p:cNvSpPr/>
+              <p:nvPr/>
+            </p:nvSpPr>
+            <p:spPr>
+              <a:xfrm>
+                <a:off x="6492622" y="2776038"/>
+                <a:ext cx="356156" cy="610190"/>
+              </a:xfrm>
+              <a:custGeom>
+                <a:avLst/>
+                <a:gdLst/>
+                <a:ahLst/>
+                <a:cxnLst/>
+                <a:rect l="l" t="t" r="r" b="b"/>
+                <a:pathLst>
+                  <a:path w="4070" h="6973" fill="none" extrusionOk="0">
+                    <a:moveTo>
+                      <a:pt x="4003" y="4704"/>
+                    </a:moveTo>
+                    <a:lnTo>
+                      <a:pt x="200" y="6906"/>
+                    </a:lnTo>
+                    <a:cubicBezTo>
+                      <a:pt x="100" y="6972"/>
+                      <a:pt x="0" y="6906"/>
+                      <a:pt x="0" y="6806"/>
+                    </a:cubicBezTo>
+                    <a:lnTo>
+                      <a:pt x="0" y="2402"/>
+                    </a:lnTo>
+                    <a:cubicBezTo>
+                      <a:pt x="0" y="2336"/>
+                      <a:pt x="33" y="2302"/>
+                      <a:pt x="67" y="2269"/>
+                    </a:cubicBezTo>
+                    <a:lnTo>
+                      <a:pt x="3870" y="67"/>
+                    </a:lnTo>
+                    <a:cubicBezTo>
+                      <a:pt x="3970" y="1"/>
+                      <a:pt x="4070" y="67"/>
+                      <a:pt x="4070" y="167"/>
+                    </a:cubicBezTo>
+                    <a:lnTo>
+                      <a:pt x="4070" y="4604"/>
+                    </a:lnTo>
+                    <a:cubicBezTo>
+                      <a:pt x="4070" y="4637"/>
+                      <a:pt x="4070" y="4671"/>
+                      <a:pt x="4003" y="4704"/>
+                    </a:cubicBezTo>
+                    <a:close/>
+                  </a:path>
+                </a:pathLst>
+              </a:custGeom>
+              <a:noFill/>
+              <a:ln w="9525" cap="flat" cmpd="sng">
+                <a:solidFill>
+                  <a:schemeClr val="dk1"/>
+                </a:solidFill>
+                <a:prstDash val="solid"/>
+                <a:round/>
+                <a:headEnd type="none" w="sm" len="sm"/>
+                <a:tailEnd type="none" w="sm" len="sm"/>
+              </a:ln>
+            </p:spPr>
+            <p:txBody>
+              <a:bodyPr spcFirstLastPara="1" wrap="square" lIns="91425" tIns="91425" rIns="91425" bIns="91425" anchor="ctr" anchorCtr="0">
+                <a:noAutofit/>
+              </a:bodyPr>
+              <a:lstStyle/>
+              <a:p>
+                <a:pPr marL="0" lvl="0" indent="0" algn="l" rtl="0">
+                  <a:spcBef>
+                    <a:spcPts val="0"/>
+                  </a:spcBef>
+                  <a:spcAft>
+                    <a:spcPts val="0"/>
+                  </a:spcAft>
+                  <a:buNone/>
+                </a:pPr>
+                <a:endParaRPr/>
+              </a:p>
+            </p:txBody>
+          </p:sp>
+          <p:sp>
+            <p:nvSpPr>
+              <p:cNvPr id="37" name="Google Shape;242;p32">
+                <a:extLst>
+                  <a:ext uri="{FF2B5EF4-FFF2-40B4-BE49-F238E27FC236}">
+                    <a16:creationId xmlns:a16="http://schemas.microsoft.com/office/drawing/2014/main" id="{51E0C527-CB38-B2DD-43E5-9342E69F6739}"/>
+                  </a:ext>
+                </a:extLst>
+              </p:cNvPr>
+              <p:cNvSpPr/>
+              <p:nvPr/>
+            </p:nvSpPr>
+            <p:spPr>
+              <a:xfrm>
+                <a:off x="6848690" y="2571708"/>
+                <a:ext cx="359131" cy="607215"/>
+              </a:xfrm>
+              <a:custGeom>
+                <a:avLst/>
+                <a:gdLst/>
+                <a:ahLst/>
+                <a:cxnLst/>
+                <a:rect l="l" t="t" r="r" b="b"/>
+                <a:pathLst>
+                  <a:path w="4104" h="6939" fill="none" extrusionOk="0">
+                    <a:moveTo>
+                      <a:pt x="4037" y="4671"/>
+                    </a:moveTo>
+                    <a:lnTo>
+                      <a:pt x="201" y="6906"/>
+                    </a:lnTo>
+                    <a:cubicBezTo>
+                      <a:pt x="101" y="6939"/>
+                      <a:pt x="1" y="6872"/>
+                      <a:pt x="1" y="6772"/>
+                    </a:cubicBezTo>
+                    <a:lnTo>
+                      <a:pt x="1" y="2369"/>
+                    </a:lnTo>
+                    <a:cubicBezTo>
+                      <a:pt x="1" y="2302"/>
+                      <a:pt x="34" y="2269"/>
+                      <a:pt x="67" y="2236"/>
+                    </a:cubicBezTo>
+                    <a:lnTo>
+                      <a:pt x="3903" y="34"/>
+                    </a:lnTo>
+                    <a:cubicBezTo>
+                      <a:pt x="3970" y="1"/>
+                      <a:pt x="4104" y="67"/>
+                      <a:pt x="4104" y="167"/>
+                    </a:cubicBezTo>
+                    <a:lnTo>
+                      <a:pt x="4104" y="4571"/>
+                    </a:lnTo>
+                    <a:cubicBezTo>
+                      <a:pt x="4104" y="4604"/>
+                      <a:pt x="4070" y="4671"/>
+                      <a:pt x="4037" y="4671"/>
+                    </a:cubicBezTo>
+                    <a:close/>
+                  </a:path>
+                </a:pathLst>
+              </a:custGeom>
+              <a:noFill/>
+              <a:ln w="9525" cap="flat" cmpd="sng">
+                <a:solidFill>
+                  <a:schemeClr val="dk1"/>
+                </a:solidFill>
+                <a:prstDash val="solid"/>
+                <a:round/>
+                <a:headEnd type="none" w="sm" len="sm"/>
+                <a:tailEnd type="none" w="sm" len="sm"/>
+              </a:ln>
+            </p:spPr>
+            <p:txBody>
+              <a:bodyPr spcFirstLastPara="1" wrap="square" lIns="91425" tIns="91425" rIns="91425" bIns="91425" anchor="ctr" anchorCtr="0">
+                <a:noAutofit/>
+              </a:bodyPr>
+              <a:lstStyle/>
+              <a:p>
+                <a:pPr marL="0" lvl="0" indent="0" algn="l" rtl="0">
+                  <a:spcBef>
+                    <a:spcPts val="0"/>
+                  </a:spcBef>
+                  <a:spcAft>
+                    <a:spcPts val="0"/>
+                  </a:spcAft>
+                  <a:buNone/>
+                </a:pPr>
+                <a:endParaRPr/>
+              </a:p>
+            </p:txBody>
+          </p:sp>
+          <p:sp>
+            <p:nvSpPr>
+              <p:cNvPr id="38" name="Google Shape;243;p32">
+                <a:extLst>
+                  <a:ext uri="{FF2B5EF4-FFF2-40B4-BE49-F238E27FC236}">
+                    <a16:creationId xmlns:a16="http://schemas.microsoft.com/office/drawing/2014/main" id="{289A9BBD-199E-AE52-8F5C-3F0A41A698B4}"/>
+                  </a:ext>
+                </a:extLst>
+              </p:cNvPr>
+              <p:cNvSpPr/>
+              <p:nvPr/>
+            </p:nvSpPr>
+            <p:spPr>
+              <a:xfrm>
+                <a:off x="7207733" y="2364490"/>
+                <a:ext cx="359131" cy="607215"/>
+              </a:xfrm>
+              <a:custGeom>
+                <a:avLst/>
+                <a:gdLst/>
+                <a:ahLst/>
+                <a:cxnLst/>
+                <a:rect l="l" t="t" r="r" b="b"/>
+                <a:pathLst>
+                  <a:path w="4104" h="6939" fill="none" extrusionOk="0">
+                    <a:moveTo>
+                      <a:pt x="4037" y="4704"/>
+                    </a:moveTo>
+                    <a:lnTo>
+                      <a:pt x="201" y="6905"/>
+                    </a:lnTo>
+                    <a:cubicBezTo>
+                      <a:pt x="101" y="6939"/>
+                      <a:pt x="1" y="6872"/>
+                      <a:pt x="1" y="6772"/>
+                    </a:cubicBezTo>
+                    <a:lnTo>
+                      <a:pt x="1" y="2369"/>
+                    </a:lnTo>
+                    <a:cubicBezTo>
+                      <a:pt x="1" y="2335"/>
+                      <a:pt x="34" y="2269"/>
+                      <a:pt x="67" y="2269"/>
+                    </a:cubicBezTo>
+                    <a:lnTo>
+                      <a:pt x="3903" y="34"/>
+                    </a:lnTo>
+                    <a:cubicBezTo>
+                      <a:pt x="3970" y="0"/>
+                      <a:pt x="4104" y="67"/>
+                      <a:pt x="4104" y="167"/>
+                    </a:cubicBezTo>
+                    <a:lnTo>
+                      <a:pt x="4104" y="4570"/>
+                    </a:lnTo>
+                    <a:cubicBezTo>
+                      <a:pt x="4104" y="4637"/>
+                      <a:pt x="4070" y="4670"/>
+                      <a:pt x="4037" y="4704"/>
+                    </a:cubicBezTo>
+                    <a:close/>
+                  </a:path>
+                </a:pathLst>
+              </a:custGeom>
+              <a:noFill/>
+              <a:ln w="9525" cap="flat" cmpd="sng">
+                <a:solidFill>
+                  <a:schemeClr val="dk1"/>
+                </a:solidFill>
+                <a:prstDash val="solid"/>
+                <a:round/>
+                <a:headEnd type="none" w="sm" len="sm"/>
+                <a:tailEnd type="none" w="sm" len="sm"/>
+              </a:ln>
+            </p:spPr>
+            <p:txBody>
+              <a:bodyPr spcFirstLastPara="1" wrap="square" lIns="91425" tIns="91425" rIns="91425" bIns="91425" anchor="ctr" anchorCtr="0">
+                <a:noAutofit/>
+              </a:bodyPr>
+              <a:lstStyle/>
+              <a:p>
+                <a:pPr marL="0" lvl="0" indent="0" algn="l" rtl="0">
+                  <a:spcBef>
+                    <a:spcPts val="0"/>
+                  </a:spcBef>
+                  <a:spcAft>
+                    <a:spcPts val="0"/>
+                  </a:spcAft>
+                  <a:buNone/>
+                </a:pPr>
+                <a:endParaRPr/>
+              </a:p>
+            </p:txBody>
+          </p:sp>
+          <p:sp>
+            <p:nvSpPr>
+              <p:cNvPr id="39" name="Google Shape;244;p32">
+                <a:extLst>
+                  <a:ext uri="{FF2B5EF4-FFF2-40B4-BE49-F238E27FC236}">
+                    <a16:creationId xmlns:a16="http://schemas.microsoft.com/office/drawing/2014/main" id="{1A5F508A-0634-CA7D-EBCD-F5CE102B102E}"/>
+                  </a:ext>
+                </a:extLst>
+              </p:cNvPr>
+              <p:cNvSpPr/>
+              <p:nvPr/>
+            </p:nvSpPr>
+            <p:spPr>
+              <a:xfrm>
+                <a:off x="6492622" y="3193449"/>
+                <a:ext cx="356156" cy="607302"/>
+              </a:xfrm>
+              <a:custGeom>
+                <a:avLst/>
+                <a:gdLst/>
+                <a:ahLst/>
+                <a:cxnLst/>
+                <a:rect l="l" t="t" r="r" b="b"/>
+                <a:pathLst>
+                  <a:path w="4070" h="6940" fill="none" extrusionOk="0">
+                    <a:moveTo>
+                      <a:pt x="4003" y="4704"/>
+                    </a:moveTo>
+                    <a:lnTo>
+                      <a:pt x="200" y="6906"/>
+                    </a:lnTo>
+                    <a:cubicBezTo>
+                      <a:pt x="100" y="6939"/>
+                      <a:pt x="0" y="6872"/>
+                      <a:pt x="0" y="6772"/>
+                    </a:cubicBezTo>
+                    <a:lnTo>
+                      <a:pt x="0" y="2369"/>
+                    </a:lnTo>
+                    <a:cubicBezTo>
+                      <a:pt x="0" y="2302"/>
+                      <a:pt x="33" y="2269"/>
+                      <a:pt x="67" y="2269"/>
+                    </a:cubicBezTo>
+                    <a:lnTo>
+                      <a:pt x="3870" y="34"/>
+                    </a:lnTo>
+                    <a:cubicBezTo>
+                      <a:pt x="3970" y="1"/>
+                      <a:pt x="4070" y="67"/>
+                      <a:pt x="4070" y="168"/>
+                    </a:cubicBezTo>
+                    <a:lnTo>
+                      <a:pt x="4070" y="4571"/>
+                    </a:lnTo>
+                    <a:cubicBezTo>
+                      <a:pt x="4070" y="4604"/>
+                      <a:pt x="4070" y="4671"/>
+                      <a:pt x="4003" y="4704"/>
+                    </a:cubicBezTo>
+                    <a:close/>
+                  </a:path>
+                </a:pathLst>
+              </a:custGeom>
+              <a:noFill/>
+              <a:ln w="9525" cap="flat" cmpd="sng">
+                <a:solidFill>
+                  <a:schemeClr val="dk1"/>
+                </a:solidFill>
+                <a:prstDash val="solid"/>
+                <a:round/>
+                <a:headEnd type="none" w="sm" len="sm"/>
+                <a:tailEnd type="none" w="sm" len="sm"/>
+              </a:ln>
+            </p:spPr>
+            <p:txBody>
+              <a:bodyPr spcFirstLastPara="1" wrap="square" lIns="91425" tIns="91425" rIns="91425" bIns="91425" anchor="ctr" anchorCtr="0">
+                <a:noAutofit/>
+              </a:bodyPr>
+              <a:lstStyle/>
+              <a:p>
+                <a:pPr marL="0" lvl="0" indent="0" algn="l" rtl="0">
+                  <a:spcBef>
+                    <a:spcPts val="0"/>
+                  </a:spcBef>
+                  <a:spcAft>
+                    <a:spcPts val="0"/>
+                  </a:spcAft>
+                  <a:buNone/>
+                </a:pPr>
+                <a:endParaRPr/>
+              </a:p>
+            </p:txBody>
+          </p:sp>
+          <p:sp>
+            <p:nvSpPr>
+              <p:cNvPr id="40" name="Google Shape;245;p32">
+                <a:extLst>
+                  <a:ext uri="{FF2B5EF4-FFF2-40B4-BE49-F238E27FC236}">
+                    <a16:creationId xmlns:a16="http://schemas.microsoft.com/office/drawing/2014/main" id="{4AE827C6-3349-F14C-8F57-74A722DAEC76}"/>
+                  </a:ext>
+                </a:extLst>
+              </p:cNvPr>
+              <p:cNvSpPr/>
+              <p:nvPr/>
+            </p:nvSpPr>
+            <p:spPr>
+              <a:xfrm>
+                <a:off x="6848690" y="2986231"/>
+                <a:ext cx="359131" cy="607215"/>
+              </a:xfrm>
+              <a:custGeom>
+                <a:avLst/>
+                <a:gdLst/>
+                <a:ahLst/>
+                <a:cxnLst/>
+                <a:rect l="l" t="t" r="r" b="b"/>
+                <a:pathLst>
+                  <a:path w="4104" h="6939" fill="none" extrusionOk="0">
+                    <a:moveTo>
+                      <a:pt x="4037" y="4704"/>
+                    </a:moveTo>
+                    <a:lnTo>
+                      <a:pt x="201" y="6905"/>
+                    </a:lnTo>
+                    <a:cubicBezTo>
+                      <a:pt x="101" y="6939"/>
+                      <a:pt x="1" y="6872"/>
+                      <a:pt x="1" y="6772"/>
+                    </a:cubicBezTo>
+                    <a:lnTo>
+                      <a:pt x="1" y="2369"/>
+                    </a:lnTo>
+                    <a:cubicBezTo>
+                      <a:pt x="1" y="2335"/>
+                      <a:pt x="34" y="2269"/>
+                      <a:pt x="67" y="2269"/>
+                    </a:cubicBezTo>
+                    <a:lnTo>
+                      <a:pt x="3903" y="67"/>
+                    </a:lnTo>
+                    <a:cubicBezTo>
+                      <a:pt x="3970" y="0"/>
+                      <a:pt x="4104" y="67"/>
+                      <a:pt x="4104" y="167"/>
+                    </a:cubicBezTo>
+                    <a:lnTo>
+                      <a:pt x="4104" y="4570"/>
+                    </a:lnTo>
+                    <a:cubicBezTo>
+                      <a:pt x="4104" y="4637"/>
+                      <a:pt x="4070" y="4670"/>
+                      <a:pt x="4037" y="4704"/>
+                    </a:cubicBezTo>
+                    <a:close/>
+                  </a:path>
+                </a:pathLst>
+              </a:custGeom>
+              <a:noFill/>
+              <a:ln w="9525" cap="flat" cmpd="sng">
+                <a:solidFill>
+                  <a:schemeClr val="dk1"/>
+                </a:solidFill>
+                <a:prstDash val="solid"/>
+                <a:round/>
+                <a:headEnd type="none" w="sm" len="sm"/>
+                <a:tailEnd type="none" w="sm" len="sm"/>
+              </a:ln>
+            </p:spPr>
+            <p:txBody>
+              <a:bodyPr spcFirstLastPara="1" wrap="square" lIns="91425" tIns="91425" rIns="91425" bIns="91425" anchor="ctr" anchorCtr="0">
+                <a:noAutofit/>
+              </a:bodyPr>
+              <a:lstStyle/>
+              <a:p>
+                <a:pPr marL="0" lvl="0" indent="0" algn="l" rtl="0">
+                  <a:spcBef>
+                    <a:spcPts val="0"/>
+                  </a:spcBef>
+                  <a:spcAft>
+                    <a:spcPts val="0"/>
+                  </a:spcAft>
+                  <a:buNone/>
+                </a:pPr>
+                <a:endParaRPr/>
+              </a:p>
+            </p:txBody>
+          </p:sp>
+          <p:sp>
+            <p:nvSpPr>
+              <p:cNvPr id="41" name="Google Shape;246;p32">
+                <a:extLst>
+                  <a:ext uri="{FF2B5EF4-FFF2-40B4-BE49-F238E27FC236}">
+                    <a16:creationId xmlns:a16="http://schemas.microsoft.com/office/drawing/2014/main" id="{FBB685E7-262E-6625-21B6-384C1051E49E}"/>
+                  </a:ext>
+                </a:extLst>
+              </p:cNvPr>
+              <p:cNvSpPr/>
+              <p:nvPr/>
+            </p:nvSpPr>
+            <p:spPr>
+              <a:xfrm>
+                <a:off x="7207733" y="2779013"/>
+                <a:ext cx="359131" cy="610102"/>
+              </a:xfrm>
+              <a:custGeom>
+                <a:avLst/>
+                <a:gdLst/>
+                <a:ahLst/>
+                <a:cxnLst/>
+                <a:rect l="l" t="t" r="r" b="b"/>
+                <a:pathLst>
+                  <a:path w="4104" h="6972" fill="none" extrusionOk="0">
+                    <a:moveTo>
+                      <a:pt x="4037" y="4703"/>
+                    </a:moveTo>
+                    <a:lnTo>
+                      <a:pt x="201" y="6905"/>
+                    </a:lnTo>
+                    <a:cubicBezTo>
+                      <a:pt x="101" y="6972"/>
+                      <a:pt x="1" y="6905"/>
+                      <a:pt x="1" y="6805"/>
+                    </a:cubicBezTo>
+                    <a:lnTo>
+                      <a:pt x="1" y="2368"/>
+                    </a:lnTo>
+                    <a:cubicBezTo>
+                      <a:pt x="1" y="2335"/>
+                      <a:pt x="34" y="2302"/>
+                      <a:pt x="67" y="2268"/>
+                    </a:cubicBezTo>
+                    <a:lnTo>
+                      <a:pt x="3903" y="67"/>
+                    </a:lnTo>
+                    <a:cubicBezTo>
+                      <a:pt x="3970" y="0"/>
+                      <a:pt x="4104" y="67"/>
+                      <a:pt x="4104" y="167"/>
+                    </a:cubicBezTo>
+                    <a:lnTo>
+                      <a:pt x="4104" y="4603"/>
+                    </a:lnTo>
+                    <a:cubicBezTo>
+                      <a:pt x="4104" y="4637"/>
+                      <a:pt x="4070" y="4670"/>
+                      <a:pt x="4037" y="4703"/>
+                    </a:cubicBezTo>
+                    <a:close/>
+                  </a:path>
+                </a:pathLst>
+              </a:custGeom>
+              <a:solidFill>
+                <a:schemeClr val="accent5"/>
+              </a:solidFill>
+              <a:ln w="9525" cap="flat" cmpd="sng">
+                <a:solidFill>
+                  <a:schemeClr val="dk1"/>
+                </a:solidFill>
+                <a:prstDash val="solid"/>
+                <a:round/>
+                <a:headEnd type="none" w="sm" len="sm"/>
+                <a:tailEnd type="none" w="sm" len="sm"/>
+              </a:ln>
+            </p:spPr>
+            <p:txBody>
+              <a:bodyPr spcFirstLastPara="1" wrap="square" lIns="91425" tIns="91425" rIns="91425" bIns="91425" anchor="ctr" anchorCtr="0">
+                <a:noAutofit/>
+              </a:bodyPr>
+              <a:lstStyle/>
+              <a:p>
+                <a:pPr marL="0" lvl="0" indent="0" algn="l" rtl="0">
+                  <a:spcBef>
+                    <a:spcPts val="0"/>
+                  </a:spcBef>
+                  <a:spcAft>
+                    <a:spcPts val="0"/>
+                  </a:spcAft>
+                  <a:buNone/>
+                </a:pPr>
+                <a:endParaRPr/>
+              </a:p>
+            </p:txBody>
+          </p:sp>
+          <p:sp>
+            <p:nvSpPr>
+              <p:cNvPr id="42" name="Google Shape;247;p32">
+                <a:extLst>
+                  <a:ext uri="{FF2B5EF4-FFF2-40B4-BE49-F238E27FC236}">
+                    <a16:creationId xmlns:a16="http://schemas.microsoft.com/office/drawing/2014/main" id="{DA5CFFFB-1AB2-5721-D912-992F42203869}"/>
+                  </a:ext>
+                </a:extLst>
+              </p:cNvPr>
+              <p:cNvSpPr/>
+              <p:nvPr/>
+            </p:nvSpPr>
+            <p:spPr>
+              <a:xfrm>
+                <a:off x="6145217" y="1320176"/>
+                <a:ext cx="700673" cy="410935"/>
+              </a:xfrm>
+              <a:custGeom>
+                <a:avLst/>
+                <a:gdLst/>
+                <a:ahLst/>
+                <a:cxnLst/>
+                <a:rect l="l" t="t" r="r" b="b"/>
+                <a:pathLst>
+                  <a:path w="8007" h="4696" extrusionOk="0">
+                    <a:moveTo>
+                      <a:pt x="3987" y="1"/>
+                    </a:moveTo>
+                    <a:cubicBezTo>
+                      <a:pt x="3970" y="1"/>
+                      <a:pt x="3953" y="9"/>
+                      <a:pt x="3937" y="26"/>
+                    </a:cubicBezTo>
+                    <a:lnTo>
+                      <a:pt x="67" y="2261"/>
+                    </a:lnTo>
+                    <a:cubicBezTo>
+                      <a:pt x="1" y="2294"/>
+                      <a:pt x="1" y="2394"/>
+                      <a:pt x="67" y="2428"/>
+                    </a:cubicBezTo>
+                    <a:lnTo>
+                      <a:pt x="3937" y="4696"/>
+                    </a:lnTo>
+                    <a:lnTo>
+                      <a:pt x="4037" y="4696"/>
+                    </a:lnTo>
+                    <a:lnTo>
+                      <a:pt x="7940" y="2428"/>
+                    </a:lnTo>
+                    <a:cubicBezTo>
+                      <a:pt x="8006" y="2394"/>
+                      <a:pt x="8006" y="2294"/>
+                      <a:pt x="7940" y="2261"/>
+                    </a:cubicBezTo>
+                    <a:lnTo>
+                      <a:pt x="4037" y="26"/>
+                    </a:lnTo>
+                    <a:cubicBezTo>
+                      <a:pt x="4020" y="9"/>
+                      <a:pt x="4003" y="1"/>
+                      <a:pt x="3987" y="1"/>
+                    </a:cubicBezTo>
+                    <a:close/>
+                  </a:path>
+                </a:pathLst>
+              </a:custGeom>
+              <a:solidFill>
+                <a:schemeClr val="lt2"/>
+              </a:solidFill>
+              <a:ln w="9525" cap="flat" cmpd="sng">
+                <a:solidFill>
+                  <a:schemeClr val="dk1"/>
+                </a:solidFill>
+                <a:prstDash val="solid"/>
+                <a:round/>
+                <a:headEnd type="none" w="sm" len="sm"/>
+                <a:tailEnd type="none" w="sm" len="sm"/>
+              </a:ln>
+            </p:spPr>
+            <p:txBody>
+              <a:bodyPr spcFirstLastPara="1" wrap="square" lIns="91425" tIns="91425" rIns="91425" bIns="91425" anchor="ctr" anchorCtr="0">
+                <a:noAutofit/>
+              </a:bodyPr>
+              <a:lstStyle/>
+              <a:p>
+                <a:pPr marL="0" lvl="0" indent="0" algn="l" rtl="0">
+                  <a:spcBef>
+                    <a:spcPts val="0"/>
+                  </a:spcBef>
+                  <a:spcAft>
+                    <a:spcPts val="0"/>
+                  </a:spcAft>
+                  <a:buNone/>
+                </a:pPr>
+                <a:endParaRPr/>
+              </a:p>
+            </p:txBody>
+          </p:sp>
+          <p:sp>
+            <p:nvSpPr>
+              <p:cNvPr id="43" name="Google Shape;248;p32">
+                <a:extLst>
+                  <a:ext uri="{FF2B5EF4-FFF2-40B4-BE49-F238E27FC236}">
+                    <a16:creationId xmlns:a16="http://schemas.microsoft.com/office/drawing/2014/main" id="{7F988C1D-F9E1-5C18-0313-9D214E67E25B}"/>
+                  </a:ext>
+                </a:extLst>
+              </p:cNvPr>
+              <p:cNvSpPr/>
+              <p:nvPr/>
+            </p:nvSpPr>
+            <p:spPr>
+              <a:xfrm>
+                <a:off x="6501373" y="1527481"/>
+                <a:ext cx="700585" cy="410148"/>
+              </a:xfrm>
+              <a:custGeom>
+                <a:avLst/>
+                <a:gdLst/>
+                <a:ahLst/>
+                <a:cxnLst/>
+                <a:rect l="l" t="t" r="r" b="b"/>
+                <a:pathLst>
+                  <a:path w="8006" h="4687" extrusionOk="0">
+                    <a:moveTo>
+                      <a:pt x="4020" y="0"/>
+                    </a:moveTo>
+                    <a:cubicBezTo>
+                      <a:pt x="4003" y="0"/>
+                      <a:pt x="3986" y="8"/>
+                      <a:pt x="3970" y="25"/>
+                    </a:cubicBezTo>
+                    <a:lnTo>
+                      <a:pt x="67" y="2260"/>
+                    </a:lnTo>
+                    <a:cubicBezTo>
+                      <a:pt x="0" y="2293"/>
+                      <a:pt x="0" y="2394"/>
+                      <a:pt x="67" y="2427"/>
+                    </a:cubicBezTo>
+                    <a:lnTo>
+                      <a:pt x="3970" y="4662"/>
+                    </a:lnTo>
+                    <a:cubicBezTo>
+                      <a:pt x="3986" y="4678"/>
+                      <a:pt x="4003" y="4687"/>
+                      <a:pt x="4020" y="4687"/>
+                    </a:cubicBezTo>
+                    <a:cubicBezTo>
+                      <a:pt x="4036" y="4687"/>
+                      <a:pt x="4053" y="4678"/>
+                      <a:pt x="4070" y="4662"/>
+                    </a:cubicBezTo>
+                    <a:lnTo>
+                      <a:pt x="7939" y="2427"/>
+                    </a:lnTo>
+                    <a:cubicBezTo>
+                      <a:pt x="8006" y="2394"/>
+                      <a:pt x="8006" y="2293"/>
+                      <a:pt x="7939" y="2260"/>
+                    </a:cubicBezTo>
+                    <a:lnTo>
+                      <a:pt x="4070" y="25"/>
+                    </a:lnTo>
+                    <a:cubicBezTo>
+                      <a:pt x="4053" y="8"/>
+                      <a:pt x="4036" y="0"/>
+                      <a:pt x="4020" y="0"/>
+                    </a:cubicBezTo>
+                    <a:close/>
+                  </a:path>
+                </a:pathLst>
+              </a:custGeom>
+              <a:solidFill>
+                <a:schemeClr val="accent5"/>
+              </a:solidFill>
+              <a:ln w="9525" cap="flat" cmpd="sng">
+                <a:solidFill>
+                  <a:schemeClr val="dk1"/>
+                </a:solidFill>
+                <a:prstDash val="solid"/>
+                <a:round/>
+                <a:headEnd type="none" w="sm" len="sm"/>
+                <a:tailEnd type="none" w="sm" len="sm"/>
+              </a:ln>
+            </p:spPr>
+            <p:txBody>
+              <a:bodyPr spcFirstLastPara="1" wrap="square" lIns="91425" tIns="91425" rIns="91425" bIns="91425" anchor="ctr" anchorCtr="0">
+                <a:noAutofit/>
+              </a:bodyPr>
+              <a:lstStyle/>
+              <a:p>
+                <a:pPr marL="0" lvl="0" indent="0" algn="l" rtl="0">
+                  <a:spcBef>
+                    <a:spcPts val="0"/>
+                  </a:spcBef>
+                  <a:spcAft>
+                    <a:spcPts val="0"/>
+                  </a:spcAft>
+                  <a:buNone/>
+                </a:pPr>
+                <a:endParaRPr/>
+              </a:p>
+            </p:txBody>
+          </p:sp>
+          <p:sp>
+            <p:nvSpPr>
+              <p:cNvPr id="44" name="Google Shape;249;p32">
+                <a:extLst>
+                  <a:ext uri="{FF2B5EF4-FFF2-40B4-BE49-F238E27FC236}">
+                    <a16:creationId xmlns:a16="http://schemas.microsoft.com/office/drawing/2014/main" id="{7418ECB0-C029-2EE0-E6EF-C78D2F189743}"/>
+                  </a:ext>
+                </a:extLst>
+              </p:cNvPr>
+              <p:cNvSpPr/>
+              <p:nvPr/>
+            </p:nvSpPr>
+            <p:spPr>
+              <a:xfrm>
+                <a:off x="6860416" y="1733999"/>
+                <a:ext cx="700585" cy="410935"/>
+              </a:xfrm>
+              <a:custGeom>
+                <a:avLst/>
+                <a:gdLst/>
+                <a:ahLst/>
+                <a:cxnLst/>
+                <a:rect l="l" t="t" r="r" b="b"/>
+                <a:pathLst>
+                  <a:path w="8006" h="4696" extrusionOk="0">
+                    <a:moveTo>
+                      <a:pt x="3936" y="0"/>
+                    </a:moveTo>
+                    <a:lnTo>
+                      <a:pt x="67" y="2268"/>
+                    </a:lnTo>
+                    <a:cubicBezTo>
+                      <a:pt x="0" y="2302"/>
+                      <a:pt x="0" y="2402"/>
+                      <a:pt x="67" y="2435"/>
+                    </a:cubicBezTo>
+                    <a:lnTo>
+                      <a:pt x="3936" y="4670"/>
+                    </a:lnTo>
+                    <a:cubicBezTo>
+                      <a:pt x="3953" y="4687"/>
+                      <a:pt x="3970" y="4695"/>
+                      <a:pt x="3986" y="4695"/>
+                    </a:cubicBezTo>
+                    <a:cubicBezTo>
+                      <a:pt x="4003" y="4695"/>
+                      <a:pt x="4020" y="4687"/>
+                      <a:pt x="4036" y="4670"/>
+                    </a:cubicBezTo>
+                    <a:lnTo>
+                      <a:pt x="7939" y="2435"/>
+                    </a:lnTo>
+                    <a:cubicBezTo>
+                      <a:pt x="8006" y="2402"/>
+                      <a:pt x="8006" y="2302"/>
+                      <a:pt x="7939" y="2268"/>
+                    </a:cubicBezTo>
+                    <a:lnTo>
+                      <a:pt x="4036" y="0"/>
+                    </a:lnTo>
+                    <a:close/>
+                  </a:path>
+                </a:pathLst>
+              </a:custGeom>
+              <a:solidFill>
+                <a:schemeClr val="accent1"/>
+              </a:solidFill>
+              <a:ln w="9525" cap="flat" cmpd="sng">
+                <a:solidFill>
+                  <a:schemeClr val="dk1"/>
+                </a:solidFill>
+                <a:prstDash val="solid"/>
+                <a:round/>
+                <a:headEnd type="none" w="sm" len="sm"/>
+                <a:tailEnd type="none" w="sm" len="sm"/>
+              </a:ln>
+            </p:spPr>
+            <p:txBody>
+              <a:bodyPr spcFirstLastPara="1" wrap="square" lIns="91425" tIns="91425" rIns="91425" bIns="91425" anchor="ctr" anchorCtr="0">
+                <a:noAutofit/>
+              </a:bodyPr>
+              <a:lstStyle/>
+              <a:p>
+                <a:pPr marL="0" lvl="0" indent="0" algn="l" rtl="0">
+                  <a:spcBef>
+                    <a:spcPts val="0"/>
+                  </a:spcBef>
+                  <a:spcAft>
+                    <a:spcPts val="0"/>
+                  </a:spcAft>
+                  <a:buNone/>
+                </a:pPr>
+                <a:endParaRPr/>
+              </a:p>
+            </p:txBody>
+          </p:sp>
+          <p:sp>
+            <p:nvSpPr>
+              <p:cNvPr id="45" name="Google Shape;250;p32">
+                <a:extLst>
+                  <a:ext uri="{FF2B5EF4-FFF2-40B4-BE49-F238E27FC236}">
+                    <a16:creationId xmlns:a16="http://schemas.microsoft.com/office/drawing/2014/main" id="{4691B502-4E35-61DB-1103-8613FB0DC3C7}"/>
+                  </a:ext>
+                </a:extLst>
+              </p:cNvPr>
+              <p:cNvSpPr/>
+              <p:nvPr/>
+            </p:nvSpPr>
+            <p:spPr>
+              <a:xfrm>
+                <a:off x="5783286" y="1529669"/>
+                <a:ext cx="700673" cy="408748"/>
+              </a:xfrm>
+              <a:custGeom>
+                <a:avLst/>
+                <a:gdLst/>
+                <a:ahLst/>
+                <a:cxnLst/>
+                <a:rect l="l" t="t" r="r" b="b"/>
+                <a:pathLst>
+                  <a:path w="8007" h="4671" extrusionOk="0">
+                    <a:moveTo>
+                      <a:pt x="3970" y="0"/>
+                    </a:moveTo>
+                    <a:lnTo>
+                      <a:pt x="100" y="2235"/>
+                    </a:lnTo>
+                    <a:cubicBezTo>
+                      <a:pt x="0" y="2268"/>
+                      <a:pt x="0" y="2369"/>
+                      <a:pt x="100" y="2435"/>
+                    </a:cubicBezTo>
+                    <a:lnTo>
+                      <a:pt x="3970" y="4670"/>
+                    </a:lnTo>
+                    <a:lnTo>
+                      <a:pt x="4070" y="4670"/>
+                    </a:lnTo>
+                    <a:lnTo>
+                      <a:pt x="7939" y="2435"/>
+                    </a:lnTo>
+                    <a:cubicBezTo>
+                      <a:pt x="8006" y="2369"/>
+                      <a:pt x="8006" y="2268"/>
+                      <a:pt x="7939" y="2235"/>
+                    </a:cubicBezTo>
+                    <a:lnTo>
+                      <a:pt x="4070" y="0"/>
+                    </a:lnTo>
+                    <a:close/>
+                  </a:path>
+                </a:pathLst>
+              </a:custGeom>
+              <a:solidFill>
+                <a:schemeClr val="accent2"/>
+              </a:solidFill>
+              <a:ln w="9525" cap="flat" cmpd="sng">
+                <a:solidFill>
+                  <a:schemeClr val="dk1"/>
+                </a:solidFill>
+                <a:prstDash val="solid"/>
+                <a:round/>
+                <a:headEnd type="none" w="sm" len="sm"/>
+                <a:tailEnd type="none" w="sm" len="sm"/>
+              </a:ln>
+            </p:spPr>
+            <p:txBody>
+              <a:bodyPr spcFirstLastPara="1" wrap="square" lIns="91425" tIns="91425" rIns="91425" bIns="91425" anchor="ctr" anchorCtr="0">
+                <a:noAutofit/>
+              </a:bodyPr>
+              <a:lstStyle/>
+              <a:p>
+                <a:pPr marL="0" lvl="0" indent="0" algn="l" rtl="0">
+                  <a:spcBef>
+                    <a:spcPts val="0"/>
+                  </a:spcBef>
+                  <a:spcAft>
+                    <a:spcPts val="0"/>
+                  </a:spcAft>
+                  <a:buNone/>
+                </a:pPr>
+                <a:endParaRPr/>
+              </a:p>
+            </p:txBody>
+          </p:sp>
+          <p:sp>
+            <p:nvSpPr>
+              <p:cNvPr id="46" name="Google Shape;251;p32">
+                <a:extLst>
+                  <a:ext uri="{FF2B5EF4-FFF2-40B4-BE49-F238E27FC236}">
+                    <a16:creationId xmlns:a16="http://schemas.microsoft.com/office/drawing/2014/main" id="{B7DA7D94-ABAC-8BD7-7683-A6BD885279E7}"/>
+                  </a:ext>
+                </a:extLst>
+              </p:cNvPr>
+              <p:cNvSpPr/>
+              <p:nvPr/>
+            </p:nvSpPr>
+            <p:spPr>
+              <a:xfrm>
+                <a:off x="6142329" y="1734699"/>
+                <a:ext cx="700585" cy="410935"/>
+              </a:xfrm>
+              <a:custGeom>
+                <a:avLst/>
+                <a:gdLst/>
+                <a:ahLst/>
+                <a:cxnLst/>
+                <a:rect l="l" t="t" r="r" b="b"/>
+                <a:pathLst>
+                  <a:path w="8006" h="4696" extrusionOk="0">
+                    <a:moveTo>
+                      <a:pt x="4003" y="1"/>
+                    </a:moveTo>
+                    <a:cubicBezTo>
+                      <a:pt x="3978" y="1"/>
+                      <a:pt x="3953" y="9"/>
+                      <a:pt x="3936" y="26"/>
+                    </a:cubicBezTo>
+                    <a:lnTo>
+                      <a:pt x="67" y="2260"/>
+                    </a:lnTo>
+                    <a:cubicBezTo>
+                      <a:pt x="0" y="2294"/>
+                      <a:pt x="0" y="2394"/>
+                      <a:pt x="67" y="2427"/>
+                    </a:cubicBezTo>
+                    <a:lnTo>
+                      <a:pt x="3936" y="4696"/>
+                    </a:lnTo>
+                    <a:lnTo>
+                      <a:pt x="4070" y="4696"/>
+                    </a:lnTo>
+                    <a:lnTo>
+                      <a:pt x="7939" y="2427"/>
+                    </a:lnTo>
+                    <a:cubicBezTo>
+                      <a:pt x="8006" y="2394"/>
+                      <a:pt x="8006" y="2294"/>
+                      <a:pt x="7939" y="2260"/>
+                    </a:cubicBezTo>
+                    <a:lnTo>
+                      <a:pt x="4070" y="26"/>
+                    </a:lnTo>
+                    <a:cubicBezTo>
+                      <a:pt x="4053" y="9"/>
+                      <a:pt x="4028" y="1"/>
+                      <a:pt x="4003" y="1"/>
+                    </a:cubicBezTo>
+                    <a:close/>
+                  </a:path>
+                </a:pathLst>
+              </a:custGeom>
+              <a:solidFill>
+                <a:srgbClr val="FFFFFF"/>
+              </a:solidFill>
+              <a:ln w="9525" cap="flat" cmpd="sng">
+                <a:solidFill>
+                  <a:schemeClr val="dk1"/>
+                </a:solidFill>
+                <a:prstDash val="solid"/>
+                <a:round/>
+                <a:headEnd type="none" w="sm" len="sm"/>
+                <a:tailEnd type="none" w="sm" len="sm"/>
+              </a:ln>
+            </p:spPr>
+            <p:txBody>
+              <a:bodyPr spcFirstLastPara="1" wrap="square" lIns="91425" tIns="91425" rIns="91425" bIns="91425" anchor="ctr" anchorCtr="0">
+                <a:noAutofit/>
+              </a:bodyPr>
+              <a:lstStyle/>
+              <a:p>
+                <a:pPr marL="0" lvl="0" indent="0" algn="l" rtl="0">
+                  <a:spcBef>
+                    <a:spcPts val="0"/>
+                  </a:spcBef>
+                  <a:spcAft>
+                    <a:spcPts val="0"/>
+                  </a:spcAft>
+                  <a:buNone/>
+                </a:pPr>
+                <a:endParaRPr/>
+              </a:p>
+            </p:txBody>
+          </p:sp>
+          <p:sp>
+            <p:nvSpPr>
+              <p:cNvPr id="47" name="Google Shape;252;p32">
+                <a:extLst>
+                  <a:ext uri="{FF2B5EF4-FFF2-40B4-BE49-F238E27FC236}">
+                    <a16:creationId xmlns:a16="http://schemas.microsoft.com/office/drawing/2014/main" id="{562647CD-631D-CEFE-AB41-230332B1BC6C}"/>
+                  </a:ext>
+                </a:extLst>
+              </p:cNvPr>
+              <p:cNvSpPr/>
+              <p:nvPr/>
+            </p:nvSpPr>
+            <p:spPr>
+              <a:xfrm>
+                <a:off x="6501373" y="1941916"/>
+                <a:ext cx="697697" cy="410235"/>
+              </a:xfrm>
+              <a:custGeom>
+                <a:avLst/>
+                <a:gdLst/>
+                <a:ahLst/>
+                <a:cxnLst/>
+                <a:rect l="l" t="t" r="r" b="b"/>
+                <a:pathLst>
+                  <a:path w="7973" h="4688" extrusionOk="0">
+                    <a:moveTo>
+                      <a:pt x="3986" y="1"/>
+                    </a:moveTo>
+                    <a:cubicBezTo>
+                      <a:pt x="3970" y="1"/>
+                      <a:pt x="3953" y="9"/>
+                      <a:pt x="3936" y="26"/>
+                    </a:cubicBezTo>
+                    <a:lnTo>
+                      <a:pt x="67" y="2261"/>
+                    </a:lnTo>
+                    <a:cubicBezTo>
+                      <a:pt x="0" y="2294"/>
+                      <a:pt x="0" y="2394"/>
+                      <a:pt x="67" y="2428"/>
+                    </a:cubicBezTo>
+                    <a:lnTo>
+                      <a:pt x="3936" y="4663"/>
+                    </a:lnTo>
+                    <a:cubicBezTo>
+                      <a:pt x="3953" y="4679"/>
+                      <a:pt x="3970" y="4688"/>
+                      <a:pt x="3986" y="4688"/>
+                    </a:cubicBezTo>
+                    <a:cubicBezTo>
+                      <a:pt x="4003" y="4688"/>
+                      <a:pt x="4020" y="4679"/>
+                      <a:pt x="4036" y="4663"/>
+                    </a:cubicBezTo>
+                    <a:lnTo>
+                      <a:pt x="7906" y="2428"/>
+                    </a:lnTo>
+                    <a:cubicBezTo>
+                      <a:pt x="7973" y="2394"/>
+                      <a:pt x="7973" y="2294"/>
+                      <a:pt x="7906" y="2261"/>
+                    </a:cubicBezTo>
+                    <a:lnTo>
+                      <a:pt x="4036" y="26"/>
+                    </a:lnTo>
+                    <a:cubicBezTo>
+                      <a:pt x="4020" y="9"/>
+                      <a:pt x="4003" y="1"/>
+                      <a:pt x="3986" y="1"/>
+                    </a:cubicBezTo>
+                    <a:close/>
+                  </a:path>
+                </a:pathLst>
+              </a:custGeom>
+              <a:solidFill>
+                <a:schemeClr val="accent3"/>
+              </a:solidFill>
+              <a:ln w="9525" cap="flat" cmpd="sng">
+                <a:solidFill>
+                  <a:schemeClr val="dk1"/>
+                </a:solidFill>
+                <a:prstDash val="solid"/>
+                <a:round/>
+                <a:headEnd type="none" w="sm" len="sm"/>
+                <a:tailEnd type="none" w="sm" len="sm"/>
+              </a:ln>
+            </p:spPr>
+            <p:txBody>
+              <a:bodyPr spcFirstLastPara="1" wrap="square" lIns="91425" tIns="91425" rIns="91425" bIns="91425" anchor="ctr" anchorCtr="0">
+                <a:noAutofit/>
+              </a:bodyPr>
+              <a:lstStyle/>
+              <a:p>
+                <a:pPr marL="0" lvl="0" indent="0" algn="l" rtl="0">
+                  <a:spcBef>
+                    <a:spcPts val="0"/>
+                  </a:spcBef>
+                  <a:spcAft>
+                    <a:spcPts val="0"/>
+                  </a:spcAft>
+                  <a:buNone/>
+                </a:pPr>
+                <a:endParaRPr/>
+              </a:p>
+            </p:txBody>
+          </p:sp>
+          <p:sp>
+            <p:nvSpPr>
+              <p:cNvPr id="48" name="Google Shape;253;p32">
+                <a:extLst>
+                  <a:ext uri="{FF2B5EF4-FFF2-40B4-BE49-F238E27FC236}">
+                    <a16:creationId xmlns:a16="http://schemas.microsoft.com/office/drawing/2014/main" id="{B877CB32-3742-469E-4197-02FE8A35D9B4}"/>
+                  </a:ext>
+                </a:extLst>
+              </p:cNvPr>
+              <p:cNvSpPr/>
+              <p:nvPr/>
+            </p:nvSpPr>
+            <p:spPr>
+              <a:xfrm>
+                <a:off x="5427131" y="1736886"/>
+                <a:ext cx="700673" cy="408748"/>
+              </a:xfrm>
+              <a:custGeom>
+                <a:avLst/>
+                <a:gdLst/>
+                <a:ahLst/>
+                <a:cxnLst/>
+                <a:rect l="l" t="t" r="r" b="b"/>
+                <a:pathLst>
+                  <a:path w="8007" h="4671" extrusionOk="0">
+                    <a:moveTo>
+                      <a:pt x="3937" y="1"/>
+                    </a:moveTo>
+                    <a:lnTo>
+                      <a:pt x="67" y="2235"/>
+                    </a:lnTo>
+                    <a:cubicBezTo>
+                      <a:pt x="1" y="2269"/>
+                      <a:pt x="1" y="2402"/>
+                      <a:pt x="67" y="2436"/>
+                    </a:cubicBezTo>
+                    <a:lnTo>
+                      <a:pt x="3937" y="4671"/>
+                    </a:lnTo>
+                    <a:lnTo>
+                      <a:pt x="4037" y="4671"/>
+                    </a:lnTo>
+                    <a:lnTo>
+                      <a:pt x="7940" y="2436"/>
+                    </a:lnTo>
+                    <a:cubicBezTo>
+                      <a:pt x="8006" y="2402"/>
+                      <a:pt x="8006" y="2302"/>
+                      <a:pt x="7940" y="2235"/>
+                    </a:cubicBezTo>
+                    <a:lnTo>
+                      <a:pt x="4037" y="1"/>
+                    </a:lnTo>
+                    <a:close/>
+                  </a:path>
+                </a:pathLst>
+              </a:custGeom>
+              <a:solidFill>
+                <a:schemeClr val="accent1"/>
+              </a:solidFill>
+              <a:ln w="9525" cap="flat" cmpd="sng">
+                <a:solidFill>
+                  <a:schemeClr val="dk1"/>
+                </a:solidFill>
+                <a:prstDash val="solid"/>
+                <a:round/>
+                <a:headEnd type="none" w="sm" len="sm"/>
+                <a:tailEnd type="none" w="sm" len="sm"/>
+              </a:ln>
+            </p:spPr>
+            <p:txBody>
+              <a:bodyPr spcFirstLastPara="1" wrap="square" lIns="91425" tIns="91425" rIns="91425" bIns="91425" anchor="ctr" anchorCtr="0">
+                <a:noAutofit/>
+              </a:bodyPr>
+              <a:lstStyle/>
+              <a:p>
+                <a:pPr marL="0" lvl="0" indent="0" algn="l" rtl="0">
+                  <a:spcBef>
+                    <a:spcPts val="0"/>
+                  </a:spcBef>
+                  <a:spcAft>
+                    <a:spcPts val="0"/>
+                  </a:spcAft>
+                  <a:buNone/>
+                </a:pPr>
+                <a:endParaRPr/>
+              </a:p>
+            </p:txBody>
+          </p:sp>
+          <p:sp>
+            <p:nvSpPr>
+              <p:cNvPr id="49" name="Google Shape;254;p32">
+                <a:extLst>
+                  <a:ext uri="{FF2B5EF4-FFF2-40B4-BE49-F238E27FC236}">
+                    <a16:creationId xmlns:a16="http://schemas.microsoft.com/office/drawing/2014/main" id="{5FA46344-621E-4488-7FB7-EBB168E65278}"/>
+                  </a:ext>
+                </a:extLst>
+              </p:cNvPr>
+              <p:cNvSpPr/>
+              <p:nvPr/>
+            </p:nvSpPr>
+            <p:spPr>
+              <a:xfrm>
+                <a:off x="5783286" y="1941916"/>
+                <a:ext cx="700673" cy="410935"/>
+              </a:xfrm>
+              <a:custGeom>
+                <a:avLst/>
+                <a:gdLst/>
+                <a:ahLst/>
+                <a:cxnLst/>
+                <a:rect l="l" t="t" r="r" b="b"/>
+                <a:pathLst>
+                  <a:path w="8007" h="4696" extrusionOk="0">
+                    <a:moveTo>
+                      <a:pt x="3987" y="1"/>
+                    </a:moveTo>
+                    <a:cubicBezTo>
+                      <a:pt x="3970" y="1"/>
+                      <a:pt x="3953" y="9"/>
+                      <a:pt x="3936" y="26"/>
+                    </a:cubicBezTo>
+                    <a:lnTo>
+                      <a:pt x="67" y="2261"/>
+                    </a:lnTo>
+                    <a:cubicBezTo>
+                      <a:pt x="0" y="2294"/>
+                      <a:pt x="0" y="2394"/>
+                      <a:pt x="67" y="2461"/>
+                    </a:cubicBezTo>
+                    <a:lnTo>
+                      <a:pt x="3936" y="4696"/>
+                    </a:lnTo>
+                    <a:lnTo>
+                      <a:pt x="4037" y="4696"/>
+                    </a:lnTo>
+                    <a:lnTo>
+                      <a:pt x="7939" y="2461"/>
+                    </a:lnTo>
+                    <a:cubicBezTo>
+                      <a:pt x="8006" y="2394"/>
+                      <a:pt x="8006" y="2294"/>
+                      <a:pt x="7939" y="2261"/>
+                    </a:cubicBezTo>
+                    <a:lnTo>
+                      <a:pt x="4037" y="26"/>
+                    </a:lnTo>
+                    <a:cubicBezTo>
+                      <a:pt x="4020" y="9"/>
+                      <a:pt x="4003" y="1"/>
+                      <a:pt x="3987" y="1"/>
+                    </a:cubicBezTo>
+                    <a:close/>
+                  </a:path>
+                </a:pathLst>
+              </a:custGeom>
+              <a:solidFill>
+                <a:schemeClr val="accent5"/>
+              </a:solidFill>
+              <a:ln w="9525" cap="flat" cmpd="sng">
+                <a:solidFill>
+                  <a:schemeClr val="dk1"/>
+                </a:solidFill>
+                <a:prstDash val="solid"/>
+                <a:round/>
+                <a:headEnd type="none" w="sm" len="sm"/>
+                <a:tailEnd type="none" w="sm" len="sm"/>
+              </a:ln>
+            </p:spPr>
+            <p:txBody>
+              <a:bodyPr spcFirstLastPara="1" wrap="square" lIns="91425" tIns="91425" rIns="91425" bIns="91425" anchor="ctr" anchorCtr="0">
+                <a:noAutofit/>
+              </a:bodyPr>
+              <a:lstStyle/>
+              <a:p>
+                <a:pPr marL="0" lvl="0" indent="0" algn="l" rtl="0">
+                  <a:spcBef>
+                    <a:spcPts val="0"/>
+                  </a:spcBef>
+                  <a:spcAft>
+                    <a:spcPts val="0"/>
+                  </a:spcAft>
+                  <a:buNone/>
+                </a:pPr>
+                <a:endParaRPr/>
+              </a:p>
+            </p:txBody>
+          </p:sp>
+          <p:sp>
+            <p:nvSpPr>
+              <p:cNvPr id="50" name="Google Shape;255;p32">
+                <a:extLst>
+                  <a:ext uri="{FF2B5EF4-FFF2-40B4-BE49-F238E27FC236}">
+                    <a16:creationId xmlns:a16="http://schemas.microsoft.com/office/drawing/2014/main" id="{3B807026-43B2-B149-9318-F1BF49952FBD}"/>
+                  </a:ext>
+                </a:extLst>
+              </p:cNvPr>
+              <p:cNvSpPr/>
+              <p:nvPr/>
+            </p:nvSpPr>
+            <p:spPr>
+              <a:xfrm>
+                <a:off x="6139354" y="2149222"/>
+                <a:ext cx="700673" cy="410935"/>
+              </a:xfrm>
+              <a:custGeom>
+                <a:avLst/>
+                <a:gdLst/>
+                <a:ahLst/>
+                <a:cxnLst/>
+                <a:rect l="l" t="t" r="r" b="b"/>
+                <a:pathLst>
+                  <a:path w="8007" h="4696" extrusionOk="0">
+                    <a:moveTo>
+                      <a:pt x="4020" y="0"/>
+                    </a:moveTo>
+                    <a:cubicBezTo>
+                      <a:pt x="4004" y="0"/>
+                      <a:pt x="3987" y="9"/>
+                      <a:pt x="3970" y="25"/>
+                    </a:cubicBezTo>
+                    <a:lnTo>
+                      <a:pt x="68" y="2260"/>
+                    </a:lnTo>
+                    <a:cubicBezTo>
+                      <a:pt x="1" y="2294"/>
+                      <a:pt x="1" y="2394"/>
+                      <a:pt x="68" y="2427"/>
+                    </a:cubicBezTo>
+                    <a:lnTo>
+                      <a:pt x="3970" y="4695"/>
+                    </a:lnTo>
+                    <a:lnTo>
+                      <a:pt x="4070" y="4695"/>
+                    </a:lnTo>
+                    <a:lnTo>
+                      <a:pt x="7940" y="2427"/>
+                    </a:lnTo>
+                    <a:cubicBezTo>
+                      <a:pt x="8007" y="2394"/>
+                      <a:pt x="8007" y="2294"/>
+                      <a:pt x="7940" y="2260"/>
+                    </a:cubicBezTo>
+                    <a:lnTo>
+                      <a:pt x="4070" y="25"/>
+                    </a:lnTo>
+                    <a:cubicBezTo>
+                      <a:pt x="4054" y="9"/>
+                      <a:pt x="4037" y="0"/>
+                      <a:pt x="4020" y="0"/>
+                    </a:cubicBezTo>
+                    <a:close/>
+                  </a:path>
+                </a:pathLst>
+              </a:custGeom>
+              <a:solidFill>
+                <a:schemeClr val="accent5"/>
+              </a:solidFill>
+              <a:ln w="9525" cap="flat" cmpd="sng">
+                <a:solidFill>
+                  <a:schemeClr val="dk1"/>
+                </a:solidFill>
+                <a:prstDash val="solid"/>
+                <a:round/>
+                <a:headEnd type="none" w="sm" len="sm"/>
+                <a:tailEnd type="none" w="sm" len="sm"/>
+              </a:ln>
+            </p:spPr>
+            <p:txBody>
+              <a:bodyPr spcFirstLastPara="1" wrap="square" lIns="91425" tIns="91425" rIns="91425" bIns="91425" anchor="ctr" anchorCtr="0">
+                <a:noAutofit/>
+              </a:bodyPr>
+              <a:lstStyle/>
+              <a:p>
+                <a:pPr marL="0" lvl="0" indent="0" algn="l" rtl="0">
+                  <a:spcBef>
+                    <a:spcPts val="0"/>
+                  </a:spcBef>
+                  <a:spcAft>
+                    <a:spcPts val="0"/>
+                  </a:spcAft>
+                  <a:buNone/>
+                </a:pPr>
+                <a:endParaRPr/>
+              </a:p>
+            </p:txBody>
+          </p:sp>
+          <p:sp>
+            <p:nvSpPr>
+              <p:cNvPr id="51" name="Google Shape;256;p32">
+                <a:extLst>
+                  <a:ext uri="{FF2B5EF4-FFF2-40B4-BE49-F238E27FC236}">
+                    <a16:creationId xmlns:a16="http://schemas.microsoft.com/office/drawing/2014/main" id="{5DFACC3B-1101-A8F6-AE57-0DD383DAE0AE}"/>
+                  </a:ext>
+                </a:extLst>
+              </p:cNvPr>
+              <p:cNvSpPr/>
+              <p:nvPr/>
+            </p:nvSpPr>
+            <p:spPr>
+              <a:xfrm>
+                <a:off x="6145217" y="1319476"/>
+                <a:ext cx="700673" cy="411635"/>
+              </a:xfrm>
+              <a:custGeom>
+                <a:avLst/>
+                <a:gdLst/>
+                <a:ahLst/>
+                <a:cxnLst/>
+                <a:rect l="l" t="t" r="r" b="b"/>
+                <a:pathLst>
+                  <a:path w="8007" h="4704" fill="none" extrusionOk="0">
+                    <a:moveTo>
+                      <a:pt x="3937" y="4704"/>
+                    </a:moveTo>
+                    <a:lnTo>
+                      <a:pt x="67" y="2436"/>
+                    </a:lnTo>
+                    <a:cubicBezTo>
+                      <a:pt x="1" y="2402"/>
+                      <a:pt x="1" y="2302"/>
+                      <a:pt x="67" y="2269"/>
+                    </a:cubicBezTo>
+                    <a:lnTo>
+                      <a:pt x="3937" y="34"/>
+                    </a:lnTo>
+                    <a:cubicBezTo>
+                      <a:pt x="3970" y="0"/>
+                      <a:pt x="4003" y="0"/>
+                      <a:pt x="4037" y="34"/>
+                    </a:cubicBezTo>
+                    <a:lnTo>
+                      <a:pt x="7940" y="2269"/>
+                    </a:lnTo>
+                    <a:cubicBezTo>
+                      <a:pt x="8006" y="2302"/>
+                      <a:pt x="8006" y="2402"/>
+                      <a:pt x="7940" y="2436"/>
+                    </a:cubicBezTo>
+                    <a:lnTo>
+                      <a:pt x="4037" y="4704"/>
+                    </a:lnTo>
+                    <a:cubicBezTo>
+                      <a:pt x="4003" y="4704"/>
+                      <a:pt x="3970" y="4704"/>
+                      <a:pt x="3937" y="4704"/>
+                    </a:cubicBezTo>
+                    <a:close/>
+                  </a:path>
+                </a:pathLst>
+              </a:custGeom>
+              <a:noFill/>
+              <a:ln w="9525" cap="flat" cmpd="sng">
+                <a:solidFill>
+                  <a:schemeClr val="dk1"/>
+                </a:solidFill>
+                <a:prstDash val="solid"/>
+                <a:round/>
+                <a:headEnd type="none" w="sm" len="sm"/>
+                <a:tailEnd type="none" w="sm" len="sm"/>
+              </a:ln>
+            </p:spPr>
+            <p:txBody>
+              <a:bodyPr spcFirstLastPara="1" wrap="square" lIns="91425" tIns="91425" rIns="91425" bIns="91425" anchor="ctr" anchorCtr="0">
+                <a:noAutofit/>
+              </a:bodyPr>
+              <a:lstStyle/>
+              <a:p>
+                <a:pPr marL="0" lvl="0" indent="0" algn="l" rtl="0">
+                  <a:spcBef>
+                    <a:spcPts val="0"/>
+                  </a:spcBef>
+                  <a:spcAft>
+                    <a:spcPts val="0"/>
+                  </a:spcAft>
+                  <a:buNone/>
+                </a:pPr>
+                <a:endParaRPr/>
+              </a:p>
+            </p:txBody>
+          </p:sp>
+          <p:sp>
+            <p:nvSpPr>
+              <p:cNvPr id="52" name="Google Shape;257;p32">
+                <a:extLst>
+                  <a:ext uri="{FF2B5EF4-FFF2-40B4-BE49-F238E27FC236}">
+                    <a16:creationId xmlns:a16="http://schemas.microsoft.com/office/drawing/2014/main" id="{DC62AC80-AAA4-C976-762A-6F75AB33D258}"/>
+                  </a:ext>
+                </a:extLst>
+              </p:cNvPr>
+              <p:cNvSpPr/>
+              <p:nvPr/>
+            </p:nvSpPr>
+            <p:spPr>
+              <a:xfrm>
+                <a:off x="6501373" y="1526693"/>
+                <a:ext cx="700585" cy="411723"/>
+              </a:xfrm>
+              <a:custGeom>
+                <a:avLst/>
+                <a:gdLst/>
+                <a:ahLst/>
+                <a:cxnLst/>
+                <a:rect l="l" t="t" r="r" b="b"/>
+                <a:pathLst>
+                  <a:path w="8006" h="4705" fill="none" extrusionOk="0">
+                    <a:moveTo>
+                      <a:pt x="3970" y="4671"/>
+                    </a:moveTo>
+                    <a:lnTo>
+                      <a:pt x="67" y="2436"/>
+                    </a:lnTo>
+                    <a:cubicBezTo>
+                      <a:pt x="0" y="2403"/>
+                      <a:pt x="0" y="2302"/>
+                      <a:pt x="67" y="2269"/>
+                    </a:cubicBezTo>
+                    <a:lnTo>
+                      <a:pt x="3970" y="34"/>
+                    </a:lnTo>
+                    <a:cubicBezTo>
+                      <a:pt x="4003" y="1"/>
+                      <a:pt x="4036" y="1"/>
+                      <a:pt x="4070" y="34"/>
+                    </a:cubicBezTo>
+                    <a:lnTo>
+                      <a:pt x="7939" y="2269"/>
+                    </a:lnTo>
+                    <a:cubicBezTo>
+                      <a:pt x="8006" y="2302"/>
+                      <a:pt x="8006" y="2403"/>
+                      <a:pt x="7939" y="2436"/>
+                    </a:cubicBezTo>
+                    <a:lnTo>
+                      <a:pt x="4070" y="4671"/>
+                    </a:lnTo>
+                    <a:cubicBezTo>
+                      <a:pt x="4036" y="4704"/>
+                      <a:pt x="4003" y="4704"/>
+                      <a:pt x="3970" y="4671"/>
+                    </a:cubicBezTo>
+                    <a:close/>
+                  </a:path>
+                </a:pathLst>
+              </a:custGeom>
+              <a:noFill/>
+              <a:ln w="9525" cap="flat" cmpd="sng">
+                <a:solidFill>
+                  <a:schemeClr val="dk1"/>
+                </a:solidFill>
+                <a:prstDash val="solid"/>
+                <a:round/>
+                <a:headEnd type="none" w="sm" len="sm"/>
+                <a:tailEnd type="none" w="sm" len="sm"/>
+              </a:ln>
+            </p:spPr>
+            <p:txBody>
+              <a:bodyPr spcFirstLastPara="1" wrap="square" lIns="91425" tIns="91425" rIns="91425" bIns="91425" anchor="ctr" anchorCtr="0">
+                <a:noAutofit/>
+              </a:bodyPr>
+              <a:lstStyle/>
+              <a:p>
+                <a:pPr marL="0" lvl="0" indent="0" algn="l" rtl="0">
+                  <a:spcBef>
+                    <a:spcPts val="0"/>
+                  </a:spcBef>
+                  <a:spcAft>
+                    <a:spcPts val="0"/>
+                  </a:spcAft>
+                  <a:buNone/>
+                </a:pPr>
+                <a:endParaRPr/>
+              </a:p>
+            </p:txBody>
+          </p:sp>
+          <p:sp>
+            <p:nvSpPr>
+              <p:cNvPr id="53" name="Google Shape;258;p32">
+                <a:extLst>
+                  <a:ext uri="{FF2B5EF4-FFF2-40B4-BE49-F238E27FC236}">
+                    <a16:creationId xmlns:a16="http://schemas.microsoft.com/office/drawing/2014/main" id="{5356B67E-763D-7602-175D-41E6FAA662B4}"/>
+                  </a:ext>
+                </a:extLst>
+              </p:cNvPr>
+              <p:cNvSpPr/>
+              <p:nvPr/>
+            </p:nvSpPr>
+            <p:spPr>
+              <a:xfrm>
+                <a:off x="6860416" y="1733999"/>
+                <a:ext cx="700585" cy="411635"/>
+              </a:xfrm>
+              <a:custGeom>
+                <a:avLst/>
+                <a:gdLst/>
+                <a:ahLst/>
+                <a:cxnLst/>
+                <a:rect l="l" t="t" r="r" b="b"/>
+                <a:pathLst>
+                  <a:path w="8006" h="4704" fill="none" extrusionOk="0">
+                    <a:moveTo>
+                      <a:pt x="3936" y="4670"/>
+                    </a:moveTo>
+                    <a:lnTo>
+                      <a:pt x="67" y="2435"/>
+                    </a:lnTo>
+                    <a:cubicBezTo>
+                      <a:pt x="0" y="2402"/>
+                      <a:pt x="0" y="2302"/>
+                      <a:pt x="67" y="2268"/>
+                    </a:cubicBezTo>
+                    <a:lnTo>
+                      <a:pt x="3936" y="0"/>
+                    </a:lnTo>
+                    <a:cubicBezTo>
+                      <a:pt x="3970" y="0"/>
+                      <a:pt x="4003" y="0"/>
+                      <a:pt x="4036" y="0"/>
+                    </a:cubicBezTo>
+                    <a:lnTo>
+                      <a:pt x="7939" y="2268"/>
+                    </a:lnTo>
+                    <a:cubicBezTo>
+                      <a:pt x="8006" y="2302"/>
+                      <a:pt x="8006" y="2402"/>
+                      <a:pt x="7939" y="2435"/>
+                    </a:cubicBezTo>
+                    <a:lnTo>
+                      <a:pt x="4036" y="4670"/>
+                    </a:lnTo>
+                    <a:cubicBezTo>
+                      <a:pt x="4003" y="4704"/>
+                      <a:pt x="3970" y="4704"/>
+                      <a:pt x="3936" y="4670"/>
+                    </a:cubicBezTo>
+                    <a:close/>
+                  </a:path>
+                </a:pathLst>
+              </a:custGeom>
+              <a:noFill/>
+              <a:ln w="9525" cap="flat" cmpd="sng">
+                <a:solidFill>
+                  <a:schemeClr val="dk1"/>
+                </a:solidFill>
+                <a:prstDash val="solid"/>
+                <a:round/>
+                <a:headEnd type="none" w="sm" len="sm"/>
+                <a:tailEnd type="none" w="sm" len="sm"/>
+              </a:ln>
+            </p:spPr>
+            <p:txBody>
+              <a:bodyPr spcFirstLastPara="1" wrap="square" lIns="91425" tIns="91425" rIns="91425" bIns="91425" anchor="ctr" anchorCtr="0">
+                <a:noAutofit/>
+              </a:bodyPr>
+              <a:lstStyle/>
+              <a:p>
+                <a:pPr marL="0" lvl="0" indent="0" algn="l" rtl="0">
+                  <a:spcBef>
+                    <a:spcPts val="0"/>
+                  </a:spcBef>
+                  <a:spcAft>
+                    <a:spcPts val="0"/>
+                  </a:spcAft>
+                  <a:buNone/>
+                </a:pPr>
+                <a:endParaRPr/>
+              </a:p>
+            </p:txBody>
+          </p:sp>
+          <p:sp>
+            <p:nvSpPr>
+              <p:cNvPr id="54" name="Google Shape;259;p32">
+                <a:extLst>
+                  <a:ext uri="{FF2B5EF4-FFF2-40B4-BE49-F238E27FC236}">
+                    <a16:creationId xmlns:a16="http://schemas.microsoft.com/office/drawing/2014/main" id="{7F3C08E4-CEB7-A4AE-E777-AD2F3DA5F07B}"/>
+                  </a:ext>
+                </a:extLst>
+              </p:cNvPr>
+              <p:cNvSpPr/>
+              <p:nvPr/>
+            </p:nvSpPr>
+            <p:spPr>
+              <a:xfrm>
+                <a:off x="5783286" y="1529669"/>
+                <a:ext cx="700673" cy="408748"/>
+              </a:xfrm>
+              <a:custGeom>
+                <a:avLst/>
+                <a:gdLst/>
+                <a:ahLst/>
+                <a:cxnLst/>
+                <a:rect l="l" t="t" r="r" b="b"/>
+                <a:pathLst>
+                  <a:path w="8007" h="4671" fill="none" extrusionOk="0">
+                    <a:moveTo>
+                      <a:pt x="3970" y="4670"/>
+                    </a:moveTo>
+                    <a:lnTo>
+                      <a:pt x="100" y="2435"/>
+                    </a:lnTo>
+                    <a:cubicBezTo>
+                      <a:pt x="0" y="2369"/>
+                      <a:pt x="0" y="2268"/>
+                      <a:pt x="100" y="2235"/>
+                    </a:cubicBezTo>
+                    <a:lnTo>
+                      <a:pt x="3970" y="0"/>
+                    </a:lnTo>
+                    <a:cubicBezTo>
+                      <a:pt x="4003" y="0"/>
+                      <a:pt x="4037" y="0"/>
+                      <a:pt x="4070" y="0"/>
+                    </a:cubicBezTo>
+                    <a:lnTo>
+                      <a:pt x="7939" y="2235"/>
+                    </a:lnTo>
+                    <a:cubicBezTo>
+                      <a:pt x="8006" y="2268"/>
+                      <a:pt x="8006" y="2369"/>
+                      <a:pt x="7939" y="2435"/>
+                    </a:cubicBezTo>
+                    <a:lnTo>
+                      <a:pt x="4070" y="4670"/>
+                    </a:lnTo>
+                    <a:cubicBezTo>
+                      <a:pt x="4037" y="4670"/>
+                      <a:pt x="4003" y="4670"/>
+                      <a:pt x="3970" y="4670"/>
+                    </a:cubicBezTo>
+                    <a:close/>
+                  </a:path>
+                </a:pathLst>
+              </a:custGeom>
+              <a:noFill/>
+              <a:ln w="9525" cap="flat" cmpd="sng">
+                <a:solidFill>
+                  <a:schemeClr val="dk1"/>
+                </a:solidFill>
+                <a:prstDash val="solid"/>
+                <a:round/>
+                <a:headEnd type="none" w="sm" len="sm"/>
+                <a:tailEnd type="none" w="sm" len="sm"/>
+              </a:ln>
+            </p:spPr>
+            <p:txBody>
+              <a:bodyPr spcFirstLastPara="1" wrap="square" lIns="91425" tIns="91425" rIns="91425" bIns="91425" anchor="ctr" anchorCtr="0">
+                <a:noAutofit/>
+              </a:bodyPr>
+              <a:lstStyle/>
+              <a:p>
+                <a:pPr marL="0" lvl="0" indent="0" algn="l" rtl="0">
+                  <a:spcBef>
+                    <a:spcPts val="0"/>
+                  </a:spcBef>
+                  <a:spcAft>
+                    <a:spcPts val="0"/>
+                  </a:spcAft>
+                  <a:buNone/>
+                </a:pPr>
+                <a:endParaRPr/>
+              </a:p>
+            </p:txBody>
+          </p:sp>
+          <p:sp>
+            <p:nvSpPr>
+              <p:cNvPr id="55" name="Google Shape;260;p32">
+                <a:extLst>
+                  <a:ext uri="{FF2B5EF4-FFF2-40B4-BE49-F238E27FC236}">
+                    <a16:creationId xmlns:a16="http://schemas.microsoft.com/office/drawing/2014/main" id="{CA8AA5EF-31A3-3D58-3457-E429BBDD8152}"/>
+                  </a:ext>
+                </a:extLst>
+              </p:cNvPr>
+              <p:cNvSpPr/>
+              <p:nvPr/>
+            </p:nvSpPr>
+            <p:spPr>
+              <a:xfrm>
+                <a:off x="6142329" y="1733999"/>
+                <a:ext cx="700585" cy="411635"/>
+              </a:xfrm>
+              <a:custGeom>
+                <a:avLst/>
+                <a:gdLst/>
+                <a:ahLst/>
+                <a:cxnLst/>
+                <a:rect l="l" t="t" r="r" b="b"/>
+                <a:pathLst>
+                  <a:path w="8006" h="4704" fill="none" extrusionOk="0">
+                    <a:moveTo>
+                      <a:pt x="3936" y="4704"/>
+                    </a:moveTo>
+                    <a:lnTo>
+                      <a:pt x="67" y="2435"/>
+                    </a:lnTo>
+                    <a:cubicBezTo>
+                      <a:pt x="0" y="2402"/>
+                      <a:pt x="0" y="2302"/>
+                      <a:pt x="67" y="2268"/>
+                    </a:cubicBezTo>
+                    <a:lnTo>
+                      <a:pt x="3936" y="34"/>
+                    </a:lnTo>
+                    <a:cubicBezTo>
+                      <a:pt x="3970" y="0"/>
+                      <a:pt x="4036" y="0"/>
+                      <a:pt x="4070" y="34"/>
+                    </a:cubicBezTo>
+                    <a:lnTo>
+                      <a:pt x="7939" y="2268"/>
+                    </a:lnTo>
+                    <a:cubicBezTo>
+                      <a:pt x="8006" y="2302"/>
+                      <a:pt x="8006" y="2402"/>
+                      <a:pt x="7939" y="2435"/>
+                    </a:cubicBezTo>
+                    <a:lnTo>
+                      <a:pt x="4070" y="4704"/>
+                    </a:lnTo>
+                    <a:cubicBezTo>
+                      <a:pt x="4036" y="4704"/>
+                      <a:pt x="3970" y="4704"/>
+                      <a:pt x="3936" y="4704"/>
+                    </a:cubicBezTo>
+                    <a:close/>
+                  </a:path>
+                </a:pathLst>
+              </a:custGeom>
+              <a:noFill/>
+              <a:ln w="9525" cap="flat" cmpd="sng">
+                <a:solidFill>
+                  <a:schemeClr val="dk1"/>
+                </a:solidFill>
+                <a:prstDash val="solid"/>
+                <a:round/>
+                <a:headEnd type="none" w="sm" len="sm"/>
+                <a:tailEnd type="none" w="sm" len="sm"/>
+              </a:ln>
+            </p:spPr>
+            <p:txBody>
+              <a:bodyPr spcFirstLastPara="1" wrap="square" lIns="91425" tIns="91425" rIns="91425" bIns="91425" anchor="ctr" anchorCtr="0">
+                <a:noAutofit/>
+              </a:bodyPr>
+              <a:lstStyle/>
+              <a:p>
+                <a:pPr marL="0" lvl="0" indent="0" algn="l" rtl="0">
+                  <a:spcBef>
+                    <a:spcPts val="0"/>
+                  </a:spcBef>
+                  <a:spcAft>
+                    <a:spcPts val="0"/>
+                  </a:spcAft>
+                  <a:buNone/>
+                </a:pPr>
+                <a:endParaRPr/>
+              </a:p>
+            </p:txBody>
+          </p:sp>
+          <p:sp>
+            <p:nvSpPr>
+              <p:cNvPr id="56" name="Google Shape;261;p32">
+                <a:extLst>
+                  <a:ext uri="{FF2B5EF4-FFF2-40B4-BE49-F238E27FC236}">
+                    <a16:creationId xmlns:a16="http://schemas.microsoft.com/office/drawing/2014/main" id="{D97A2ED1-8971-3DB6-32BD-921B98247E7E}"/>
+                  </a:ext>
+                </a:extLst>
+              </p:cNvPr>
+              <p:cNvSpPr/>
+              <p:nvPr/>
+            </p:nvSpPr>
+            <p:spPr>
+              <a:xfrm>
+                <a:off x="6501373" y="1941216"/>
+                <a:ext cx="697697" cy="411635"/>
+              </a:xfrm>
+              <a:custGeom>
+                <a:avLst/>
+                <a:gdLst/>
+                <a:ahLst/>
+                <a:cxnLst/>
+                <a:rect l="l" t="t" r="r" b="b"/>
+                <a:pathLst>
+                  <a:path w="7973" h="4704" fill="none" extrusionOk="0">
+                    <a:moveTo>
+                      <a:pt x="3936" y="4671"/>
+                    </a:moveTo>
+                    <a:lnTo>
+                      <a:pt x="67" y="2436"/>
+                    </a:lnTo>
+                    <a:cubicBezTo>
+                      <a:pt x="0" y="2402"/>
+                      <a:pt x="0" y="2302"/>
+                      <a:pt x="67" y="2269"/>
+                    </a:cubicBezTo>
+                    <a:lnTo>
+                      <a:pt x="3936" y="34"/>
+                    </a:lnTo>
+                    <a:cubicBezTo>
+                      <a:pt x="3970" y="1"/>
+                      <a:pt x="4003" y="1"/>
+                      <a:pt x="4036" y="34"/>
+                    </a:cubicBezTo>
+                    <a:lnTo>
+                      <a:pt x="7906" y="2269"/>
+                    </a:lnTo>
+                    <a:cubicBezTo>
+                      <a:pt x="7973" y="2302"/>
+                      <a:pt x="7973" y="2402"/>
+                      <a:pt x="7906" y="2436"/>
+                    </a:cubicBezTo>
+                    <a:lnTo>
+                      <a:pt x="4036" y="4671"/>
+                    </a:lnTo>
+                    <a:cubicBezTo>
+                      <a:pt x="4003" y="4704"/>
+                      <a:pt x="3970" y="4704"/>
+                      <a:pt x="3936" y="4671"/>
+                    </a:cubicBezTo>
+                    <a:close/>
+                  </a:path>
+                </a:pathLst>
+              </a:custGeom>
+              <a:noFill/>
+              <a:ln w="9525" cap="flat" cmpd="sng">
+                <a:solidFill>
+                  <a:schemeClr val="dk1"/>
+                </a:solidFill>
+                <a:prstDash val="solid"/>
+                <a:round/>
+                <a:headEnd type="none" w="sm" len="sm"/>
+                <a:tailEnd type="none" w="sm" len="sm"/>
+              </a:ln>
+            </p:spPr>
+            <p:txBody>
+              <a:bodyPr spcFirstLastPara="1" wrap="square" lIns="91425" tIns="91425" rIns="91425" bIns="91425" anchor="ctr" anchorCtr="0">
+                <a:noAutofit/>
+              </a:bodyPr>
+              <a:lstStyle/>
+              <a:p>
+                <a:pPr marL="0" lvl="0" indent="0" algn="l" rtl="0">
+                  <a:spcBef>
+                    <a:spcPts val="0"/>
+                  </a:spcBef>
+                  <a:spcAft>
+                    <a:spcPts val="0"/>
+                  </a:spcAft>
+                  <a:buNone/>
+                </a:pPr>
+                <a:endParaRPr/>
+              </a:p>
+            </p:txBody>
+          </p:sp>
+          <p:sp>
+            <p:nvSpPr>
+              <p:cNvPr id="57" name="Google Shape;262;p32">
+                <a:extLst>
+                  <a:ext uri="{FF2B5EF4-FFF2-40B4-BE49-F238E27FC236}">
+                    <a16:creationId xmlns:a16="http://schemas.microsoft.com/office/drawing/2014/main" id="{4CE618D2-8D24-1B85-3571-0A29F2980315}"/>
+                  </a:ext>
+                </a:extLst>
+              </p:cNvPr>
+              <p:cNvSpPr/>
+              <p:nvPr/>
+            </p:nvSpPr>
+            <p:spPr>
+              <a:xfrm>
+                <a:off x="5427131" y="1736886"/>
+                <a:ext cx="700673" cy="408748"/>
+              </a:xfrm>
+              <a:custGeom>
+                <a:avLst/>
+                <a:gdLst/>
+                <a:ahLst/>
+                <a:cxnLst/>
+                <a:rect l="l" t="t" r="r" b="b"/>
+                <a:pathLst>
+                  <a:path w="8007" h="4671" fill="none" extrusionOk="0">
+                    <a:moveTo>
+                      <a:pt x="3937" y="4671"/>
+                    </a:moveTo>
+                    <a:lnTo>
+                      <a:pt x="67" y="2436"/>
+                    </a:lnTo>
+                    <a:cubicBezTo>
+                      <a:pt x="1" y="2402"/>
+                      <a:pt x="1" y="2269"/>
+                      <a:pt x="67" y="2235"/>
+                    </a:cubicBezTo>
+                    <a:lnTo>
+                      <a:pt x="3937" y="1"/>
+                    </a:lnTo>
+                    <a:cubicBezTo>
+                      <a:pt x="3970" y="1"/>
+                      <a:pt x="4004" y="1"/>
+                      <a:pt x="4037" y="1"/>
+                    </a:cubicBezTo>
+                    <a:lnTo>
+                      <a:pt x="7940" y="2235"/>
+                    </a:lnTo>
+                    <a:cubicBezTo>
+                      <a:pt x="8006" y="2302"/>
+                      <a:pt x="8006" y="2402"/>
+                      <a:pt x="7940" y="2436"/>
+                    </a:cubicBezTo>
+                    <a:lnTo>
+                      <a:pt x="4037" y="4671"/>
+                    </a:lnTo>
+                    <a:cubicBezTo>
+                      <a:pt x="4004" y="4671"/>
+                      <a:pt x="3970" y="4671"/>
+                      <a:pt x="3937" y="4671"/>
+                    </a:cubicBezTo>
+                    <a:close/>
+                  </a:path>
+                </a:pathLst>
+              </a:custGeom>
+              <a:noFill/>
+              <a:ln w="9525" cap="flat" cmpd="sng">
+                <a:solidFill>
+                  <a:schemeClr val="dk1"/>
+                </a:solidFill>
+                <a:prstDash val="solid"/>
+                <a:round/>
+                <a:headEnd type="none" w="sm" len="sm"/>
+                <a:tailEnd type="none" w="sm" len="sm"/>
+              </a:ln>
+            </p:spPr>
+            <p:txBody>
+              <a:bodyPr spcFirstLastPara="1" wrap="square" lIns="91425" tIns="91425" rIns="91425" bIns="91425" anchor="ctr" anchorCtr="0">
+                <a:noAutofit/>
+              </a:bodyPr>
+              <a:lstStyle/>
+              <a:p>
+                <a:pPr marL="0" lvl="0" indent="0" algn="l" rtl="0">
+                  <a:spcBef>
+                    <a:spcPts val="0"/>
+                  </a:spcBef>
+                  <a:spcAft>
+                    <a:spcPts val="0"/>
+                  </a:spcAft>
+                  <a:buNone/>
+                </a:pPr>
+                <a:endParaRPr/>
+              </a:p>
+            </p:txBody>
+          </p:sp>
+          <p:sp>
+            <p:nvSpPr>
+              <p:cNvPr id="58" name="Google Shape;263;p32">
+                <a:extLst>
+                  <a:ext uri="{FF2B5EF4-FFF2-40B4-BE49-F238E27FC236}">
+                    <a16:creationId xmlns:a16="http://schemas.microsoft.com/office/drawing/2014/main" id="{F4468212-0925-AEE9-05CC-2FBCEB6FBEA2}"/>
+                  </a:ext>
+                </a:extLst>
+              </p:cNvPr>
+              <p:cNvSpPr/>
+              <p:nvPr/>
+            </p:nvSpPr>
+            <p:spPr>
+              <a:xfrm>
+                <a:off x="5783286" y="1941216"/>
+                <a:ext cx="700673" cy="411635"/>
+              </a:xfrm>
+              <a:custGeom>
+                <a:avLst/>
+                <a:gdLst/>
+                <a:ahLst/>
+                <a:cxnLst/>
+                <a:rect l="l" t="t" r="r" b="b"/>
+                <a:pathLst>
+                  <a:path w="8007" h="4704" fill="none" extrusionOk="0">
+                    <a:moveTo>
+                      <a:pt x="3936" y="4704"/>
+                    </a:moveTo>
+                    <a:lnTo>
+                      <a:pt x="67" y="2469"/>
+                    </a:lnTo>
+                    <a:cubicBezTo>
+                      <a:pt x="0" y="2402"/>
+                      <a:pt x="0" y="2302"/>
+                      <a:pt x="67" y="2269"/>
+                    </a:cubicBezTo>
+                    <a:lnTo>
+                      <a:pt x="3936" y="34"/>
+                    </a:lnTo>
+                    <a:cubicBezTo>
+                      <a:pt x="3970" y="1"/>
+                      <a:pt x="4003" y="1"/>
+                      <a:pt x="4037" y="34"/>
+                    </a:cubicBezTo>
+                    <a:lnTo>
+                      <a:pt x="7939" y="2269"/>
+                    </a:lnTo>
+                    <a:cubicBezTo>
+                      <a:pt x="8006" y="2302"/>
+                      <a:pt x="8006" y="2402"/>
+                      <a:pt x="7939" y="2469"/>
+                    </a:cubicBezTo>
+                    <a:lnTo>
+                      <a:pt x="4037" y="4704"/>
+                    </a:lnTo>
+                    <a:cubicBezTo>
+                      <a:pt x="4003" y="4704"/>
+                      <a:pt x="3970" y="4704"/>
+                      <a:pt x="3936" y="4704"/>
+                    </a:cubicBezTo>
+                    <a:close/>
+                  </a:path>
+                </a:pathLst>
+              </a:custGeom>
+              <a:noFill/>
+              <a:ln w="9525" cap="flat" cmpd="sng">
+                <a:solidFill>
+                  <a:schemeClr val="dk1"/>
+                </a:solidFill>
+                <a:prstDash val="solid"/>
+                <a:round/>
+                <a:headEnd type="none" w="sm" len="sm"/>
+                <a:tailEnd type="none" w="sm" len="sm"/>
+              </a:ln>
+            </p:spPr>
+            <p:txBody>
+              <a:bodyPr spcFirstLastPara="1" wrap="square" lIns="91425" tIns="91425" rIns="91425" bIns="91425" anchor="ctr" anchorCtr="0">
+                <a:noAutofit/>
+              </a:bodyPr>
+              <a:lstStyle/>
+              <a:p>
+                <a:pPr marL="0" lvl="0" indent="0" algn="l" rtl="0">
+                  <a:spcBef>
+                    <a:spcPts val="0"/>
+                  </a:spcBef>
+                  <a:spcAft>
+                    <a:spcPts val="0"/>
+                  </a:spcAft>
+                  <a:buNone/>
+                </a:pPr>
+                <a:endParaRPr/>
+              </a:p>
+            </p:txBody>
+          </p:sp>
+          <p:sp>
+            <p:nvSpPr>
+              <p:cNvPr id="59" name="Google Shape;264;p32">
+                <a:extLst>
+                  <a:ext uri="{FF2B5EF4-FFF2-40B4-BE49-F238E27FC236}">
+                    <a16:creationId xmlns:a16="http://schemas.microsoft.com/office/drawing/2014/main" id="{98A72A30-3A63-3A4B-441A-80E5C73C5026}"/>
+                  </a:ext>
+                </a:extLst>
+              </p:cNvPr>
+              <p:cNvSpPr/>
+              <p:nvPr/>
+            </p:nvSpPr>
+            <p:spPr>
+              <a:xfrm>
+                <a:off x="6139354" y="2148434"/>
+                <a:ext cx="700673" cy="411723"/>
+              </a:xfrm>
+              <a:custGeom>
+                <a:avLst/>
+                <a:gdLst/>
+                <a:ahLst/>
+                <a:cxnLst/>
+                <a:rect l="l" t="t" r="r" b="b"/>
+                <a:pathLst>
+                  <a:path w="8007" h="4705" fill="none" extrusionOk="0">
+                    <a:moveTo>
+                      <a:pt x="3970" y="4704"/>
+                    </a:moveTo>
+                    <a:lnTo>
+                      <a:pt x="68" y="2436"/>
+                    </a:lnTo>
+                    <a:cubicBezTo>
+                      <a:pt x="1" y="2403"/>
+                      <a:pt x="1" y="2303"/>
+                      <a:pt x="68" y="2269"/>
+                    </a:cubicBezTo>
+                    <a:lnTo>
+                      <a:pt x="3970" y="34"/>
+                    </a:lnTo>
+                    <a:cubicBezTo>
+                      <a:pt x="4004" y="1"/>
+                      <a:pt x="4037" y="1"/>
+                      <a:pt x="4070" y="34"/>
+                    </a:cubicBezTo>
+                    <a:lnTo>
+                      <a:pt x="7940" y="2269"/>
+                    </a:lnTo>
+                    <a:cubicBezTo>
+                      <a:pt x="8007" y="2303"/>
+                      <a:pt x="8007" y="2403"/>
+                      <a:pt x="7940" y="2436"/>
+                    </a:cubicBezTo>
+                    <a:lnTo>
+                      <a:pt x="4070" y="4704"/>
+                    </a:lnTo>
+                    <a:cubicBezTo>
+                      <a:pt x="4037" y="4704"/>
+                      <a:pt x="4004" y="4704"/>
+                      <a:pt x="3970" y="4704"/>
+                    </a:cubicBezTo>
+                    <a:close/>
+                  </a:path>
+                </a:pathLst>
+              </a:custGeom>
+              <a:noFill/>
+              <a:ln w="9525" cap="flat" cmpd="sng">
+                <a:solidFill>
+                  <a:schemeClr val="dk1"/>
+                </a:solidFill>
+                <a:prstDash val="solid"/>
+                <a:round/>
+                <a:headEnd type="none" w="sm" len="sm"/>
+                <a:tailEnd type="none" w="sm" len="sm"/>
+              </a:ln>
+            </p:spPr>
+            <p:txBody>
+              <a:bodyPr spcFirstLastPara="1" wrap="square" lIns="91425" tIns="91425" rIns="91425" bIns="91425" anchor="ctr" anchorCtr="0">
+                <a:noAutofit/>
+              </a:bodyPr>
+              <a:lstStyle/>
+              <a:p>
+                <a:pPr marL="0" lvl="0" indent="0" algn="l" rtl="0">
+                  <a:spcBef>
+                    <a:spcPts val="0"/>
+                  </a:spcBef>
+                  <a:spcAft>
+                    <a:spcPts val="0"/>
+                  </a:spcAft>
+                  <a:buNone/>
+                </a:pPr>
+                <a:endParaRPr/>
+              </a:p>
+            </p:txBody>
+          </p:sp>
+        </p:grpSp>
+      </p:grpSp>
+    </p:spTree>
+    <p:extLst>
+      <p:ext uri="{BB962C8B-B14F-4D97-AF65-F5344CB8AC3E}">
+        <p14:creationId xmlns:p14="http://schemas.microsoft.com/office/powerpoint/2010/main" val="4251249241"/>
+      </p:ext>
+    </p:extLst>
+  </p:cSld>
+  <p:clrMapOvr>
+    <a:masterClrMapping/>
+  </p:clrMapOvr>
+</p:sld>
+</file>
+
+<file path=ppt/slides/slide7.xml><?xml version="1.0" encoding="utf-8"?>
 <p:sld xmlns:a="http://schemas.openxmlformats.org/drawingml/2006/main" xmlns:r="http://schemas.openxmlformats.org/officeDocument/2006/relationships" xmlns:p="http://schemas.openxmlformats.org/presentationml/2006/main">
   <p:cSld>
     <p:spTree>
